--- a/Recherche d’un trajet sur une carte.pptx
+++ b/Recherche d’un trajet sur une carte.pptx
@@ -7,19 +7,23 @@
   <p:sldIdLst>
     <p:sldId id="256" r:id="rId2"/>
     <p:sldId id="258" r:id="rId3"/>
-    <p:sldId id="257" r:id="rId4"/>
-    <p:sldId id="259" r:id="rId5"/>
-    <p:sldId id="260" r:id="rId6"/>
-    <p:sldId id="261" r:id="rId7"/>
-    <p:sldId id="262" r:id="rId8"/>
-    <p:sldId id="270" r:id="rId9"/>
-    <p:sldId id="269" r:id="rId10"/>
-    <p:sldId id="263" r:id="rId11"/>
-    <p:sldId id="264" r:id="rId12"/>
-    <p:sldId id="268" r:id="rId13"/>
-    <p:sldId id="265" r:id="rId14"/>
-    <p:sldId id="266" r:id="rId15"/>
-    <p:sldId id="267" r:id="rId16"/>
+    <p:sldId id="271" r:id="rId4"/>
+    <p:sldId id="257" r:id="rId5"/>
+    <p:sldId id="259" r:id="rId6"/>
+    <p:sldId id="260" r:id="rId7"/>
+    <p:sldId id="261" r:id="rId8"/>
+    <p:sldId id="262" r:id="rId9"/>
+    <p:sldId id="270" r:id="rId10"/>
+    <p:sldId id="269" r:id="rId11"/>
+    <p:sldId id="274" r:id="rId12"/>
+    <p:sldId id="264" r:id="rId13"/>
+    <p:sldId id="268" r:id="rId14"/>
+    <p:sldId id="273" r:id="rId15"/>
+    <p:sldId id="263" r:id="rId16"/>
+    <p:sldId id="272" r:id="rId17"/>
+    <p:sldId id="265" r:id="rId18"/>
+    <p:sldId id="266" r:id="rId19"/>
+    <p:sldId id="267" r:id="rId20"/>
   </p:sldIdLst>
   <p:sldSz cx="12192000" cy="6858000"/>
   <p:notesSz cx="6858000" cy="9144000"/>
@@ -289,7 +293,7 @@
           <a:p>
             <a:fld id="{1160EA64-D806-43AC-9DF2-F8C432F32B4C}" type="datetimeFigureOut">
               <a:rPr lang="en-US" dirty="0"/>
-              <a:t>5/24/2018</a:t>
+              <a:t>5/26/2018</a:t>
             </a:fld>
             <a:endParaRPr lang="en-US" dirty="0"/>
           </a:p>
@@ -455,7 +459,7 @@
           <a:p>
             <a:fld id="{E9F9C37B-1D36-470B-8223-D6C91242EC14}" type="datetimeFigureOut">
               <a:rPr lang="en-US" dirty="0"/>
-              <a:t>5/24/2018</a:t>
+              <a:t>5/26/2018</a:t>
             </a:fld>
             <a:endParaRPr lang="en-US" dirty="0"/>
           </a:p>
@@ -630,7 +634,7 @@
           <a:p>
             <a:fld id="{67C6F52A-A82B-47A2-A83A-8C4C91F2D59F}" type="datetimeFigureOut">
               <a:rPr lang="en-US" dirty="0"/>
-              <a:t>5/24/2018</a:t>
+              <a:t>5/26/2018</a:t>
             </a:fld>
             <a:endParaRPr lang="en-US" dirty="0"/>
           </a:p>
@@ -795,7 +799,7 @@
           <a:p>
             <a:fld id="{F070A7B3-6521-4DCA-87E5-044747A908C1}" type="datetimeFigureOut">
               <a:rPr lang="en-US" dirty="0"/>
-              <a:t>5/24/2018</a:t>
+              <a:t>5/26/2018</a:t>
             </a:fld>
             <a:endParaRPr lang="en-US" dirty="0"/>
           </a:p>
@@ -1059,7 +1063,7 @@
           <a:p>
             <a:fld id="{1160EA64-D806-43AC-9DF2-F8C432F32B4C}" type="datetimeFigureOut">
               <a:rPr lang="en-US" dirty="0"/>
-              <a:t>5/24/2018</a:t>
+              <a:t>5/26/2018</a:t>
             </a:fld>
             <a:endParaRPr lang="en-US" dirty="0"/>
           </a:p>
@@ -1287,7 +1291,7 @@
           <a:p>
             <a:fld id="{AB134690-1557-4C89-A502-4959FE7FAD70}" type="datetimeFigureOut">
               <a:rPr lang="en-US" dirty="0"/>
-              <a:t>5/24/2018</a:t>
+              <a:t>5/26/2018</a:t>
             </a:fld>
             <a:endParaRPr lang="en-US" dirty="0"/>
           </a:p>
@@ -1641,7 +1645,7 @@
           <a:p>
             <a:fld id="{4F7D4976-E339-4826-83B7-FBD03F55ECF8}" type="datetimeFigureOut">
               <a:rPr lang="en-US" dirty="0"/>
-              <a:t>5/24/2018</a:t>
+              <a:t>5/26/2018</a:t>
             </a:fld>
             <a:endParaRPr lang="en-US" dirty="0"/>
           </a:p>
@@ -1777,7 +1781,7 @@
           <a:p>
             <a:fld id="{E1037C31-9E7A-4F99-8774-A0E530DE1A42}" type="datetimeFigureOut">
               <a:rPr lang="en-US" dirty="0"/>
-              <a:t>5/24/2018</a:t>
+              <a:t>5/26/2018</a:t>
             </a:fld>
             <a:endParaRPr lang="en-US" dirty="0"/>
           </a:p>
@@ -1867,7 +1871,7 @@
           <a:p>
             <a:fld id="{C278504F-A551-4DE0-9316-4DCD1D8CC752}" type="datetimeFigureOut">
               <a:rPr lang="en-US" dirty="0"/>
-              <a:t>5/24/2018</a:t>
+              <a:t>5/26/2018</a:t>
             </a:fld>
             <a:endParaRPr lang="en-US" dirty="0"/>
           </a:p>
@@ -2219,7 +2223,7 @@
           <a:p>
             <a:fld id="{D1BE4249-C0D0-4B06-8692-E8BB871AF643}" type="datetimeFigureOut">
               <a:rPr lang="en-US" dirty="0"/>
-              <a:t>5/24/2018</a:t>
+              <a:t>5/26/2018</a:t>
             </a:fld>
             <a:endParaRPr lang="en-US" dirty="0"/>
           </a:p>
@@ -2571,7 +2575,7 @@
           <a:p>
             <a:fld id="{042B0DB6-F5C7-45FB-8CF3-31B45F9C2DAC}" type="datetimeFigureOut">
               <a:rPr lang="en-US" dirty="0"/>
-              <a:t>5/24/2018</a:t>
+              <a:t>5/26/2018</a:t>
             </a:fld>
             <a:endParaRPr lang="en-US" dirty="0"/>
           </a:p>
@@ -2807,7 +2811,7 @@
           <a:p>
             <a:fld id="{1160EA64-D806-43AC-9DF2-F8C432F32B4C}" type="datetimeFigureOut">
               <a:rPr lang="en-US" dirty="0"/>
-              <a:t>5/24/2018</a:t>
+              <a:t>5/26/2018</a:t>
             </a:fld>
             <a:endParaRPr lang="en-US" dirty="0"/>
           </a:p>
@@ -3375,7 +3379,7 @@
           <p:cNvPr id="2" name="Title 1">
             <a:extLst>
               <a:ext uri="{FF2B5EF4-FFF2-40B4-BE49-F238E27FC236}">
-                <a16:creationId xmlns:a16="http://schemas.microsoft.com/office/drawing/2014/main" id="{510F088E-32A7-4AFD-A59C-7D71FDBC930B}"/>
+                <a16:creationId xmlns:a16="http://schemas.microsoft.com/office/drawing/2014/main" id="{554829AA-84A0-4AA1-A607-AABCA6E5D709}"/>
               </a:ext>
             </a:extLst>
           </p:cNvPr>
@@ -3393,7 +3397,7 @@
           <a:p>
             <a:r>
               <a:rPr lang="fr-FR" dirty="0"/>
-              <a:t>Mot reconnu (déterministe)</a:t>
+              <a:t>Existe Chemin</a:t>
             </a:r>
           </a:p>
         </p:txBody>
@@ -3403,7 +3407,7 @@
           <p:cNvPr id="3" name="Content Placeholder 2">
             <a:extLst>
               <a:ext uri="{FF2B5EF4-FFF2-40B4-BE49-F238E27FC236}">
-                <a16:creationId xmlns:a16="http://schemas.microsoft.com/office/drawing/2014/main" id="{7F5D72F2-98D6-4001-BE4C-6F9195E80731}"/>
+                <a16:creationId xmlns:a16="http://schemas.microsoft.com/office/drawing/2014/main" id="{F05898F6-762E-4AC2-BAA9-7CF2E87536C2}"/>
               </a:ext>
             </a:extLst>
           </p:cNvPr>
@@ -3426,7 +3430,7 @@
     </p:spTree>
     <p:extLst>
       <p:ext uri="{BB962C8B-B14F-4D97-AF65-F5344CB8AC3E}">
-        <p14:creationId xmlns:p14="http://schemas.microsoft.com/office/powerpoint/2010/main" val="995525120"/>
+        <p14:creationId xmlns:p14="http://schemas.microsoft.com/office/powerpoint/2010/main" val="743719443"/>
       </p:ext>
     </p:extLst>
   </p:cSld>
@@ -3458,6 +3462,89 @@
           <p:cNvPr id="2" name="Title 1">
             <a:extLst>
               <a:ext uri="{FF2B5EF4-FFF2-40B4-BE49-F238E27FC236}">
+                <a16:creationId xmlns:a16="http://schemas.microsoft.com/office/drawing/2014/main" id="{82C9DB1F-DBAC-4A86-98FC-64EE30AD1C0E}"/>
+              </a:ext>
+            </a:extLst>
+          </p:cNvPr>
+          <p:cNvSpPr>
+            <a:spLocks noGrp="1"/>
+          </p:cNvSpPr>
+          <p:nvPr>
+            <p:ph type="title"/>
+          </p:nvPr>
+        </p:nvSpPr>
+        <p:spPr/>
+        <p:txBody>
+          <a:bodyPr/>
+          <a:lstStyle/>
+          <a:p>
+            <a:r>
+              <a:rPr lang="fr-FR" dirty="0"/>
+              <a:t>Algorithme</a:t>
+            </a:r>
+          </a:p>
+        </p:txBody>
+      </p:sp>
+      <p:sp>
+        <p:nvSpPr>
+          <p:cNvPr id="3" name="Content Placeholder 2">
+            <a:extLst>
+              <a:ext uri="{FF2B5EF4-FFF2-40B4-BE49-F238E27FC236}">
+                <a16:creationId xmlns:a16="http://schemas.microsoft.com/office/drawing/2014/main" id="{2C2D3FD1-BBD2-440D-BFD5-3CE35757118E}"/>
+              </a:ext>
+            </a:extLst>
+          </p:cNvPr>
+          <p:cNvSpPr>
+            <a:spLocks noGrp="1"/>
+          </p:cNvSpPr>
+          <p:nvPr>
+            <p:ph idx="1"/>
+          </p:nvPr>
+        </p:nvSpPr>
+        <p:spPr/>
+        <p:txBody>
+          <a:bodyPr/>
+          <a:lstStyle/>
+          <a:p>
+            <a:endParaRPr lang="fr-FR"/>
+          </a:p>
+        </p:txBody>
+      </p:sp>
+    </p:spTree>
+    <p:extLst>
+      <p:ext uri="{BB962C8B-B14F-4D97-AF65-F5344CB8AC3E}">
+        <p14:creationId xmlns:p14="http://schemas.microsoft.com/office/powerpoint/2010/main" val="1951504384"/>
+      </p:ext>
+    </p:extLst>
+  </p:cSld>
+  <p:clrMapOvr>
+    <a:masterClrMapping/>
+  </p:clrMapOvr>
+</p:sld>
+</file>
+
+<file path=ppt/slides/slide12.xml><?xml version="1.0" encoding="utf-8"?>
+<p:sld xmlns:a="http://schemas.openxmlformats.org/drawingml/2006/main" xmlns:r="http://schemas.openxmlformats.org/officeDocument/2006/relationships" xmlns:p="http://schemas.openxmlformats.org/presentationml/2006/main">
+  <p:cSld>
+    <p:spTree>
+      <p:nvGrpSpPr>
+        <p:cNvPr id="1" name=""/>
+        <p:cNvGrpSpPr/>
+        <p:nvPr/>
+      </p:nvGrpSpPr>
+      <p:grpSpPr>
+        <a:xfrm>
+          <a:off x="0" y="0"/>
+          <a:ext cx="0" cy="0"/>
+          <a:chOff x="0" y="0"/>
+          <a:chExt cx="0" cy="0"/>
+        </a:xfrm>
+      </p:grpSpPr>
+      <p:sp>
+        <p:nvSpPr>
+          <p:cNvPr id="2" name="Title 1">
+            <a:extLst>
+              <a:ext uri="{FF2B5EF4-FFF2-40B4-BE49-F238E27FC236}">
                 <a16:creationId xmlns:a16="http://schemas.microsoft.com/office/drawing/2014/main" id="{5EBEFFBE-1410-4F24-808C-512EED7432DD}"/>
               </a:ext>
             </a:extLst>
@@ -3499,7 +3586,7 @@
 </p:sld>
 </file>
 
-<file path=ppt/slides/slide12.xml><?xml version="1.0" encoding="utf-8"?>
+<file path=ppt/slides/slide13.xml><?xml version="1.0" encoding="utf-8"?>
 <p:sld xmlns:a="http://schemas.openxmlformats.org/drawingml/2006/main" xmlns:r="http://schemas.openxmlformats.org/officeDocument/2006/relationships" xmlns:p="http://schemas.openxmlformats.org/presentationml/2006/main">
   <p:cSld>
     <p:spTree>
@@ -3916,13 +4003,13 @@
         </p:spPr>
         <p:style>
           <a:lnRef idx="1">
-            <a:schemeClr val="accent1"/>
+            <a:schemeClr val="dk1"/>
           </a:lnRef>
           <a:fillRef idx="0">
-            <a:schemeClr val="accent1"/>
+            <a:schemeClr val="dk1"/>
           </a:fillRef>
           <a:effectRef idx="0">
-            <a:schemeClr val="accent1"/>
+            <a:schemeClr val="dk1"/>
           </a:effectRef>
           <a:fontRef idx="minor">
             <a:schemeClr val="tx1"/>
@@ -3957,13 +4044,13 @@
         </p:spPr>
         <p:style>
           <a:lnRef idx="1">
-            <a:schemeClr val="accent1"/>
+            <a:schemeClr val="dk1"/>
           </a:lnRef>
           <a:fillRef idx="0">
-            <a:schemeClr val="accent1"/>
+            <a:schemeClr val="dk1"/>
           </a:fillRef>
           <a:effectRef idx="0">
-            <a:schemeClr val="accent1"/>
+            <a:schemeClr val="dk1"/>
           </a:effectRef>
           <a:fontRef idx="minor">
             <a:schemeClr val="tx1"/>
@@ -4039,13 +4126,13 @@
         </p:spPr>
         <p:style>
           <a:lnRef idx="1">
-            <a:schemeClr val="accent1"/>
+            <a:schemeClr val="dk1"/>
           </a:lnRef>
           <a:fillRef idx="0">
-            <a:schemeClr val="accent1"/>
+            <a:schemeClr val="dk1"/>
           </a:fillRef>
           <a:effectRef idx="0">
-            <a:schemeClr val="accent1"/>
+            <a:schemeClr val="dk1"/>
           </a:effectRef>
           <a:fontRef idx="minor">
             <a:schemeClr val="tx1"/>
@@ -4121,13 +4208,13 @@
         </p:spPr>
         <p:style>
           <a:lnRef idx="1">
-            <a:schemeClr val="accent1"/>
+            <a:schemeClr val="dk1"/>
           </a:lnRef>
           <a:fillRef idx="0">
-            <a:schemeClr val="accent1"/>
+            <a:schemeClr val="dk1"/>
           </a:fillRef>
           <a:effectRef idx="0">
-            <a:schemeClr val="accent1"/>
+            <a:schemeClr val="dk1"/>
           </a:effectRef>
           <a:fontRef idx="minor">
             <a:schemeClr val="tx1"/>
@@ -4162,13 +4249,13 @@
         </p:spPr>
         <p:style>
           <a:lnRef idx="1">
-            <a:schemeClr val="accent1"/>
+            <a:schemeClr val="dk1"/>
           </a:lnRef>
           <a:fillRef idx="0">
-            <a:schemeClr val="accent1"/>
+            <a:schemeClr val="dk1"/>
           </a:fillRef>
           <a:effectRef idx="0">
-            <a:schemeClr val="accent1"/>
+            <a:schemeClr val="dk1"/>
           </a:effectRef>
           <a:fontRef idx="minor">
             <a:schemeClr val="tx1"/>
@@ -4203,13 +4290,13 @@
         </p:spPr>
         <p:style>
           <a:lnRef idx="1">
-            <a:schemeClr val="accent1"/>
+            <a:schemeClr val="dk1"/>
           </a:lnRef>
           <a:fillRef idx="0">
-            <a:schemeClr val="accent1"/>
+            <a:schemeClr val="dk1"/>
           </a:fillRef>
           <a:effectRef idx="0">
-            <a:schemeClr val="accent1"/>
+            <a:schemeClr val="dk1"/>
           </a:effectRef>
           <a:fontRef idx="minor">
             <a:schemeClr val="tx1"/>
@@ -4244,13 +4331,13 @@
         </p:spPr>
         <p:style>
           <a:lnRef idx="1">
-            <a:schemeClr val="accent1"/>
+            <a:schemeClr val="dk1"/>
           </a:lnRef>
           <a:fillRef idx="0">
-            <a:schemeClr val="accent1"/>
+            <a:schemeClr val="dk1"/>
           </a:fillRef>
           <a:effectRef idx="0">
-            <a:schemeClr val="accent1"/>
+            <a:schemeClr val="dk1"/>
           </a:effectRef>
           <a:fontRef idx="minor">
             <a:schemeClr val="tx1"/>
@@ -4948,13 +5035,13 @@
         </p:spPr>
         <p:style>
           <a:lnRef idx="1">
-            <a:schemeClr val="accent1"/>
+            <a:schemeClr val="dk1"/>
           </a:lnRef>
           <a:fillRef idx="0">
-            <a:schemeClr val="accent1"/>
+            <a:schemeClr val="dk1"/>
           </a:fillRef>
           <a:effectRef idx="0">
-            <a:schemeClr val="accent1"/>
+            <a:schemeClr val="dk1"/>
           </a:effectRef>
           <a:fontRef idx="minor">
             <a:schemeClr val="tx1"/>
@@ -5194,19 +5281,65 @@
         </p:spPr>
         <p:style>
           <a:lnRef idx="1">
-            <a:schemeClr val="accent1"/>
+            <a:schemeClr val="dk1"/>
           </a:lnRef>
           <a:fillRef idx="0">
-            <a:schemeClr val="accent1"/>
+            <a:schemeClr val="dk1"/>
           </a:fillRef>
           <a:effectRef idx="0">
-            <a:schemeClr val="accent1"/>
+            <a:schemeClr val="dk1"/>
           </a:effectRef>
           <a:fontRef idx="minor">
             <a:schemeClr val="tx1"/>
           </a:fontRef>
         </p:style>
       </p:cxnSp>
+      <p:sp>
+        <p:nvSpPr>
+          <p:cNvPr id="2" name="TextBox 1">
+            <a:extLst>
+              <a:ext uri="{FF2B5EF4-FFF2-40B4-BE49-F238E27FC236}">
+                <a16:creationId xmlns:a16="http://schemas.microsoft.com/office/drawing/2014/main" id="{04AD233F-A716-45D6-8EB8-4CA340D89F13}"/>
+              </a:ext>
+            </a:extLst>
+          </p:cNvPr>
+          <p:cNvSpPr txBox="1"/>
+          <p:nvPr/>
+        </p:nvSpPr>
+        <p:spPr>
+          <a:xfrm>
+            <a:off x="6971928" y="5631037"/>
+            <a:ext cx="1591414" cy="369332"/>
+          </a:xfrm>
+          <a:prstGeom prst="rect">
+            <a:avLst/>
+          </a:prstGeom>
+          <a:noFill/>
+        </p:spPr>
+        <p:txBody>
+          <a:bodyPr wrap="square" rtlCol="0">
+            <a:spAutoFit/>
+          </a:bodyPr>
+          <a:lstStyle/>
+          <a:p>
+            <a:r>
+              <a:rPr lang="fr-FR" dirty="0" err="1"/>
+              <a:t>cba</a:t>
+            </a:r>
+            <a:r>
+              <a:rPr lang="fr-FR" dirty="0"/>
+              <a:t>    </a:t>
+            </a:r>
+            <a:r>
+              <a:rPr lang="fr-FR" dirty="0">
+                <a:sym typeface="Wingdings" panose="05000000000000000000" pitchFamily="2" charset="2"/>
+              </a:rPr>
+              <a:t>  abc</a:t>
+            </a:r>
+            <a:endParaRPr lang="fr-FR" dirty="0"/>
+          </a:p>
+        </p:txBody>
+      </p:sp>
     </p:spTree>
     <p:extLst>
       <p:ext uri="{BB962C8B-B14F-4D97-AF65-F5344CB8AC3E}">
@@ -5270,6 +5403,852 @@
                       </p:childTnLst>
                     </p:cTn>
                   </p:par>
+                  <p:par>
+                    <p:cTn id="7" fill="hold">
+                      <p:stCondLst>
+                        <p:cond delay="indefinite"/>
+                      </p:stCondLst>
+                      <p:childTnLst>
+                        <p:par>
+                          <p:cTn id="8" fill="hold">
+                            <p:stCondLst>
+                              <p:cond delay="0"/>
+                            </p:stCondLst>
+                            <p:childTnLst>
+                              <p:par>
+                                <p:cTn id="9" presetID="1" presetClass="entr" presetSubtype="0" fill="hold" nodeType="clickEffect">
+                                  <p:stCondLst>
+                                    <p:cond delay="0"/>
+                                  </p:stCondLst>
+                                  <p:childTnLst>
+                                    <p:set>
+                                      <p:cBhvr>
+                                        <p:cTn id="10" dur="1" fill="hold">
+                                          <p:stCondLst>
+                                            <p:cond delay="0"/>
+                                          </p:stCondLst>
+                                        </p:cTn>
+                                        <p:tgtEl>
+                                          <p:spTgt spid="38"/>
+                                        </p:tgtEl>
+                                        <p:attrNameLst>
+                                          <p:attrName>style.visibility</p:attrName>
+                                        </p:attrNameLst>
+                                      </p:cBhvr>
+                                      <p:to>
+                                        <p:strVal val="visible"/>
+                                      </p:to>
+                                    </p:set>
+                                  </p:childTnLst>
+                                </p:cTn>
+                              </p:par>
+                            </p:childTnLst>
+                          </p:cTn>
+                        </p:par>
+                      </p:childTnLst>
+                    </p:cTn>
+                  </p:par>
+                  <p:par>
+                    <p:cTn id="11" fill="hold">
+                      <p:stCondLst>
+                        <p:cond delay="indefinite"/>
+                      </p:stCondLst>
+                      <p:childTnLst>
+                        <p:par>
+                          <p:cTn id="12" fill="hold">
+                            <p:stCondLst>
+                              <p:cond delay="0"/>
+                            </p:stCondLst>
+                            <p:childTnLst>
+                              <p:par>
+                                <p:cTn id="13" presetID="1" presetClass="entr" presetSubtype="0" fill="hold" nodeType="clickEffect">
+                                  <p:stCondLst>
+                                    <p:cond delay="0"/>
+                                  </p:stCondLst>
+                                  <p:childTnLst>
+                                    <p:set>
+                                      <p:cBhvr>
+                                        <p:cTn id="14" dur="1" fill="hold">
+                                          <p:stCondLst>
+                                            <p:cond delay="0"/>
+                                          </p:stCondLst>
+                                        </p:cTn>
+                                        <p:tgtEl>
+                                          <p:spTgt spid="56"/>
+                                        </p:tgtEl>
+                                        <p:attrNameLst>
+                                          <p:attrName>style.visibility</p:attrName>
+                                        </p:attrNameLst>
+                                      </p:cBhvr>
+                                      <p:to>
+                                        <p:strVal val="visible"/>
+                                      </p:to>
+                                    </p:set>
+                                  </p:childTnLst>
+                                </p:cTn>
+                              </p:par>
+                            </p:childTnLst>
+                          </p:cTn>
+                        </p:par>
+                      </p:childTnLst>
+                    </p:cTn>
+                  </p:par>
+                  <p:par>
+                    <p:cTn id="15" fill="hold">
+                      <p:stCondLst>
+                        <p:cond delay="indefinite"/>
+                      </p:stCondLst>
+                      <p:childTnLst>
+                        <p:par>
+                          <p:cTn id="16" fill="hold">
+                            <p:stCondLst>
+                              <p:cond delay="0"/>
+                            </p:stCondLst>
+                            <p:childTnLst>
+                              <p:par>
+                                <p:cTn id="17" presetID="1" presetClass="entr" presetSubtype="0" fill="hold" nodeType="clickEffect">
+                                  <p:stCondLst>
+                                    <p:cond delay="0"/>
+                                  </p:stCondLst>
+                                  <p:childTnLst>
+                                    <p:set>
+                                      <p:cBhvr>
+                                        <p:cTn id="18" dur="1" fill="hold">
+                                          <p:stCondLst>
+                                            <p:cond delay="0"/>
+                                          </p:stCondLst>
+                                        </p:cTn>
+                                        <p:tgtEl>
+                                          <p:spTgt spid="41"/>
+                                        </p:tgtEl>
+                                        <p:attrNameLst>
+                                          <p:attrName>style.visibility</p:attrName>
+                                        </p:attrNameLst>
+                                      </p:cBhvr>
+                                      <p:to>
+                                        <p:strVal val="visible"/>
+                                      </p:to>
+                                    </p:set>
+                                  </p:childTnLst>
+                                </p:cTn>
+                              </p:par>
+                            </p:childTnLst>
+                          </p:cTn>
+                        </p:par>
+                      </p:childTnLst>
+                    </p:cTn>
+                  </p:par>
+                  <p:par>
+                    <p:cTn id="19" fill="hold">
+                      <p:stCondLst>
+                        <p:cond delay="indefinite"/>
+                      </p:stCondLst>
+                      <p:childTnLst>
+                        <p:par>
+                          <p:cTn id="20" fill="hold">
+                            <p:stCondLst>
+                              <p:cond delay="0"/>
+                            </p:stCondLst>
+                            <p:childTnLst>
+                              <p:par>
+                                <p:cTn id="21" presetID="1" presetClass="entr" presetSubtype="0" fill="hold" nodeType="clickEffect">
+                                  <p:stCondLst>
+                                    <p:cond delay="0"/>
+                                  </p:stCondLst>
+                                  <p:childTnLst>
+                                    <p:set>
+                                      <p:cBhvr>
+                                        <p:cTn id="22" dur="1" fill="hold">
+                                          <p:stCondLst>
+                                            <p:cond delay="0"/>
+                                          </p:stCondLst>
+                                        </p:cTn>
+                                        <p:tgtEl>
+                                          <p:spTgt spid="15"/>
+                                        </p:tgtEl>
+                                        <p:attrNameLst>
+                                          <p:attrName>style.visibility</p:attrName>
+                                        </p:attrNameLst>
+                                      </p:cBhvr>
+                                      <p:to>
+                                        <p:strVal val="visible"/>
+                                      </p:to>
+                                    </p:set>
+                                  </p:childTnLst>
+                                </p:cTn>
+                              </p:par>
+                            </p:childTnLst>
+                          </p:cTn>
+                        </p:par>
+                      </p:childTnLst>
+                    </p:cTn>
+                  </p:par>
+                  <p:par>
+                    <p:cTn id="23" fill="hold">
+                      <p:stCondLst>
+                        <p:cond delay="indefinite"/>
+                      </p:stCondLst>
+                      <p:childTnLst>
+                        <p:par>
+                          <p:cTn id="24" fill="hold">
+                            <p:stCondLst>
+                              <p:cond delay="0"/>
+                            </p:stCondLst>
+                            <p:childTnLst>
+                              <p:par>
+                                <p:cTn id="25" presetID="1" presetClass="entr" presetSubtype="0" fill="hold" nodeType="clickEffect">
+                                  <p:stCondLst>
+                                    <p:cond delay="0"/>
+                                  </p:stCondLst>
+                                  <p:childTnLst>
+                                    <p:set>
+                                      <p:cBhvr>
+                                        <p:cTn id="26" dur="1" fill="hold">
+                                          <p:stCondLst>
+                                            <p:cond delay="0"/>
+                                          </p:stCondLst>
+                                        </p:cTn>
+                                        <p:tgtEl>
+                                          <p:spTgt spid="42"/>
+                                        </p:tgtEl>
+                                        <p:attrNameLst>
+                                          <p:attrName>style.visibility</p:attrName>
+                                        </p:attrNameLst>
+                                      </p:cBhvr>
+                                      <p:to>
+                                        <p:strVal val="visible"/>
+                                      </p:to>
+                                    </p:set>
+                                  </p:childTnLst>
+                                </p:cTn>
+                              </p:par>
+                            </p:childTnLst>
+                          </p:cTn>
+                        </p:par>
+                      </p:childTnLst>
+                    </p:cTn>
+                  </p:par>
+                  <p:par>
+                    <p:cTn id="27" fill="hold">
+                      <p:stCondLst>
+                        <p:cond delay="indefinite"/>
+                      </p:stCondLst>
+                      <p:childTnLst>
+                        <p:par>
+                          <p:cTn id="28" fill="hold">
+                            <p:stCondLst>
+                              <p:cond delay="0"/>
+                            </p:stCondLst>
+                            <p:childTnLst>
+                              <p:par>
+                                <p:cTn id="29" presetID="1" presetClass="entr" presetSubtype="0" fill="hold" nodeType="clickEffect">
+                                  <p:stCondLst>
+                                    <p:cond delay="0"/>
+                                  </p:stCondLst>
+                                  <p:childTnLst>
+                                    <p:set>
+                                      <p:cBhvr>
+                                        <p:cTn id="30" dur="1" fill="hold">
+                                          <p:stCondLst>
+                                            <p:cond delay="0"/>
+                                          </p:stCondLst>
+                                        </p:cTn>
+                                        <p:tgtEl>
+                                          <p:spTgt spid="60"/>
+                                        </p:tgtEl>
+                                        <p:attrNameLst>
+                                          <p:attrName>style.visibility</p:attrName>
+                                        </p:attrNameLst>
+                                      </p:cBhvr>
+                                      <p:to>
+                                        <p:strVal val="visible"/>
+                                      </p:to>
+                                    </p:set>
+                                  </p:childTnLst>
+                                </p:cTn>
+                              </p:par>
+                            </p:childTnLst>
+                          </p:cTn>
+                        </p:par>
+                      </p:childTnLst>
+                    </p:cTn>
+                  </p:par>
+                  <p:par>
+                    <p:cTn id="31" fill="hold">
+                      <p:stCondLst>
+                        <p:cond delay="indefinite"/>
+                      </p:stCondLst>
+                      <p:childTnLst>
+                        <p:par>
+                          <p:cTn id="32" fill="hold">
+                            <p:stCondLst>
+                              <p:cond delay="0"/>
+                            </p:stCondLst>
+                            <p:childTnLst>
+                              <p:par>
+                                <p:cTn id="33" presetID="1" presetClass="entr" presetSubtype="0" fill="hold" nodeType="clickEffect">
+                                  <p:stCondLst>
+                                    <p:cond delay="0"/>
+                                  </p:stCondLst>
+                                  <p:childTnLst>
+                                    <p:set>
+                                      <p:cBhvr>
+                                        <p:cTn id="34" dur="1" fill="hold">
+                                          <p:stCondLst>
+                                            <p:cond delay="0"/>
+                                          </p:stCondLst>
+                                        </p:cTn>
+                                        <p:tgtEl>
+                                          <p:spTgt spid="59"/>
+                                        </p:tgtEl>
+                                        <p:attrNameLst>
+                                          <p:attrName>style.visibility</p:attrName>
+                                        </p:attrNameLst>
+                                      </p:cBhvr>
+                                      <p:to>
+                                        <p:strVal val="visible"/>
+                                      </p:to>
+                                    </p:set>
+                                  </p:childTnLst>
+                                </p:cTn>
+                              </p:par>
+                            </p:childTnLst>
+                          </p:cTn>
+                        </p:par>
+                      </p:childTnLst>
+                    </p:cTn>
+                  </p:par>
+                  <p:par>
+                    <p:cTn id="35" fill="hold">
+                      <p:stCondLst>
+                        <p:cond delay="indefinite"/>
+                      </p:stCondLst>
+                      <p:childTnLst>
+                        <p:par>
+                          <p:cTn id="36" fill="hold">
+                            <p:stCondLst>
+                              <p:cond delay="0"/>
+                            </p:stCondLst>
+                            <p:childTnLst>
+                              <p:par>
+                                <p:cTn id="37" presetID="1" presetClass="entr" presetSubtype="0" fill="hold" nodeType="clickEffect">
+                                  <p:stCondLst>
+                                    <p:cond delay="0"/>
+                                  </p:stCondLst>
+                                  <p:childTnLst>
+                                    <p:set>
+                                      <p:cBhvr>
+                                        <p:cTn id="38" dur="1" fill="hold">
+                                          <p:stCondLst>
+                                            <p:cond delay="0"/>
+                                          </p:stCondLst>
+                                        </p:cTn>
+                                        <p:tgtEl>
+                                          <p:spTgt spid="63"/>
+                                        </p:tgtEl>
+                                        <p:attrNameLst>
+                                          <p:attrName>style.visibility</p:attrName>
+                                        </p:attrNameLst>
+                                      </p:cBhvr>
+                                      <p:to>
+                                        <p:strVal val="visible"/>
+                                      </p:to>
+                                    </p:set>
+                                  </p:childTnLst>
+                                </p:cTn>
+                              </p:par>
+                            </p:childTnLst>
+                          </p:cTn>
+                        </p:par>
+                      </p:childTnLst>
+                    </p:cTn>
+                  </p:par>
+                  <p:par>
+                    <p:cTn id="39" fill="hold">
+                      <p:stCondLst>
+                        <p:cond delay="indefinite"/>
+                      </p:stCondLst>
+                      <p:childTnLst>
+                        <p:par>
+                          <p:cTn id="40" fill="hold">
+                            <p:stCondLst>
+                              <p:cond delay="0"/>
+                            </p:stCondLst>
+                            <p:childTnLst>
+                              <p:par>
+                                <p:cTn id="41" presetID="1" presetClass="entr" presetSubtype="0" fill="hold" nodeType="clickEffect">
+                                  <p:stCondLst>
+                                    <p:cond delay="0"/>
+                                  </p:stCondLst>
+                                  <p:childTnLst>
+                                    <p:set>
+                                      <p:cBhvr>
+                                        <p:cTn id="42" dur="1" fill="hold">
+                                          <p:stCondLst>
+                                            <p:cond delay="0"/>
+                                          </p:stCondLst>
+                                        </p:cTn>
+                                        <p:tgtEl>
+                                          <p:spTgt spid="36"/>
+                                        </p:tgtEl>
+                                        <p:attrNameLst>
+                                          <p:attrName>style.visibility</p:attrName>
+                                        </p:attrNameLst>
+                                      </p:cBhvr>
+                                      <p:to>
+                                        <p:strVal val="visible"/>
+                                      </p:to>
+                                    </p:set>
+                                  </p:childTnLst>
+                                </p:cTn>
+                              </p:par>
+                            </p:childTnLst>
+                          </p:cTn>
+                        </p:par>
+                      </p:childTnLst>
+                    </p:cTn>
+                  </p:par>
+                  <p:par>
+                    <p:cTn id="43" fill="hold">
+                      <p:stCondLst>
+                        <p:cond delay="indefinite"/>
+                      </p:stCondLst>
+                      <p:childTnLst>
+                        <p:par>
+                          <p:cTn id="44" fill="hold">
+                            <p:stCondLst>
+                              <p:cond delay="0"/>
+                            </p:stCondLst>
+                            <p:childTnLst>
+                              <p:par>
+                                <p:cTn id="45" presetID="1" presetClass="entr" presetSubtype="0" fill="hold" nodeType="clickEffect">
+                                  <p:stCondLst>
+                                    <p:cond delay="0"/>
+                                  </p:stCondLst>
+                                  <p:childTnLst>
+                                    <p:set>
+                                      <p:cBhvr>
+                                        <p:cTn id="46" dur="1" fill="hold">
+                                          <p:stCondLst>
+                                            <p:cond delay="0"/>
+                                          </p:stCondLst>
+                                        </p:cTn>
+                                        <p:tgtEl>
+                                          <p:spTgt spid="61"/>
+                                        </p:tgtEl>
+                                        <p:attrNameLst>
+                                          <p:attrName>style.visibility</p:attrName>
+                                        </p:attrNameLst>
+                                      </p:cBhvr>
+                                      <p:to>
+                                        <p:strVal val="visible"/>
+                                      </p:to>
+                                    </p:set>
+                                  </p:childTnLst>
+                                </p:cTn>
+                              </p:par>
+                            </p:childTnLst>
+                          </p:cTn>
+                        </p:par>
+                      </p:childTnLst>
+                    </p:cTn>
+                  </p:par>
+                  <p:par>
+                    <p:cTn id="47" fill="hold">
+                      <p:stCondLst>
+                        <p:cond delay="indefinite"/>
+                      </p:stCondLst>
+                      <p:childTnLst>
+                        <p:par>
+                          <p:cTn id="48" fill="hold">
+                            <p:stCondLst>
+                              <p:cond delay="0"/>
+                            </p:stCondLst>
+                            <p:childTnLst>
+                              <p:par>
+                                <p:cTn id="49" presetID="1" presetClass="entr" presetSubtype="0" fill="hold" nodeType="clickEffect">
+                                  <p:stCondLst>
+                                    <p:cond delay="0"/>
+                                  </p:stCondLst>
+                                  <p:childTnLst>
+                                    <p:set>
+                                      <p:cBhvr>
+                                        <p:cTn id="50" dur="1" fill="hold">
+                                          <p:stCondLst>
+                                            <p:cond delay="0"/>
+                                          </p:stCondLst>
+                                        </p:cTn>
+                                        <p:tgtEl>
+                                          <p:spTgt spid="62"/>
+                                        </p:tgtEl>
+                                        <p:attrNameLst>
+                                          <p:attrName>style.visibility</p:attrName>
+                                        </p:attrNameLst>
+                                      </p:cBhvr>
+                                      <p:to>
+                                        <p:strVal val="visible"/>
+                                      </p:to>
+                                    </p:set>
+                                  </p:childTnLst>
+                                </p:cTn>
+                              </p:par>
+                            </p:childTnLst>
+                          </p:cTn>
+                        </p:par>
+                      </p:childTnLst>
+                    </p:cTn>
+                  </p:par>
+                  <p:par>
+                    <p:cTn id="51" fill="hold">
+                      <p:stCondLst>
+                        <p:cond delay="indefinite"/>
+                      </p:stCondLst>
+                      <p:childTnLst>
+                        <p:par>
+                          <p:cTn id="52" fill="hold">
+                            <p:stCondLst>
+                              <p:cond delay="0"/>
+                            </p:stCondLst>
+                            <p:childTnLst>
+                              <p:par>
+                                <p:cTn id="53" presetID="1" presetClass="entr" presetSubtype="0" fill="hold" nodeType="clickEffect">
+                                  <p:stCondLst>
+                                    <p:cond delay="0"/>
+                                  </p:stCondLst>
+                                  <p:childTnLst>
+                                    <p:set>
+                                      <p:cBhvr>
+                                        <p:cTn id="54" dur="1" fill="hold">
+                                          <p:stCondLst>
+                                            <p:cond delay="0"/>
+                                          </p:stCondLst>
+                                        </p:cTn>
+                                        <p:tgtEl>
+                                          <p:spTgt spid="23"/>
+                                        </p:tgtEl>
+                                        <p:attrNameLst>
+                                          <p:attrName>style.visibility</p:attrName>
+                                        </p:attrNameLst>
+                                      </p:cBhvr>
+                                      <p:to>
+                                        <p:strVal val="visible"/>
+                                      </p:to>
+                                    </p:set>
+                                  </p:childTnLst>
+                                </p:cTn>
+                              </p:par>
+                            </p:childTnLst>
+                          </p:cTn>
+                        </p:par>
+                      </p:childTnLst>
+                    </p:cTn>
+                  </p:par>
+                  <p:par>
+                    <p:cTn id="55" fill="hold">
+                      <p:stCondLst>
+                        <p:cond delay="indefinite"/>
+                      </p:stCondLst>
+                      <p:childTnLst>
+                        <p:par>
+                          <p:cTn id="56" fill="hold">
+                            <p:stCondLst>
+                              <p:cond delay="0"/>
+                            </p:stCondLst>
+                            <p:childTnLst>
+                              <p:par>
+                                <p:cTn id="57" presetID="1" presetClass="entr" presetSubtype="0" fill="hold" nodeType="clickEffect">
+                                  <p:stCondLst>
+                                    <p:cond delay="0"/>
+                                  </p:stCondLst>
+                                  <p:childTnLst>
+                                    <p:set>
+                                      <p:cBhvr>
+                                        <p:cTn id="58" dur="1" fill="hold">
+                                          <p:stCondLst>
+                                            <p:cond delay="0"/>
+                                          </p:stCondLst>
+                                        </p:cTn>
+                                        <p:tgtEl>
+                                          <p:spTgt spid="33"/>
+                                        </p:tgtEl>
+                                        <p:attrNameLst>
+                                          <p:attrName>style.visibility</p:attrName>
+                                        </p:attrNameLst>
+                                      </p:cBhvr>
+                                      <p:to>
+                                        <p:strVal val="visible"/>
+                                      </p:to>
+                                    </p:set>
+                                  </p:childTnLst>
+                                </p:cTn>
+                              </p:par>
+                            </p:childTnLst>
+                          </p:cTn>
+                        </p:par>
+                      </p:childTnLst>
+                    </p:cTn>
+                  </p:par>
+                  <p:par>
+                    <p:cTn id="59" fill="hold">
+                      <p:stCondLst>
+                        <p:cond delay="indefinite"/>
+                      </p:stCondLst>
+                      <p:childTnLst>
+                        <p:par>
+                          <p:cTn id="60" fill="hold">
+                            <p:stCondLst>
+                              <p:cond delay="0"/>
+                            </p:stCondLst>
+                            <p:childTnLst>
+                              <p:par>
+                                <p:cTn id="61" presetID="1" presetClass="exit" presetSubtype="0" fill="hold" nodeType="clickEffect">
+                                  <p:stCondLst>
+                                    <p:cond delay="0"/>
+                                  </p:stCondLst>
+                                  <p:childTnLst>
+                                    <p:set>
+                                      <p:cBhvr>
+                                        <p:cTn id="62" dur="1" fill="hold">
+                                          <p:stCondLst>
+                                            <p:cond delay="0"/>
+                                          </p:stCondLst>
+                                        </p:cTn>
+                                        <p:tgtEl>
+                                          <p:spTgt spid="55"/>
+                                        </p:tgtEl>
+                                        <p:attrNameLst>
+                                          <p:attrName>style.visibility</p:attrName>
+                                        </p:attrNameLst>
+                                      </p:cBhvr>
+                                      <p:to>
+                                        <p:strVal val="hidden"/>
+                                      </p:to>
+                                    </p:set>
+                                  </p:childTnLst>
+                                </p:cTn>
+                              </p:par>
+                              <p:par>
+                                <p:cTn id="63" presetID="1" presetClass="exit" presetSubtype="0" fill="hold" nodeType="withEffect">
+                                  <p:stCondLst>
+                                    <p:cond delay="0"/>
+                                  </p:stCondLst>
+                                  <p:childTnLst>
+                                    <p:set>
+                                      <p:cBhvr>
+                                        <p:cTn id="64" dur="1" fill="hold">
+                                          <p:stCondLst>
+                                            <p:cond delay="0"/>
+                                          </p:stCondLst>
+                                        </p:cTn>
+                                        <p:tgtEl>
+                                          <p:spTgt spid="56"/>
+                                        </p:tgtEl>
+                                        <p:attrNameLst>
+                                          <p:attrName>style.visibility</p:attrName>
+                                        </p:attrNameLst>
+                                      </p:cBhvr>
+                                      <p:to>
+                                        <p:strVal val="hidden"/>
+                                      </p:to>
+                                    </p:set>
+                                  </p:childTnLst>
+                                </p:cTn>
+                              </p:par>
+                              <p:par>
+                                <p:cTn id="65" presetID="1" presetClass="exit" presetSubtype="0" fill="hold" nodeType="withEffect">
+                                  <p:stCondLst>
+                                    <p:cond delay="0"/>
+                                  </p:stCondLst>
+                                  <p:childTnLst>
+                                    <p:set>
+                                      <p:cBhvr>
+                                        <p:cTn id="66" dur="1" fill="hold">
+                                          <p:stCondLst>
+                                            <p:cond delay="0"/>
+                                          </p:stCondLst>
+                                        </p:cTn>
+                                        <p:tgtEl>
+                                          <p:spTgt spid="15"/>
+                                        </p:tgtEl>
+                                        <p:attrNameLst>
+                                          <p:attrName>style.visibility</p:attrName>
+                                        </p:attrNameLst>
+                                      </p:cBhvr>
+                                      <p:to>
+                                        <p:strVal val="hidden"/>
+                                      </p:to>
+                                    </p:set>
+                                  </p:childTnLst>
+                                </p:cTn>
+                              </p:par>
+                              <p:par>
+                                <p:cTn id="67" presetID="1" presetClass="exit" presetSubtype="0" fill="hold" nodeType="withEffect">
+                                  <p:stCondLst>
+                                    <p:cond delay="0"/>
+                                  </p:stCondLst>
+                                  <p:childTnLst>
+                                    <p:set>
+                                      <p:cBhvr>
+                                        <p:cTn id="68" dur="1" fill="hold">
+                                          <p:stCondLst>
+                                            <p:cond delay="0"/>
+                                          </p:stCondLst>
+                                        </p:cTn>
+                                        <p:tgtEl>
+                                          <p:spTgt spid="60"/>
+                                        </p:tgtEl>
+                                        <p:attrNameLst>
+                                          <p:attrName>style.visibility</p:attrName>
+                                        </p:attrNameLst>
+                                      </p:cBhvr>
+                                      <p:to>
+                                        <p:strVal val="hidden"/>
+                                      </p:to>
+                                    </p:set>
+                                  </p:childTnLst>
+                                </p:cTn>
+                              </p:par>
+                              <p:par>
+                                <p:cTn id="69" presetID="1" presetClass="exit" presetSubtype="0" fill="hold" nodeType="withEffect">
+                                  <p:stCondLst>
+                                    <p:cond delay="0"/>
+                                  </p:stCondLst>
+                                  <p:childTnLst>
+                                    <p:set>
+                                      <p:cBhvr>
+                                        <p:cTn id="70" dur="1" fill="hold">
+                                          <p:stCondLst>
+                                            <p:cond delay="0"/>
+                                          </p:stCondLst>
+                                        </p:cTn>
+                                        <p:tgtEl>
+                                          <p:spTgt spid="59"/>
+                                        </p:tgtEl>
+                                        <p:attrNameLst>
+                                          <p:attrName>style.visibility</p:attrName>
+                                        </p:attrNameLst>
+                                      </p:cBhvr>
+                                      <p:to>
+                                        <p:strVal val="hidden"/>
+                                      </p:to>
+                                    </p:set>
+                                  </p:childTnLst>
+                                </p:cTn>
+                              </p:par>
+                              <p:par>
+                                <p:cTn id="71" presetID="1" presetClass="exit" presetSubtype="0" fill="hold" nodeType="withEffect">
+                                  <p:stCondLst>
+                                    <p:cond delay="0"/>
+                                  </p:stCondLst>
+                                  <p:childTnLst>
+                                    <p:set>
+                                      <p:cBhvr>
+                                        <p:cTn id="72" dur="1" fill="hold">
+                                          <p:stCondLst>
+                                            <p:cond delay="0"/>
+                                          </p:stCondLst>
+                                        </p:cTn>
+                                        <p:tgtEl>
+                                          <p:spTgt spid="63"/>
+                                        </p:tgtEl>
+                                        <p:attrNameLst>
+                                          <p:attrName>style.visibility</p:attrName>
+                                        </p:attrNameLst>
+                                      </p:cBhvr>
+                                      <p:to>
+                                        <p:strVal val="hidden"/>
+                                      </p:to>
+                                    </p:set>
+                                  </p:childTnLst>
+                                </p:cTn>
+                              </p:par>
+                              <p:par>
+                                <p:cTn id="73" presetID="1" presetClass="exit" presetSubtype="0" fill="hold" nodeType="withEffect">
+                                  <p:stCondLst>
+                                    <p:cond delay="0"/>
+                                  </p:stCondLst>
+                                  <p:childTnLst>
+                                    <p:set>
+                                      <p:cBhvr>
+                                        <p:cTn id="74" dur="1" fill="hold">
+                                          <p:stCondLst>
+                                            <p:cond delay="0"/>
+                                          </p:stCondLst>
+                                        </p:cTn>
+                                        <p:tgtEl>
+                                          <p:spTgt spid="61"/>
+                                        </p:tgtEl>
+                                        <p:attrNameLst>
+                                          <p:attrName>style.visibility</p:attrName>
+                                        </p:attrNameLst>
+                                      </p:cBhvr>
+                                      <p:to>
+                                        <p:strVal val="hidden"/>
+                                      </p:to>
+                                    </p:set>
+                                  </p:childTnLst>
+                                </p:cTn>
+                              </p:par>
+                              <p:par>
+                                <p:cTn id="75" presetID="1" presetClass="exit" presetSubtype="0" fill="hold" nodeType="withEffect">
+                                  <p:stCondLst>
+                                    <p:cond delay="0"/>
+                                  </p:stCondLst>
+                                  <p:childTnLst>
+                                    <p:set>
+                                      <p:cBhvr>
+                                        <p:cTn id="76" dur="1" fill="hold">
+                                          <p:stCondLst>
+                                            <p:cond delay="0"/>
+                                          </p:stCondLst>
+                                        </p:cTn>
+                                        <p:tgtEl>
+                                          <p:spTgt spid="62"/>
+                                        </p:tgtEl>
+                                        <p:attrNameLst>
+                                          <p:attrName>style.visibility</p:attrName>
+                                        </p:attrNameLst>
+                                      </p:cBhvr>
+                                      <p:to>
+                                        <p:strVal val="hidden"/>
+                                      </p:to>
+                                    </p:set>
+                                  </p:childTnLst>
+                                </p:cTn>
+                              </p:par>
+                              <p:par>
+                                <p:cTn id="77" presetID="1" presetClass="exit" presetSubtype="0" fill="hold" nodeType="withEffect">
+                                  <p:stCondLst>
+                                    <p:cond delay="0"/>
+                                  </p:stCondLst>
+                                  <p:childTnLst>
+                                    <p:set>
+                                      <p:cBhvr>
+                                        <p:cTn id="78" dur="1" fill="hold">
+                                          <p:stCondLst>
+                                            <p:cond delay="0"/>
+                                          </p:stCondLst>
+                                        </p:cTn>
+                                        <p:tgtEl>
+                                          <p:spTgt spid="23"/>
+                                        </p:tgtEl>
+                                        <p:attrNameLst>
+                                          <p:attrName>style.visibility</p:attrName>
+                                        </p:attrNameLst>
+                                      </p:cBhvr>
+                                      <p:to>
+                                        <p:strVal val="hidden"/>
+                                      </p:to>
+                                    </p:set>
+                                  </p:childTnLst>
+                                </p:cTn>
+                              </p:par>
+                            </p:childTnLst>
+                          </p:cTn>
+                        </p:par>
+                      </p:childTnLst>
+                    </p:cTn>
+                  </p:par>
                 </p:childTnLst>
               </p:cTn>
               <p:prevCondLst>
@@ -5295,97 +6274,6 @@
 </p:sld>
 </file>
 
-<file path=ppt/slides/slide13.xml><?xml version="1.0" encoding="utf-8"?>
-<p:sld xmlns:a="http://schemas.openxmlformats.org/drawingml/2006/main" xmlns:r="http://schemas.openxmlformats.org/officeDocument/2006/relationships" xmlns:p="http://schemas.openxmlformats.org/presentationml/2006/main">
-  <p:cSld>
-    <p:spTree>
-      <p:nvGrpSpPr>
-        <p:cNvPr id="1" name=""/>
-        <p:cNvGrpSpPr/>
-        <p:nvPr/>
-      </p:nvGrpSpPr>
-      <p:grpSpPr>
-        <a:xfrm>
-          <a:off x="0" y="0"/>
-          <a:ext cx="0" cy="0"/>
-          <a:chOff x="0" y="0"/>
-          <a:chExt cx="0" cy="0"/>
-        </a:xfrm>
-      </p:grpSpPr>
-      <p:sp>
-        <p:nvSpPr>
-          <p:cNvPr id="2" name="Title 1">
-            <a:extLst>
-              <a:ext uri="{FF2B5EF4-FFF2-40B4-BE49-F238E27FC236}">
-                <a16:creationId xmlns:a16="http://schemas.microsoft.com/office/drawing/2014/main" id="{BED07961-BC7F-49ED-A165-86406D1844D1}"/>
-              </a:ext>
-            </a:extLst>
-          </p:cNvPr>
-          <p:cNvSpPr>
-            <a:spLocks noGrp="1"/>
-          </p:cNvSpPr>
-          <p:nvPr>
-            <p:ph type="title"/>
-          </p:nvPr>
-        </p:nvSpPr>
-        <p:spPr/>
-        <p:txBody>
-          <a:bodyPr/>
-          <a:lstStyle/>
-          <a:p>
-            <a:r>
-              <a:rPr lang="fr-FR" dirty="0"/>
-              <a:t>indéterministe</a:t>
-            </a:r>
-          </a:p>
-        </p:txBody>
-      </p:sp>
-      <p:sp>
-        <p:nvSpPr>
-          <p:cNvPr id="3" name="Content Placeholder 2">
-            <a:extLst>
-              <a:ext uri="{FF2B5EF4-FFF2-40B4-BE49-F238E27FC236}">
-                <a16:creationId xmlns:a16="http://schemas.microsoft.com/office/drawing/2014/main" id="{A42F41DC-9D3B-444D-AC15-62BA7F690D6B}"/>
-              </a:ext>
-            </a:extLst>
-          </p:cNvPr>
-          <p:cNvSpPr>
-            <a:spLocks noGrp="1"/>
-          </p:cNvSpPr>
-          <p:nvPr>
-            <p:ph idx="1"/>
-          </p:nvPr>
-        </p:nvSpPr>
-        <p:spPr/>
-        <p:txBody>
-          <a:bodyPr/>
-          <a:lstStyle/>
-          <a:p>
-            <a:r>
-              <a:rPr lang="fr-FR" dirty="0"/>
-              <a:t>Fonction de Transition : Notion d’ensembles d’</a:t>
-            </a:r>
-            <a:r>
-              <a:rPr lang="fr-FR" dirty="0" err="1"/>
-              <a:t>etats</a:t>
-            </a:r>
-            <a:endParaRPr lang="fr-FR" dirty="0"/>
-          </a:p>
-        </p:txBody>
-      </p:sp>
-    </p:spTree>
-    <p:extLst>
-      <p:ext uri="{BB962C8B-B14F-4D97-AF65-F5344CB8AC3E}">
-        <p14:creationId xmlns:p14="http://schemas.microsoft.com/office/powerpoint/2010/main" val="2800685880"/>
-      </p:ext>
-    </p:extLst>
-  </p:cSld>
-  <p:clrMapOvr>
-    <a:masterClrMapping/>
-  </p:clrMapOvr>
-</p:sld>
-</file>
-
 <file path=ppt/slides/slide14.xml><?xml version="1.0" encoding="utf-8"?>
 <p:sld xmlns:a="http://schemas.openxmlformats.org/drawingml/2006/main" xmlns:r="http://schemas.openxmlformats.org/officeDocument/2006/relationships" xmlns:p="http://schemas.openxmlformats.org/presentationml/2006/main">
   <p:cSld>
@@ -5408,6 +6296,1042 @@
           <p:cNvPr id="2" name="Title 1">
             <a:extLst>
               <a:ext uri="{FF2B5EF4-FFF2-40B4-BE49-F238E27FC236}">
+                <a16:creationId xmlns:a16="http://schemas.microsoft.com/office/drawing/2014/main" id="{82C9DB1F-DBAC-4A86-98FC-64EE30AD1C0E}"/>
+              </a:ext>
+            </a:extLst>
+          </p:cNvPr>
+          <p:cNvSpPr>
+            <a:spLocks noGrp="1"/>
+          </p:cNvSpPr>
+          <p:nvPr>
+            <p:ph type="title"/>
+          </p:nvPr>
+        </p:nvSpPr>
+        <p:spPr/>
+        <p:txBody>
+          <a:bodyPr/>
+          <a:lstStyle/>
+          <a:p>
+            <a:r>
+              <a:rPr lang="fr-FR" dirty="0"/>
+              <a:t>Algorithme</a:t>
+            </a:r>
+          </a:p>
+        </p:txBody>
+      </p:sp>
+      <p:sp>
+        <p:nvSpPr>
+          <p:cNvPr id="3" name="Content Placeholder 2">
+            <a:extLst>
+              <a:ext uri="{FF2B5EF4-FFF2-40B4-BE49-F238E27FC236}">
+                <a16:creationId xmlns:a16="http://schemas.microsoft.com/office/drawing/2014/main" id="{2C2D3FD1-BBD2-440D-BFD5-3CE35757118E}"/>
+              </a:ext>
+            </a:extLst>
+          </p:cNvPr>
+          <p:cNvSpPr>
+            <a:spLocks noGrp="1"/>
+          </p:cNvSpPr>
+          <p:nvPr>
+            <p:ph idx="1"/>
+          </p:nvPr>
+        </p:nvSpPr>
+        <p:spPr/>
+        <p:txBody>
+          <a:bodyPr/>
+          <a:lstStyle/>
+          <a:p>
+            <a:endParaRPr lang="fr-FR"/>
+          </a:p>
+        </p:txBody>
+      </p:sp>
+    </p:spTree>
+    <p:extLst>
+      <p:ext uri="{BB962C8B-B14F-4D97-AF65-F5344CB8AC3E}">
+        <p14:creationId xmlns:p14="http://schemas.microsoft.com/office/powerpoint/2010/main" val="2139641300"/>
+      </p:ext>
+    </p:extLst>
+  </p:cSld>
+  <p:clrMapOvr>
+    <a:masterClrMapping/>
+  </p:clrMapOvr>
+</p:sld>
+</file>
+
+<file path=ppt/slides/slide15.xml><?xml version="1.0" encoding="utf-8"?>
+<p:sld xmlns:a="http://schemas.openxmlformats.org/drawingml/2006/main" xmlns:r="http://schemas.openxmlformats.org/officeDocument/2006/relationships" xmlns:p="http://schemas.openxmlformats.org/presentationml/2006/main">
+  <p:cSld>
+    <p:spTree>
+      <p:nvGrpSpPr>
+        <p:cNvPr id="1" name=""/>
+        <p:cNvGrpSpPr/>
+        <p:nvPr/>
+      </p:nvGrpSpPr>
+      <p:grpSpPr>
+        <a:xfrm>
+          <a:off x="0" y="0"/>
+          <a:ext cx="0" cy="0"/>
+          <a:chOff x="0" y="0"/>
+          <a:chExt cx="0" cy="0"/>
+        </a:xfrm>
+      </p:grpSpPr>
+      <p:sp>
+        <p:nvSpPr>
+          <p:cNvPr id="2" name="Title 1">
+            <a:extLst>
+              <a:ext uri="{FF2B5EF4-FFF2-40B4-BE49-F238E27FC236}">
+                <a16:creationId xmlns:a16="http://schemas.microsoft.com/office/drawing/2014/main" id="{510F088E-32A7-4AFD-A59C-7D71FDBC930B}"/>
+              </a:ext>
+            </a:extLst>
+          </p:cNvPr>
+          <p:cNvSpPr>
+            <a:spLocks noGrp="1"/>
+          </p:cNvSpPr>
+          <p:nvPr>
+            <p:ph type="title"/>
+          </p:nvPr>
+        </p:nvSpPr>
+        <p:spPr/>
+        <p:txBody>
+          <a:bodyPr/>
+          <a:lstStyle/>
+          <a:p>
+            <a:r>
+              <a:rPr lang="fr-FR" dirty="0"/>
+              <a:t>Mot reconnu (déterministe)</a:t>
+            </a:r>
+          </a:p>
+        </p:txBody>
+      </p:sp>
+      <p:grpSp>
+        <p:nvGrpSpPr>
+          <p:cNvPr id="26" name="Group 25">
+            <a:extLst>
+              <a:ext uri="{FF2B5EF4-FFF2-40B4-BE49-F238E27FC236}">
+                <a16:creationId xmlns:a16="http://schemas.microsoft.com/office/drawing/2014/main" id="{5F66B571-1420-4FD5-BFDB-BF51342CFF99}"/>
+              </a:ext>
+            </a:extLst>
+          </p:cNvPr>
+          <p:cNvGrpSpPr/>
+          <p:nvPr/>
+        </p:nvGrpSpPr>
+        <p:grpSpPr>
+          <a:xfrm>
+            <a:off x="3978116" y="2524050"/>
+            <a:ext cx="4235768" cy="1530737"/>
+            <a:chOff x="1375794" y="2968667"/>
+            <a:chExt cx="4235768" cy="1530737"/>
+          </a:xfrm>
+        </p:grpSpPr>
+        <p:sp>
+          <p:nvSpPr>
+            <p:cNvPr id="4" name="Oval 3">
+              <a:extLst>
+                <a:ext uri="{FF2B5EF4-FFF2-40B4-BE49-F238E27FC236}">
+                  <a16:creationId xmlns:a16="http://schemas.microsoft.com/office/drawing/2014/main" id="{D2995B29-C4EB-4963-84A4-53F6A62FE780}"/>
+                </a:ext>
+              </a:extLst>
+            </p:cNvPr>
+            <p:cNvSpPr/>
+            <p:nvPr/>
+          </p:nvSpPr>
+          <p:spPr>
+            <a:xfrm>
+              <a:off x="1375794" y="3798115"/>
+              <a:ext cx="503339" cy="503339"/>
+            </a:xfrm>
+            <a:prstGeom prst="ellipse">
+              <a:avLst/>
+            </a:prstGeom>
+            <a:solidFill>
+              <a:schemeClr val="bg1"/>
+            </a:solidFill>
+          </p:spPr>
+          <p:style>
+            <a:lnRef idx="2">
+              <a:schemeClr val="dk1">
+                <a:shade val="50000"/>
+              </a:schemeClr>
+            </a:lnRef>
+            <a:fillRef idx="1">
+              <a:schemeClr val="dk1"/>
+            </a:fillRef>
+            <a:effectRef idx="0">
+              <a:schemeClr val="dk1"/>
+            </a:effectRef>
+            <a:fontRef idx="minor">
+              <a:schemeClr val="lt1"/>
+            </a:fontRef>
+          </p:style>
+          <p:txBody>
+            <a:bodyPr rtlCol="0" anchor="ctr"/>
+            <a:lstStyle/>
+            <a:p>
+              <a:pPr algn="ctr"/>
+              <a:r>
+                <a:rPr lang="fr-FR" dirty="0">
+                  <a:solidFill>
+                    <a:schemeClr val="tx1"/>
+                  </a:solidFill>
+                </a:rPr>
+                <a:t>0</a:t>
+              </a:r>
+            </a:p>
+          </p:txBody>
+        </p:sp>
+        <p:sp>
+          <p:nvSpPr>
+            <p:cNvPr id="7" name="Oval 6">
+              <a:extLst>
+                <a:ext uri="{FF2B5EF4-FFF2-40B4-BE49-F238E27FC236}">
+                  <a16:creationId xmlns:a16="http://schemas.microsoft.com/office/drawing/2014/main" id="{0052D14A-46A2-4DC3-B80A-7B5EC7177CD0}"/>
+                </a:ext>
+              </a:extLst>
+            </p:cNvPr>
+            <p:cNvSpPr/>
+            <p:nvPr/>
+          </p:nvSpPr>
+          <p:spPr>
+            <a:xfrm>
+              <a:off x="3321704" y="3798116"/>
+              <a:ext cx="503339" cy="503339"/>
+            </a:xfrm>
+            <a:prstGeom prst="ellipse">
+              <a:avLst/>
+            </a:prstGeom>
+            <a:solidFill>
+              <a:schemeClr val="bg1"/>
+            </a:solidFill>
+          </p:spPr>
+          <p:style>
+            <a:lnRef idx="2">
+              <a:schemeClr val="dk1">
+                <a:shade val="50000"/>
+              </a:schemeClr>
+            </a:lnRef>
+            <a:fillRef idx="1">
+              <a:schemeClr val="dk1"/>
+            </a:fillRef>
+            <a:effectRef idx="0">
+              <a:schemeClr val="dk1"/>
+            </a:effectRef>
+            <a:fontRef idx="minor">
+              <a:schemeClr val="lt1"/>
+            </a:fontRef>
+          </p:style>
+          <p:txBody>
+            <a:bodyPr rtlCol="0" anchor="ctr"/>
+            <a:lstStyle/>
+            <a:p>
+              <a:pPr algn="ctr"/>
+              <a:r>
+                <a:rPr lang="fr-FR" dirty="0">
+                  <a:solidFill>
+                    <a:schemeClr val="tx1"/>
+                  </a:solidFill>
+                </a:rPr>
+                <a:t>1</a:t>
+              </a:r>
+            </a:p>
+          </p:txBody>
+        </p:sp>
+        <p:sp>
+          <p:nvSpPr>
+            <p:cNvPr id="8" name="Oval 7">
+              <a:extLst>
+                <a:ext uri="{FF2B5EF4-FFF2-40B4-BE49-F238E27FC236}">
+                  <a16:creationId xmlns:a16="http://schemas.microsoft.com/office/drawing/2014/main" id="{756B952C-828D-421E-8CA1-8E03630BB61A}"/>
+                </a:ext>
+              </a:extLst>
+            </p:cNvPr>
+            <p:cNvSpPr/>
+            <p:nvPr/>
+          </p:nvSpPr>
+          <p:spPr>
+            <a:xfrm>
+              <a:off x="5108223" y="3798115"/>
+              <a:ext cx="503339" cy="503339"/>
+            </a:xfrm>
+            <a:prstGeom prst="ellipse">
+              <a:avLst/>
+            </a:prstGeom>
+            <a:solidFill>
+              <a:schemeClr val="bg1"/>
+            </a:solidFill>
+          </p:spPr>
+          <p:style>
+            <a:lnRef idx="2">
+              <a:schemeClr val="dk1">
+                <a:shade val="50000"/>
+              </a:schemeClr>
+            </a:lnRef>
+            <a:fillRef idx="1">
+              <a:schemeClr val="dk1"/>
+            </a:fillRef>
+            <a:effectRef idx="0">
+              <a:schemeClr val="dk1"/>
+            </a:effectRef>
+            <a:fontRef idx="minor">
+              <a:schemeClr val="lt1"/>
+            </a:fontRef>
+          </p:style>
+          <p:txBody>
+            <a:bodyPr rtlCol="0" anchor="ctr"/>
+            <a:lstStyle/>
+            <a:p>
+              <a:pPr algn="ctr"/>
+              <a:r>
+                <a:rPr lang="fr-FR" dirty="0">
+                  <a:solidFill>
+                    <a:schemeClr val="tx1"/>
+                  </a:solidFill>
+                </a:rPr>
+                <a:t>2</a:t>
+              </a:r>
+            </a:p>
+          </p:txBody>
+        </p:sp>
+        <p:cxnSp>
+          <p:nvCxnSpPr>
+            <p:cNvPr id="10" name="Straight Arrow Connector 9">
+              <a:extLst>
+                <a:ext uri="{FF2B5EF4-FFF2-40B4-BE49-F238E27FC236}">
+                  <a16:creationId xmlns:a16="http://schemas.microsoft.com/office/drawing/2014/main" id="{8AF304E2-480E-48D1-9540-4C5538AD74CC}"/>
+                </a:ext>
+              </a:extLst>
+            </p:cNvPr>
+            <p:cNvCxnSpPr>
+              <a:cxnSpLocks/>
+            </p:cNvCxnSpPr>
+            <p:nvPr/>
+          </p:nvCxnSpPr>
+          <p:spPr>
+            <a:xfrm>
+              <a:off x="2066877" y="3926658"/>
+              <a:ext cx="1147503" cy="0"/>
+            </a:xfrm>
+            <a:prstGeom prst="straightConnector1">
+              <a:avLst/>
+            </a:prstGeom>
+            <a:ln>
+              <a:tailEnd type="triangle"/>
+            </a:ln>
+          </p:spPr>
+          <p:style>
+            <a:lnRef idx="1">
+              <a:schemeClr val="dk1"/>
+            </a:lnRef>
+            <a:fillRef idx="0">
+              <a:schemeClr val="dk1"/>
+            </a:fillRef>
+            <a:effectRef idx="0">
+              <a:schemeClr val="dk1"/>
+            </a:effectRef>
+            <a:fontRef idx="minor">
+              <a:schemeClr val="tx1"/>
+            </a:fontRef>
+          </p:style>
+        </p:cxnSp>
+        <p:cxnSp>
+          <p:nvCxnSpPr>
+            <p:cNvPr id="13" name="Straight Arrow Connector 12">
+              <a:extLst>
+                <a:ext uri="{FF2B5EF4-FFF2-40B4-BE49-F238E27FC236}">
+                  <a16:creationId xmlns:a16="http://schemas.microsoft.com/office/drawing/2014/main" id="{BB402D6B-7470-442E-90B5-48B2376AEF2D}"/>
+                </a:ext>
+              </a:extLst>
+            </p:cNvPr>
+            <p:cNvCxnSpPr>
+              <a:cxnSpLocks/>
+            </p:cNvCxnSpPr>
+            <p:nvPr/>
+          </p:nvCxnSpPr>
+          <p:spPr>
+            <a:xfrm>
+              <a:off x="3950878" y="3926658"/>
+              <a:ext cx="1065739" cy="0"/>
+            </a:xfrm>
+            <a:prstGeom prst="straightConnector1">
+              <a:avLst/>
+            </a:prstGeom>
+            <a:ln>
+              <a:tailEnd type="triangle"/>
+            </a:ln>
+          </p:spPr>
+          <p:style>
+            <a:lnRef idx="1">
+              <a:schemeClr val="dk1"/>
+            </a:lnRef>
+            <a:fillRef idx="0">
+              <a:schemeClr val="dk1"/>
+            </a:fillRef>
+            <a:effectRef idx="0">
+              <a:schemeClr val="dk1"/>
+            </a:effectRef>
+            <a:fontRef idx="minor">
+              <a:schemeClr val="tx1"/>
+            </a:fontRef>
+          </p:style>
+        </p:cxnSp>
+        <p:cxnSp>
+          <p:nvCxnSpPr>
+            <p:cNvPr id="15" name="Straight Arrow Connector 14">
+              <a:extLst>
+                <a:ext uri="{FF2B5EF4-FFF2-40B4-BE49-F238E27FC236}">
+                  <a16:creationId xmlns:a16="http://schemas.microsoft.com/office/drawing/2014/main" id="{B9DC297D-51B8-480D-BBC4-99C6A2B1078D}"/>
+                </a:ext>
+              </a:extLst>
+            </p:cNvPr>
+            <p:cNvCxnSpPr>
+              <a:cxnSpLocks/>
+            </p:cNvCxnSpPr>
+            <p:nvPr/>
+          </p:nvCxnSpPr>
+          <p:spPr>
+            <a:xfrm flipH="1">
+              <a:off x="2066877" y="4120698"/>
+              <a:ext cx="1102143" cy="0"/>
+            </a:xfrm>
+            <a:prstGeom prst="straightConnector1">
+              <a:avLst/>
+            </a:prstGeom>
+            <a:ln>
+              <a:tailEnd type="triangle"/>
+            </a:ln>
+          </p:spPr>
+          <p:style>
+            <a:lnRef idx="1">
+              <a:schemeClr val="dk1"/>
+            </a:lnRef>
+            <a:fillRef idx="0">
+              <a:schemeClr val="dk1"/>
+            </a:fillRef>
+            <a:effectRef idx="0">
+              <a:schemeClr val="dk1"/>
+            </a:effectRef>
+            <a:fontRef idx="minor">
+              <a:schemeClr val="tx1"/>
+            </a:fontRef>
+          </p:style>
+        </p:cxnSp>
+        <p:cxnSp>
+          <p:nvCxnSpPr>
+            <p:cNvPr id="17" name="Straight Arrow Connector 16">
+              <a:extLst>
+                <a:ext uri="{FF2B5EF4-FFF2-40B4-BE49-F238E27FC236}">
+                  <a16:creationId xmlns:a16="http://schemas.microsoft.com/office/drawing/2014/main" id="{D6DD431C-0ADE-483B-B688-A16BA0785285}"/>
+                </a:ext>
+              </a:extLst>
+            </p:cNvPr>
+            <p:cNvCxnSpPr>
+              <a:cxnSpLocks/>
+            </p:cNvCxnSpPr>
+            <p:nvPr/>
+          </p:nvCxnSpPr>
+          <p:spPr>
+            <a:xfrm flipV="1">
+              <a:off x="3656087" y="3288484"/>
+              <a:ext cx="714577" cy="372764"/>
+            </a:xfrm>
+            <a:prstGeom prst="straightConnector1">
+              <a:avLst/>
+            </a:prstGeom>
+            <a:ln>
+              <a:tailEnd type="triangle"/>
+            </a:ln>
+          </p:spPr>
+          <p:style>
+            <a:lnRef idx="1">
+              <a:schemeClr val="dk1"/>
+            </a:lnRef>
+            <a:fillRef idx="0">
+              <a:schemeClr val="dk1"/>
+            </a:fillRef>
+            <a:effectRef idx="0">
+              <a:schemeClr val="dk1"/>
+            </a:effectRef>
+            <a:fontRef idx="minor">
+              <a:schemeClr val="tx1"/>
+            </a:fontRef>
+          </p:style>
+        </p:cxnSp>
+        <p:sp>
+          <p:nvSpPr>
+            <p:cNvPr id="20" name="Oval 19">
+              <a:extLst>
+                <a:ext uri="{FF2B5EF4-FFF2-40B4-BE49-F238E27FC236}">
+                  <a16:creationId xmlns:a16="http://schemas.microsoft.com/office/drawing/2014/main" id="{D973F07C-44EE-4E68-A9D9-57B0E8DE54E7}"/>
+                </a:ext>
+              </a:extLst>
+            </p:cNvPr>
+            <p:cNvSpPr/>
+            <p:nvPr/>
+          </p:nvSpPr>
+          <p:spPr>
+            <a:xfrm>
+              <a:off x="4483747" y="2968667"/>
+              <a:ext cx="390424" cy="372764"/>
+            </a:xfrm>
+            <a:prstGeom prst="ellipse">
+              <a:avLst/>
+            </a:prstGeom>
+            <a:solidFill>
+              <a:schemeClr val="bg1"/>
+            </a:solidFill>
+            <a:ln>
+              <a:prstDash val="lgDashDotDot"/>
+            </a:ln>
+          </p:spPr>
+          <p:style>
+            <a:lnRef idx="2">
+              <a:schemeClr val="dk1">
+                <a:shade val="50000"/>
+              </a:schemeClr>
+            </a:lnRef>
+            <a:fillRef idx="1">
+              <a:schemeClr val="dk1"/>
+            </a:fillRef>
+            <a:effectRef idx="0">
+              <a:schemeClr val="dk1"/>
+            </a:effectRef>
+            <a:fontRef idx="minor">
+              <a:schemeClr val="lt1"/>
+            </a:fontRef>
+          </p:style>
+          <p:txBody>
+            <a:bodyPr rtlCol="0" anchor="ctr"/>
+            <a:lstStyle/>
+            <a:p>
+              <a:pPr algn="ctr"/>
+              <a:r>
+                <a:rPr lang="fr-FR" dirty="0">
+                  <a:solidFill>
+                    <a:schemeClr val="tx1"/>
+                  </a:solidFill>
+                </a:rPr>
+                <a:t>*</a:t>
+              </a:r>
+            </a:p>
+          </p:txBody>
+        </p:sp>
+        <p:sp>
+          <p:nvSpPr>
+            <p:cNvPr id="21" name="Oval 20">
+              <a:extLst>
+                <a:ext uri="{FF2B5EF4-FFF2-40B4-BE49-F238E27FC236}">
+                  <a16:creationId xmlns:a16="http://schemas.microsoft.com/office/drawing/2014/main" id="{E5EF4A60-840F-49C9-B44B-17752B66565D}"/>
+                </a:ext>
+              </a:extLst>
+            </p:cNvPr>
+            <p:cNvSpPr/>
+            <p:nvPr/>
+          </p:nvSpPr>
+          <p:spPr>
+            <a:xfrm>
+              <a:off x="5184422" y="3874314"/>
+              <a:ext cx="350939" cy="350939"/>
+            </a:xfrm>
+            <a:prstGeom prst="ellipse">
+              <a:avLst/>
+            </a:prstGeom>
+            <a:solidFill>
+              <a:schemeClr val="bg1"/>
+            </a:solidFill>
+          </p:spPr>
+          <p:style>
+            <a:lnRef idx="2">
+              <a:schemeClr val="dk1">
+                <a:shade val="50000"/>
+              </a:schemeClr>
+            </a:lnRef>
+            <a:fillRef idx="1">
+              <a:schemeClr val="dk1"/>
+            </a:fillRef>
+            <a:effectRef idx="0">
+              <a:schemeClr val="dk1"/>
+            </a:effectRef>
+            <a:fontRef idx="minor">
+              <a:schemeClr val="lt1"/>
+            </a:fontRef>
+          </p:style>
+          <p:txBody>
+            <a:bodyPr rtlCol="0" anchor="ctr"/>
+            <a:lstStyle/>
+            <a:p>
+              <a:pPr algn="ctr"/>
+              <a:r>
+                <a:rPr lang="fr-FR" dirty="0">
+                  <a:solidFill>
+                    <a:schemeClr val="tx1"/>
+                  </a:solidFill>
+                </a:rPr>
+                <a:t>2</a:t>
+              </a:r>
+            </a:p>
+          </p:txBody>
+        </p:sp>
+        <p:sp>
+          <p:nvSpPr>
+            <p:cNvPr id="22" name="TextBox 21">
+              <a:extLst>
+                <a:ext uri="{FF2B5EF4-FFF2-40B4-BE49-F238E27FC236}">
+                  <a16:creationId xmlns:a16="http://schemas.microsoft.com/office/drawing/2014/main" id="{08A0622C-61B8-454E-A056-06C91C820021}"/>
+                </a:ext>
+              </a:extLst>
+            </p:cNvPr>
+            <p:cNvSpPr txBox="1"/>
+            <p:nvPr/>
+          </p:nvSpPr>
+          <p:spPr>
+            <a:xfrm>
+              <a:off x="2549086" y="4130072"/>
+              <a:ext cx="294782" cy="369332"/>
+            </a:xfrm>
+            <a:prstGeom prst="rect">
+              <a:avLst/>
+            </a:prstGeom>
+            <a:noFill/>
+          </p:spPr>
+          <p:txBody>
+            <a:bodyPr wrap="square" rtlCol="0">
+              <a:spAutoFit/>
+            </a:bodyPr>
+            <a:lstStyle/>
+            <a:p>
+              <a:r>
+                <a:rPr lang="fr-FR" dirty="0"/>
+                <a:t>b</a:t>
+              </a:r>
+            </a:p>
+          </p:txBody>
+        </p:sp>
+        <p:sp>
+          <p:nvSpPr>
+            <p:cNvPr id="23" name="TextBox 22">
+              <a:extLst>
+                <a:ext uri="{FF2B5EF4-FFF2-40B4-BE49-F238E27FC236}">
+                  <a16:creationId xmlns:a16="http://schemas.microsoft.com/office/drawing/2014/main" id="{0B1B7BAF-E9B2-43B2-AFA4-5814CEAB4573}"/>
+                </a:ext>
+              </a:extLst>
+            </p:cNvPr>
+            <p:cNvSpPr txBox="1"/>
+            <p:nvPr/>
+          </p:nvSpPr>
+          <p:spPr>
+            <a:xfrm>
+              <a:off x="2483141" y="3590488"/>
+              <a:ext cx="264668" cy="369332"/>
+            </a:xfrm>
+            <a:prstGeom prst="rect">
+              <a:avLst/>
+            </a:prstGeom>
+            <a:noFill/>
+          </p:spPr>
+          <p:txBody>
+            <a:bodyPr wrap="square" rtlCol="0">
+              <a:spAutoFit/>
+            </a:bodyPr>
+            <a:lstStyle/>
+            <a:p>
+              <a:r>
+                <a:rPr lang="fr-FR" dirty="0"/>
+                <a:t>a</a:t>
+              </a:r>
+            </a:p>
+          </p:txBody>
+        </p:sp>
+        <p:sp>
+          <p:nvSpPr>
+            <p:cNvPr id="24" name="TextBox 23">
+              <a:extLst>
+                <a:ext uri="{FF2B5EF4-FFF2-40B4-BE49-F238E27FC236}">
+                  <a16:creationId xmlns:a16="http://schemas.microsoft.com/office/drawing/2014/main" id="{A3C418E4-7651-42E7-B11F-2703BE279D21}"/>
+                </a:ext>
+              </a:extLst>
+            </p:cNvPr>
+            <p:cNvSpPr txBox="1"/>
+            <p:nvPr/>
+          </p:nvSpPr>
+          <p:spPr>
+            <a:xfrm>
+              <a:off x="3847828" y="3156765"/>
+              <a:ext cx="264668" cy="369332"/>
+            </a:xfrm>
+            <a:prstGeom prst="rect">
+              <a:avLst/>
+            </a:prstGeom>
+            <a:noFill/>
+          </p:spPr>
+          <p:txBody>
+            <a:bodyPr wrap="square" rtlCol="0">
+              <a:spAutoFit/>
+            </a:bodyPr>
+            <a:lstStyle/>
+            <a:p>
+              <a:r>
+                <a:rPr lang="fr-FR" dirty="0"/>
+                <a:t>a</a:t>
+              </a:r>
+            </a:p>
+          </p:txBody>
+        </p:sp>
+        <p:sp>
+          <p:nvSpPr>
+            <p:cNvPr id="25" name="TextBox 24">
+              <a:extLst>
+                <a:ext uri="{FF2B5EF4-FFF2-40B4-BE49-F238E27FC236}">
+                  <a16:creationId xmlns:a16="http://schemas.microsoft.com/office/drawing/2014/main" id="{D4A5BD0A-5D25-497D-8327-EC438179D128}"/>
+                </a:ext>
+              </a:extLst>
+            </p:cNvPr>
+            <p:cNvSpPr txBox="1"/>
+            <p:nvPr/>
+          </p:nvSpPr>
+          <p:spPr>
+            <a:xfrm>
+              <a:off x="4370664" y="3623639"/>
+              <a:ext cx="349984" cy="369332"/>
+            </a:xfrm>
+            <a:prstGeom prst="rect">
+              <a:avLst/>
+            </a:prstGeom>
+            <a:noFill/>
+          </p:spPr>
+          <p:txBody>
+            <a:bodyPr wrap="square" rtlCol="0">
+              <a:spAutoFit/>
+            </a:bodyPr>
+            <a:lstStyle/>
+            <a:p>
+              <a:r>
+                <a:rPr lang="fr-FR" dirty="0"/>
+                <a:t>c</a:t>
+              </a:r>
+            </a:p>
+          </p:txBody>
+        </p:sp>
+      </p:grpSp>
+      <p:sp>
+        <p:nvSpPr>
+          <p:cNvPr id="27" name="TextBox 26">
+            <a:extLst>
+              <a:ext uri="{FF2B5EF4-FFF2-40B4-BE49-F238E27FC236}">
+                <a16:creationId xmlns:a16="http://schemas.microsoft.com/office/drawing/2014/main" id="{355ACE5C-AA33-4973-A44B-B41A6730E417}"/>
+              </a:ext>
+            </a:extLst>
+          </p:cNvPr>
+          <p:cNvSpPr txBox="1"/>
+          <p:nvPr/>
+        </p:nvSpPr>
+        <p:spPr>
+          <a:xfrm>
+            <a:off x="2147246" y="5243121"/>
+            <a:ext cx="872455" cy="369332"/>
+          </a:xfrm>
+          <a:prstGeom prst="rect">
+            <a:avLst/>
+          </a:prstGeom>
+          <a:noFill/>
+        </p:spPr>
+        <p:txBody>
+          <a:bodyPr wrap="square" rtlCol="0">
+            <a:spAutoFit/>
+          </a:bodyPr>
+          <a:lstStyle/>
+          <a:p>
+            <a:pPr algn="ctr"/>
+            <a:r>
+              <a:rPr lang="fr-FR" dirty="0"/>
+              <a:t>a </a:t>
+            </a:r>
+            <a:r>
+              <a:rPr lang="fr-FR" dirty="0" err="1"/>
+              <a:t>a</a:t>
+            </a:r>
+            <a:endParaRPr lang="fr-FR" dirty="0"/>
+          </a:p>
+        </p:txBody>
+      </p:sp>
+      <p:sp>
+        <p:nvSpPr>
+          <p:cNvPr id="28" name="TextBox 27">
+            <a:extLst>
+              <a:ext uri="{FF2B5EF4-FFF2-40B4-BE49-F238E27FC236}">
+                <a16:creationId xmlns:a16="http://schemas.microsoft.com/office/drawing/2014/main" id="{7788790A-6334-4BD5-8E6A-9C6AC86E0ECA}"/>
+              </a:ext>
+            </a:extLst>
+          </p:cNvPr>
+          <p:cNvSpPr txBox="1"/>
+          <p:nvPr/>
+        </p:nvSpPr>
+        <p:spPr>
+          <a:xfrm>
+            <a:off x="8381663" y="5234731"/>
+            <a:ext cx="872455" cy="369332"/>
+          </a:xfrm>
+          <a:prstGeom prst="rect">
+            <a:avLst/>
+          </a:prstGeom>
+          <a:noFill/>
+        </p:spPr>
+        <p:txBody>
+          <a:bodyPr wrap="square" rtlCol="0">
+            <a:spAutoFit/>
+          </a:bodyPr>
+          <a:lstStyle/>
+          <a:p>
+            <a:pPr algn="ctr"/>
+            <a:r>
+              <a:rPr lang="fr-FR" dirty="0"/>
+              <a:t>a b a c</a:t>
+            </a:r>
+          </a:p>
+        </p:txBody>
+      </p:sp>
+      <p:sp>
+        <p:nvSpPr>
+          <p:cNvPr id="29" name="TextBox 28">
+            <a:extLst>
+              <a:ext uri="{FF2B5EF4-FFF2-40B4-BE49-F238E27FC236}">
+                <a16:creationId xmlns:a16="http://schemas.microsoft.com/office/drawing/2014/main" id="{91A753FB-F3DD-454C-BFE5-4FD3589D4AE9}"/>
+              </a:ext>
+            </a:extLst>
+          </p:cNvPr>
+          <p:cNvSpPr txBox="1"/>
+          <p:nvPr/>
+        </p:nvSpPr>
+        <p:spPr>
+          <a:xfrm>
+            <a:off x="5276170" y="5185467"/>
+            <a:ext cx="872455" cy="369332"/>
+          </a:xfrm>
+          <a:prstGeom prst="rect">
+            <a:avLst/>
+          </a:prstGeom>
+          <a:noFill/>
+        </p:spPr>
+        <p:txBody>
+          <a:bodyPr wrap="square" rtlCol="0">
+            <a:spAutoFit/>
+          </a:bodyPr>
+          <a:lstStyle/>
+          <a:p>
+            <a:pPr algn="ctr"/>
+            <a:r>
+              <a:rPr lang="fr-FR" dirty="0"/>
+              <a:t>a b</a:t>
+            </a:r>
+          </a:p>
+        </p:txBody>
+      </p:sp>
+    </p:spTree>
+    <p:extLst>
+      <p:ext uri="{BB962C8B-B14F-4D97-AF65-F5344CB8AC3E}">
+        <p14:creationId xmlns:p14="http://schemas.microsoft.com/office/powerpoint/2010/main" val="995525120"/>
+      </p:ext>
+    </p:extLst>
+  </p:cSld>
+  <p:clrMapOvr>
+    <a:masterClrMapping/>
+  </p:clrMapOvr>
+</p:sld>
+</file>
+
+<file path=ppt/slides/slide16.xml><?xml version="1.0" encoding="utf-8"?>
+<p:sld xmlns:a="http://schemas.openxmlformats.org/drawingml/2006/main" xmlns:r="http://schemas.openxmlformats.org/officeDocument/2006/relationships" xmlns:p="http://schemas.openxmlformats.org/presentationml/2006/main">
+  <p:cSld>
+    <p:spTree>
+      <p:nvGrpSpPr>
+        <p:cNvPr id="1" name=""/>
+        <p:cNvGrpSpPr/>
+        <p:nvPr/>
+      </p:nvGrpSpPr>
+      <p:grpSpPr>
+        <a:xfrm>
+          <a:off x="0" y="0"/>
+          <a:ext cx="0" cy="0"/>
+          <a:chOff x="0" y="0"/>
+          <a:chExt cx="0" cy="0"/>
+        </a:xfrm>
+      </p:grpSpPr>
+      <p:sp>
+        <p:nvSpPr>
+          <p:cNvPr id="2" name="Title 1">
+            <a:extLst>
+              <a:ext uri="{FF2B5EF4-FFF2-40B4-BE49-F238E27FC236}">
+                <a16:creationId xmlns:a16="http://schemas.microsoft.com/office/drawing/2014/main" id="{82C9DB1F-DBAC-4A86-98FC-64EE30AD1C0E}"/>
+              </a:ext>
+            </a:extLst>
+          </p:cNvPr>
+          <p:cNvSpPr>
+            <a:spLocks noGrp="1"/>
+          </p:cNvSpPr>
+          <p:nvPr>
+            <p:ph type="title"/>
+          </p:nvPr>
+        </p:nvSpPr>
+        <p:spPr/>
+        <p:txBody>
+          <a:bodyPr/>
+          <a:lstStyle/>
+          <a:p>
+            <a:r>
+              <a:rPr lang="fr-FR" dirty="0"/>
+              <a:t>Algorithme</a:t>
+            </a:r>
+          </a:p>
+        </p:txBody>
+      </p:sp>
+      <p:sp>
+        <p:nvSpPr>
+          <p:cNvPr id="3" name="Content Placeholder 2">
+            <a:extLst>
+              <a:ext uri="{FF2B5EF4-FFF2-40B4-BE49-F238E27FC236}">
+                <a16:creationId xmlns:a16="http://schemas.microsoft.com/office/drawing/2014/main" id="{2C2D3FD1-BBD2-440D-BFD5-3CE35757118E}"/>
+              </a:ext>
+            </a:extLst>
+          </p:cNvPr>
+          <p:cNvSpPr>
+            <a:spLocks noGrp="1"/>
+          </p:cNvSpPr>
+          <p:nvPr>
+            <p:ph idx="1"/>
+          </p:nvPr>
+        </p:nvSpPr>
+        <p:spPr/>
+        <p:txBody>
+          <a:bodyPr/>
+          <a:lstStyle/>
+          <a:p>
+            <a:endParaRPr lang="fr-FR"/>
+          </a:p>
+        </p:txBody>
+      </p:sp>
+    </p:spTree>
+    <p:extLst>
+      <p:ext uri="{BB962C8B-B14F-4D97-AF65-F5344CB8AC3E}">
+        <p14:creationId xmlns:p14="http://schemas.microsoft.com/office/powerpoint/2010/main" val="4001997320"/>
+      </p:ext>
+    </p:extLst>
+  </p:cSld>
+  <p:clrMapOvr>
+    <a:masterClrMapping/>
+  </p:clrMapOvr>
+</p:sld>
+</file>
+
+<file path=ppt/slides/slide17.xml><?xml version="1.0" encoding="utf-8"?>
+<p:sld xmlns:a="http://schemas.openxmlformats.org/drawingml/2006/main" xmlns:r="http://schemas.openxmlformats.org/officeDocument/2006/relationships" xmlns:p="http://schemas.openxmlformats.org/presentationml/2006/main">
+  <p:cSld>
+    <p:spTree>
+      <p:nvGrpSpPr>
+        <p:cNvPr id="1" name=""/>
+        <p:cNvGrpSpPr/>
+        <p:nvPr/>
+      </p:nvGrpSpPr>
+      <p:grpSpPr>
+        <a:xfrm>
+          <a:off x="0" y="0"/>
+          <a:ext cx="0" cy="0"/>
+          <a:chOff x="0" y="0"/>
+          <a:chExt cx="0" cy="0"/>
+        </a:xfrm>
+      </p:grpSpPr>
+      <p:sp>
+        <p:nvSpPr>
+          <p:cNvPr id="2" name="Title 1">
+            <a:extLst>
+              <a:ext uri="{FF2B5EF4-FFF2-40B4-BE49-F238E27FC236}">
+                <a16:creationId xmlns:a16="http://schemas.microsoft.com/office/drawing/2014/main" id="{BED07961-BC7F-49ED-A165-86406D1844D1}"/>
+              </a:ext>
+            </a:extLst>
+          </p:cNvPr>
+          <p:cNvSpPr>
+            <a:spLocks noGrp="1"/>
+          </p:cNvSpPr>
+          <p:nvPr>
+            <p:ph type="title"/>
+          </p:nvPr>
+        </p:nvSpPr>
+        <p:spPr/>
+        <p:txBody>
+          <a:bodyPr/>
+          <a:lstStyle/>
+          <a:p>
+            <a:r>
+              <a:rPr lang="fr-FR" dirty="0"/>
+              <a:t>indéterministe</a:t>
+            </a:r>
+          </a:p>
+        </p:txBody>
+      </p:sp>
+      <p:sp>
+        <p:nvSpPr>
+          <p:cNvPr id="3" name="Content Placeholder 2">
+            <a:extLst>
+              <a:ext uri="{FF2B5EF4-FFF2-40B4-BE49-F238E27FC236}">
+                <a16:creationId xmlns:a16="http://schemas.microsoft.com/office/drawing/2014/main" id="{A42F41DC-9D3B-444D-AC15-62BA7F690D6B}"/>
+              </a:ext>
+            </a:extLst>
+          </p:cNvPr>
+          <p:cNvSpPr>
+            <a:spLocks noGrp="1"/>
+          </p:cNvSpPr>
+          <p:nvPr>
+            <p:ph idx="1"/>
+          </p:nvPr>
+        </p:nvSpPr>
+        <p:spPr/>
+        <p:txBody>
+          <a:bodyPr/>
+          <a:lstStyle/>
+          <a:p>
+            <a:r>
+              <a:rPr lang="fr-FR" dirty="0"/>
+              <a:t>Fonction de Transition : Notion d’ensembles d’</a:t>
+            </a:r>
+            <a:r>
+              <a:rPr lang="fr-FR" dirty="0" err="1"/>
+              <a:t>etats</a:t>
+            </a:r>
+            <a:endParaRPr lang="fr-FR" dirty="0"/>
+          </a:p>
+        </p:txBody>
+      </p:sp>
+    </p:spTree>
+    <p:extLst>
+      <p:ext uri="{BB962C8B-B14F-4D97-AF65-F5344CB8AC3E}">
+        <p14:creationId xmlns:p14="http://schemas.microsoft.com/office/powerpoint/2010/main" val="2800685880"/>
+      </p:ext>
+    </p:extLst>
+  </p:cSld>
+  <p:clrMapOvr>
+    <a:masterClrMapping/>
+  </p:clrMapOvr>
+</p:sld>
+</file>
+
+<file path=ppt/slides/slide18.xml><?xml version="1.0" encoding="utf-8"?>
+<p:sld xmlns:a="http://schemas.openxmlformats.org/drawingml/2006/main" xmlns:r="http://schemas.openxmlformats.org/officeDocument/2006/relationships" xmlns:p="http://schemas.openxmlformats.org/presentationml/2006/main">
+  <p:cSld>
+    <p:spTree>
+      <p:nvGrpSpPr>
+        <p:cNvPr id="1" name=""/>
+        <p:cNvGrpSpPr/>
+        <p:nvPr/>
+      </p:nvGrpSpPr>
+      <p:grpSpPr>
+        <a:xfrm>
+          <a:off x="0" y="0"/>
+          <a:ext cx="0" cy="0"/>
+          <a:chOff x="0" y="0"/>
+          <a:chExt cx="0" cy="0"/>
+        </a:xfrm>
+      </p:grpSpPr>
+      <p:sp>
+        <p:nvSpPr>
+          <p:cNvPr id="2" name="Title 1">
+            <a:extLst>
+              <a:ext uri="{FF2B5EF4-FFF2-40B4-BE49-F238E27FC236}">
                 <a16:creationId xmlns:a16="http://schemas.microsoft.com/office/drawing/2014/main" id="{9731D84D-93CB-46C6-BEED-823C078B2A94}"/>
               </a:ext>
             </a:extLst>
@@ -5449,7 +7373,7 @@
 </p:sld>
 </file>
 
-<file path=ppt/slides/slide15.xml><?xml version="1.0" encoding="utf-8"?>
+<file path=ppt/slides/slide19.xml><?xml version="1.0" encoding="utf-8"?>
 <p:sld xmlns:a="http://schemas.openxmlformats.org/drawingml/2006/main" xmlns:r="http://schemas.openxmlformats.org/officeDocument/2006/relationships" xmlns:p="http://schemas.openxmlformats.org/presentationml/2006/main">
   <p:cSld>
     <p:spTree>
@@ -5571,8 +7495,8 @@
         </p:nvSpPr>
         <p:spPr>
           <a:xfrm>
-            <a:off x="5411562" y="5246977"/>
-            <a:ext cx="2115991" cy="646331"/>
+            <a:off x="4842177" y="5897544"/>
+            <a:ext cx="2507645" cy="646331"/>
           </a:xfrm>
           <a:prstGeom prst="rect">
             <a:avLst/>
@@ -5585,9 +7509,10 @@
           </a:bodyPr>
           <a:lstStyle/>
           <a:p>
+            <a:pPr algn="ctr"/>
             <a:r>
               <a:rPr lang="fr-FR" dirty="0"/>
-              <a:t>Nous voulons aller de la salle la salle 5</a:t>
+              <a:t>Nous voulons aller de la 1 salle à la salle 5</a:t>
             </a:r>
           </a:p>
         </p:txBody>
@@ -5606,7 +7531,7 @@
         </p:nvGrpSpPr>
         <p:grpSpPr>
           <a:xfrm>
-            <a:off x="2231619" y="2864320"/>
+            <a:off x="2231136" y="2828878"/>
             <a:ext cx="2728140" cy="2418099"/>
             <a:chOff x="212034" y="3428999"/>
             <a:chExt cx="3213651" cy="2848434"/>
@@ -5764,7 +7689,7 @@
             <a:lstStyle/>
             <a:p>
               <a:pPr algn="ctr"/>
-              <a:endParaRPr lang="fr-FR"/>
+              <a:endParaRPr lang="fr-FR" dirty="0"/>
             </a:p>
           </p:txBody>
         </p:sp>
@@ -6163,15 +8088,15 @@
           </p:spPr>
           <p:style>
             <a:lnRef idx="2">
-              <a:schemeClr val="accent1">
+              <a:schemeClr val="accent3">
                 <a:shade val="50000"/>
               </a:schemeClr>
             </a:lnRef>
             <a:fillRef idx="1">
-              <a:schemeClr val="accent1"/>
+              <a:schemeClr val="accent3"/>
             </a:fillRef>
             <a:effectRef idx="0">
-              <a:schemeClr val="accent1"/>
+              <a:schemeClr val="accent3"/>
             </a:effectRef>
             <a:fontRef idx="minor">
               <a:schemeClr val="lt1"/>
@@ -6209,6 +8134,14 @@
             <a:prstGeom prst="rect">
               <a:avLst/>
             </a:prstGeom>
+            <a:solidFill>
+              <a:srgbClr val="92D050"/>
+            </a:solidFill>
+            <a:ln>
+              <a:solidFill>
+                <a:srgbClr val="00B050"/>
+              </a:solidFill>
+            </a:ln>
           </p:spPr>
           <p:style>
             <a:lnRef idx="2">
@@ -6295,12 +8228,451 @@
           </p:txBody>
         </p:sp>
       </p:grpSp>
+      <p:sp>
+        <p:nvSpPr>
+          <p:cNvPr id="3" name="TextBox 2">
+            <a:extLst>
+              <a:ext uri="{FF2B5EF4-FFF2-40B4-BE49-F238E27FC236}">
+                <a16:creationId xmlns:a16="http://schemas.microsoft.com/office/drawing/2014/main" id="{7E030EAC-FDC8-434C-AB0E-9F809F52DF23}"/>
+              </a:ext>
+            </a:extLst>
+          </p:cNvPr>
+          <p:cNvSpPr txBox="1"/>
+          <p:nvPr/>
+        </p:nvSpPr>
+        <p:spPr>
+          <a:xfrm>
+            <a:off x="3008006" y="2687713"/>
+            <a:ext cx="277372" cy="338554"/>
+          </a:xfrm>
+          <a:prstGeom prst="rect">
+            <a:avLst/>
+          </a:prstGeom>
+          <a:noFill/>
+        </p:spPr>
+        <p:txBody>
+          <a:bodyPr wrap="square" rtlCol="0">
+            <a:spAutoFit/>
+          </a:bodyPr>
+          <a:lstStyle/>
+          <a:p>
+            <a:r>
+              <a:rPr lang="fr-FR" sz="1600" dirty="0"/>
+              <a:t>a</a:t>
+            </a:r>
+          </a:p>
+        </p:txBody>
+      </p:sp>
+      <p:sp>
+        <p:nvSpPr>
+          <p:cNvPr id="34" name="TextBox 33">
+            <a:extLst>
+              <a:ext uri="{FF2B5EF4-FFF2-40B4-BE49-F238E27FC236}">
+                <a16:creationId xmlns:a16="http://schemas.microsoft.com/office/drawing/2014/main" id="{22EDAA28-5C93-43AE-BBA7-2109C84ADFD3}"/>
+              </a:ext>
+            </a:extLst>
+          </p:cNvPr>
+          <p:cNvSpPr txBox="1"/>
+          <p:nvPr/>
+        </p:nvSpPr>
+        <p:spPr>
+          <a:xfrm>
+            <a:off x="2150637" y="3534514"/>
+            <a:ext cx="277372" cy="338554"/>
+          </a:xfrm>
+          <a:prstGeom prst="rect">
+            <a:avLst/>
+          </a:prstGeom>
+          <a:noFill/>
+        </p:spPr>
+        <p:txBody>
+          <a:bodyPr wrap="square" rtlCol="0">
+            <a:spAutoFit/>
+          </a:bodyPr>
+          <a:lstStyle/>
+          <a:p>
+            <a:r>
+              <a:rPr lang="fr-FR" sz="1600" dirty="0"/>
+              <a:t>b</a:t>
+            </a:r>
+          </a:p>
+        </p:txBody>
+      </p:sp>
+      <p:sp>
+        <p:nvSpPr>
+          <p:cNvPr id="35" name="TextBox 34">
+            <a:extLst>
+              <a:ext uri="{FF2B5EF4-FFF2-40B4-BE49-F238E27FC236}">
+                <a16:creationId xmlns:a16="http://schemas.microsoft.com/office/drawing/2014/main" id="{2A4154A5-40DA-4240-A2B9-6AC67BFE3287}"/>
+              </a:ext>
+            </a:extLst>
+          </p:cNvPr>
+          <p:cNvSpPr txBox="1"/>
+          <p:nvPr/>
+        </p:nvSpPr>
+        <p:spPr>
+          <a:xfrm>
+            <a:off x="2530285" y="3527427"/>
+            <a:ext cx="277372" cy="338554"/>
+          </a:xfrm>
+          <a:prstGeom prst="rect">
+            <a:avLst/>
+          </a:prstGeom>
+          <a:noFill/>
+        </p:spPr>
+        <p:txBody>
+          <a:bodyPr wrap="square" rtlCol="0">
+            <a:spAutoFit/>
+          </a:bodyPr>
+          <a:lstStyle/>
+          <a:p>
+            <a:r>
+              <a:rPr lang="fr-FR" sz="1600" dirty="0"/>
+              <a:t>a</a:t>
+            </a:r>
+          </a:p>
+        </p:txBody>
+      </p:sp>
+      <p:cxnSp>
+        <p:nvCxnSpPr>
+          <p:cNvPr id="24" name="Straight Arrow Connector 23">
+            <a:extLst>
+              <a:ext uri="{FF2B5EF4-FFF2-40B4-BE49-F238E27FC236}">
+                <a16:creationId xmlns:a16="http://schemas.microsoft.com/office/drawing/2014/main" id="{BB3A78B4-BCF8-4604-9ED8-3BC6AE5F0BF6}"/>
+              </a:ext>
+            </a:extLst>
+          </p:cNvPr>
+          <p:cNvCxnSpPr>
+            <a:cxnSpLocks/>
+          </p:cNvCxnSpPr>
+          <p:nvPr/>
+        </p:nvCxnSpPr>
+        <p:spPr>
+          <a:xfrm>
+            <a:off x="2428009" y="3404371"/>
+            <a:ext cx="0" cy="584666"/>
+          </a:xfrm>
+          <a:prstGeom prst="straightConnector1">
+            <a:avLst/>
+          </a:prstGeom>
+          <a:ln>
+            <a:tailEnd type="triangle"/>
+          </a:ln>
+        </p:spPr>
+        <p:style>
+          <a:lnRef idx="1">
+            <a:schemeClr val="accent1"/>
+          </a:lnRef>
+          <a:fillRef idx="0">
+            <a:schemeClr val="accent1"/>
+          </a:fillRef>
+          <a:effectRef idx="0">
+            <a:schemeClr val="accent1"/>
+          </a:effectRef>
+          <a:fontRef idx="minor">
+            <a:schemeClr val="tx1"/>
+          </a:fontRef>
+        </p:style>
+      </p:cxnSp>
+      <p:cxnSp>
+        <p:nvCxnSpPr>
+          <p:cNvPr id="38" name="Straight Arrow Connector 37">
+            <a:extLst>
+              <a:ext uri="{FF2B5EF4-FFF2-40B4-BE49-F238E27FC236}">
+                <a16:creationId xmlns:a16="http://schemas.microsoft.com/office/drawing/2014/main" id="{2101BA79-6095-4532-9144-9DC24BC606BB}"/>
+              </a:ext>
+            </a:extLst>
+          </p:cNvPr>
+          <p:cNvCxnSpPr>
+            <a:cxnSpLocks/>
+          </p:cNvCxnSpPr>
+          <p:nvPr/>
+        </p:nvCxnSpPr>
+        <p:spPr>
+          <a:xfrm flipH="1" flipV="1">
+            <a:off x="2523514" y="3384711"/>
+            <a:ext cx="5239" cy="623985"/>
+          </a:xfrm>
+          <a:prstGeom prst="straightConnector1">
+            <a:avLst/>
+          </a:prstGeom>
+          <a:ln>
+            <a:tailEnd type="triangle"/>
+          </a:ln>
+        </p:spPr>
+        <p:style>
+          <a:lnRef idx="1">
+            <a:schemeClr val="accent1"/>
+          </a:lnRef>
+          <a:fillRef idx="0">
+            <a:schemeClr val="accent1"/>
+          </a:fillRef>
+          <a:effectRef idx="0">
+            <a:schemeClr val="accent1"/>
+          </a:effectRef>
+          <a:fontRef idx="minor">
+            <a:schemeClr val="tx1"/>
+          </a:fontRef>
+        </p:style>
+      </p:cxnSp>
+      <p:cxnSp>
+        <p:nvCxnSpPr>
+          <p:cNvPr id="41" name="Straight Arrow Connector 40">
+            <a:extLst>
+              <a:ext uri="{FF2B5EF4-FFF2-40B4-BE49-F238E27FC236}">
+                <a16:creationId xmlns:a16="http://schemas.microsoft.com/office/drawing/2014/main" id="{BC11A620-B2BB-41CE-9DB8-325AD2E081EF}"/>
+              </a:ext>
+            </a:extLst>
+          </p:cNvPr>
+          <p:cNvCxnSpPr>
+            <a:cxnSpLocks/>
+          </p:cNvCxnSpPr>
+          <p:nvPr/>
+        </p:nvCxnSpPr>
+        <p:spPr>
+          <a:xfrm>
+            <a:off x="2885291" y="3064260"/>
+            <a:ext cx="517469" cy="869"/>
+          </a:xfrm>
+          <a:prstGeom prst="straightConnector1">
+            <a:avLst/>
+          </a:prstGeom>
+          <a:ln>
+            <a:tailEnd type="triangle"/>
+          </a:ln>
+        </p:spPr>
+        <p:style>
+          <a:lnRef idx="1">
+            <a:schemeClr val="accent1"/>
+          </a:lnRef>
+          <a:fillRef idx="0">
+            <a:schemeClr val="accent1"/>
+          </a:fillRef>
+          <a:effectRef idx="0">
+            <a:schemeClr val="accent1"/>
+          </a:effectRef>
+          <a:fontRef idx="minor">
+            <a:schemeClr val="tx1"/>
+          </a:fontRef>
+        </p:style>
+      </p:cxnSp>
+      <p:cxnSp>
+        <p:nvCxnSpPr>
+          <p:cNvPr id="46" name="Straight Arrow Connector 45">
+            <a:extLst>
+              <a:ext uri="{FF2B5EF4-FFF2-40B4-BE49-F238E27FC236}">
+                <a16:creationId xmlns:a16="http://schemas.microsoft.com/office/drawing/2014/main" id="{8B9763DA-13E8-4F67-AA7B-1DA7EF31BE22}"/>
+              </a:ext>
+            </a:extLst>
+          </p:cNvPr>
+          <p:cNvCxnSpPr>
+            <a:cxnSpLocks/>
+          </p:cNvCxnSpPr>
+          <p:nvPr/>
+        </p:nvCxnSpPr>
+        <p:spPr>
+          <a:xfrm>
+            <a:off x="3723754" y="4231888"/>
+            <a:ext cx="517469" cy="869"/>
+          </a:xfrm>
+          <a:prstGeom prst="straightConnector1">
+            <a:avLst/>
+          </a:prstGeom>
+          <a:ln>
+            <a:tailEnd type="triangle"/>
+          </a:ln>
+        </p:spPr>
+        <p:style>
+          <a:lnRef idx="1">
+            <a:schemeClr val="accent1"/>
+          </a:lnRef>
+          <a:fillRef idx="0">
+            <a:schemeClr val="accent1"/>
+          </a:fillRef>
+          <a:effectRef idx="0">
+            <a:schemeClr val="accent1"/>
+          </a:effectRef>
+          <a:fontRef idx="minor">
+            <a:schemeClr val="tx1"/>
+          </a:fontRef>
+        </p:style>
+      </p:cxnSp>
+      <p:sp>
+        <p:nvSpPr>
+          <p:cNvPr id="47" name="TextBox 46">
+            <a:extLst>
+              <a:ext uri="{FF2B5EF4-FFF2-40B4-BE49-F238E27FC236}">
+                <a16:creationId xmlns:a16="http://schemas.microsoft.com/office/drawing/2014/main" id="{9CDDC0C0-048B-4F05-BC77-C2A0F5177B82}"/>
+              </a:ext>
+            </a:extLst>
+          </p:cNvPr>
+          <p:cNvSpPr txBox="1"/>
+          <p:nvPr/>
+        </p:nvSpPr>
+        <p:spPr>
+          <a:xfrm>
+            <a:off x="3805654" y="3820499"/>
+            <a:ext cx="277372" cy="338554"/>
+          </a:xfrm>
+          <a:prstGeom prst="rect">
+            <a:avLst/>
+          </a:prstGeom>
+          <a:noFill/>
+        </p:spPr>
+        <p:txBody>
+          <a:bodyPr wrap="square" rtlCol="0">
+            <a:spAutoFit/>
+          </a:bodyPr>
+          <a:lstStyle/>
+          <a:p>
+            <a:r>
+              <a:rPr lang="fr-FR" sz="1600" dirty="0"/>
+              <a:t>c</a:t>
+            </a:r>
+          </a:p>
+        </p:txBody>
+      </p:sp>
+      <p:sp>
+        <p:nvSpPr>
+          <p:cNvPr id="44" name="TextBox 43">
+            <a:extLst>
+              <a:ext uri="{FF2B5EF4-FFF2-40B4-BE49-F238E27FC236}">
+                <a16:creationId xmlns:a16="http://schemas.microsoft.com/office/drawing/2014/main" id="{D6AE7DD2-46B5-441A-838B-A35E3FB81A7F}"/>
+              </a:ext>
+            </a:extLst>
+          </p:cNvPr>
+          <p:cNvSpPr txBox="1"/>
+          <p:nvPr/>
+        </p:nvSpPr>
+        <p:spPr>
+          <a:xfrm>
+            <a:off x="5729681" y="2850318"/>
+            <a:ext cx="5318620" cy="2031325"/>
+          </a:xfrm>
+          <a:prstGeom prst="rect">
+            <a:avLst/>
+          </a:prstGeom>
+          <a:noFill/>
+        </p:spPr>
+        <p:txBody>
+          <a:bodyPr wrap="square" rtlCol="0">
+            <a:spAutoFit/>
+          </a:bodyPr>
+          <a:lstStyle/>
+          <a:p>
+            <a:endParaRPr lang="fr-FR" dirty="0"/>
+          </a:p>
+          <a:p>
+            <a:r>
+              <a:rPr lang="fr-FR" sz="1200" dirty="0"/>
+              <a:t>Une carte est composée d’un ensemble de salles et d’un ensemble de couloirs</a:t>
+            </a:r>
+          </a:p>
+          <a:p>
+            <a:r>
+              <a:rPr lang="fr-FR" sz="1200" dirty="0"/>
+              <a:t>— chaque couloir est étiqueté par une lettre d’un alphabet A donné</a:t>
+            </a:r>
+          </a:p>
+          <a:p>
+            <a:r>
+              <a:rPr lang="fr-FR" sz="1200" dirty="0"/>
+              <a:t>— un couloir ne peut être parcouru que dans un seul sens 1</a:t>
+            </a:r>
+          </a:p>
+          <a:p>
+            <a:r>
+              <a:rPr lang="fr-FR" sz="1200" dirty="0"/>
+              <a:t>Deux couloirs qui partent d’une même salle ne peuvent être étiquetés de</a:t>
+            </a:r>
+          </a:p>
+          <a:p>
+            <a:r>
+              <a:rPr lang="fr-FR" sz="1200" dirty="0"/>
+              <a:t>la même façon.</a:t>
+            </a:r>
+          </a:p>
+          <a:p>
+            <a:r>
+              <a:rPr lang="fr-FR" sz="1200" dirty="0"/>
+              <a:t>Une carte contient en particulier une salle de départ et une salle d’arrivée.</a:t>
+            </a:r>
+          </a:p>
+          <a:p>
+            <a:endParaRPr lang="fr-FR" dirty="0"/>
+          </a:p>
+          <a:p>
+            <a:r>
+              <a:rPr lang="fr-FR" sz="1600" dirty="0"/>
+              <a:t>Quel outil mathématique utiliser ?  </a:t>
+            </a:r>
+          </a:p>
+        </p:txBody>
+      </p:sp>
+    </p:spTree>
+    <p:extLst>
+      <p:ext uri="{BB962C8B-B14F-4D97-AF65-F5344CB8AC3E}">
+        <p14:creationId xmlns:p14="http://schemas.microsoft.com/office/powerpoint/2010/main" val="1422085374"/>
+      </p:ext>
+    </p:extLst>
+  </p:cSld>
+  <p:clrMapOvr>
+    <a:masterClrMapping/>
+  </p:clrMapOvr>
+</p:sld>
+</file>
+
+<file path=ppt/slides/slide3.xml><?xml version="1.0" encoding="utf-8"?>
+<p:sld xmlns:a="http://schemas.openxmlformats.org/drawingml/2006/main" xmlns:r="http://schemas.openxmlformats.org/officeDocument/2006/relationships" xmlns:p="http://schemas.openxmlformats.org/presentationml/2006/main">
+  <p:cSld>
+    <p:spTree>
+      <p:nvGrpSpPr>
+        <p:cNvPr id="1" name=""/>
+        <p:cNvGrpSpPr/>
+        <p:nvPr/>
+      </p:nvGrpSpPr>
+      <p:grpSpPr>
+        <a:xfrm>
+          <a:off x="0" y="0"/>
+          <a:ext cx="0" cy="0"/>
+          <a:chOff x="0" y="0"/>
+          <a:chExt cx="0" cy="0"/>
+        </a:xfrm>
+      </p:grpSpPr>
+      <p:sp>
+        <p:nvSpPr>
+          <p:cNvPr id="2" name="Title 1">
+            <a:extLst>
+              <a:ext uri="{FF2B5EF4-FFF2-40B4-BE49-F238E27FC236}">
+                <a16:creationId xmlns:a16="http://schemas.microsoft.com/office/drawing/2014/main" id="{409777C5-515D-4209-A885-6E08A6C4585E}"/>
+              </a:ext>
+            </a:extLst>
+          </p:cNvPr>
+          <p:cNvSpPr>
+            <a:spLocks noGrp="1"/>
+          </p:cNvSpPr>
+          <p:nvPr>
+            <p:ph type="title"/>
+          </p:nvPr>
+        </p:nvSpPr>
+        <p:spPr/>
+        <p:txBody>
+          <a:bodyPr/>
+          <a:lstStyle/>
+          <a:p>
+            <a:r>
+              <a:rPr lang="fr-FR" dirty="0"/>
+              <a:t>PRESENTATION DU PROJET</a:t>
+            </a:r>
+          </a:p>
+        </p:txBody>
+      </p:sp>
       <p:grpSp>
         <p:nvGrpSpPr>
-          <p:cNvPr id="48" name="Group 47">
+          <p:cNvPr id="4" name="Group 3">
             <a:extLst>
               <a:ext uri="{FF2B5EF4-FFF2-40B4-BE49-F238E27FC236}">
-                <a16:creationId xmlns:a16="http://schemas.microsoft.com/office/drawing/2014/main" id="{18F74A78-4973-4505-8EF7-8E4F670FA0F8}"/>
+                <a16:creationId xmlns:a16="http://schemas.microsoft.com/office/drawing/2014/main" id="{9248BFAE-96D3-4F08-95B5-84A536E34D62}"/>
               </a:ext>
             </a:extLst>
           </p:cNvPr>
@@ -6309,7 +8681,7 @@
         </p:nvGrpSpPr>
         <p:grpSpPr>
           <a:xfrm>
-            <a:off x="6994975" y="2669943"/>
+            <a:off x="5006784" y="2955169"/>
             <a:ext cx="2965406" cy="2462959"/>
             <a:chOff x="5869824" y="3304570"/>
             <a:chExt cx="2965406" cy="2462959"/>
@@ -6317,10 +8689,10 @@
         </p:grpSpPr>
         <p:sp>
           <p:nvSpPr>
-            <p:cNvPr id="20" name="Oval 19">
+            <p:cNvPr id="5" name="Oval 4">
               <a:extLst>
                 <a:ext uri="{FF2B5EF4-FFF2-40B4-BE49-F238E27FC236}">
-                  <a16:creationId xmlns:a16="http://schemas.microsoft.com/office/drawing/2014/main" id="{0256E2F7-7BE2-47FE-A687-4760709B351E}"/>
+                  <a16:creationId xmlns:a16="http://schemas.microsoft.com/office/drawing/2014/main" id="{76D06F3B-DE02-4625-9B05-7A049DEAA8BF}"/>
                 </a:ext>
               </a:extLst>
             </p:cNvPr>
@@ -6379,10 +8751,10 @@
         </p:sp>
         <p:sp>
           <p:nvSpPr>
-            <p:cNvPr id="21" name="Oval 20">
+            <p:cNvPr id="6" name="Oval 5">
               <a:extLst>
                 <a:ext uri="{FF2B5EF4-FFF2-40B4-BE49-F238E27FC236}">
-                  <a16:creationId xmlns:a16="http://schemas.microsoft.com/office/drawing/2014/main" id="{442E3385-5A7B-4340-82EB-27DE71B73B7A}"/>
+                  <a16:creationId xmlns:a16="http://schemas.microsoft.com/office/drawing/2014/main" id="{806AE671-CC89-4022-AFE0-230DD2D19E76}"/>
                 </a:ext>
               </a:extLst>
             </p:cNvPr>
@@ -6441,10 +8813,10 @@
         </p:sp>
         <p:sp>
           <p:nvSpPr>
-            <p:cNvPr id="22" name="Oval 21">
+            <p:cNvPr id="7" name="Oval 6">
               <a:extLst>
                 <a:ext uri="{FF2B5EF4-FFF2-40B4-BE49-F238E27FC236}">
-                  <a16:creationId xmlns:a16="http://schemas.microsoft.com/office/drawing/2014/main" id="{8148C5D5-9E60-49E0-859A-B925A84E0CCA}"/>
+                  <a16:creationId xmlns:a16="http://schemas.microsoft.com/office/drawing/2014/main" id="{F45DCCAD-2D82-45CD-AE6C-5FB08EE7AF2B}"/>
                 </a:ext>
               </a:extLst>
             </p:cNvPr>
@@ -6503,10 +8875,10 @@
         </p:sp>
         <p:sp>
           <p:nvSpPr>
-            <p:cNvPr id="23" name="Oval 22">
+            <p:cNvPr id="8" name="Oval 7">
               <a:extLst>
                 <a:ext uri="{FF2B5EF4-FFF2-40B4-BE49-F238E27FC236}">
-                  <a16:creationId xmlns:a16="http://schemas.microsoft.com/office/drawing/2014/main" id="{9323BBE7-BDE5-44CA-98C2-D7EB5CF40DEA}"/>
+                  <a16:creationId xmlns:a16="http://schemas.microsoft.com/office/drawing/2014/main" id="{E971F6C2-8627-4B31-A3A4-429A7CC00DF7}"/>
                 </a:ext>
               </a:extLst>
             </p:cNvPr>
@@ -6565,10 +8937,10 @@
         </p:sp>
         <p:sp>
           <p:nvSpPr>
-            <p:cNvPr id="25" name="Oval 24">
+            <p:cNvPr id="9" name="Oval 8">
               <a:extLst>
                 <a:ext uri="{FF2B5EF4-FFF2-40B4-BE49-F238E27FC236}">
-                  <a16:creationId xmlns:a16="http://schemas.microsoft.com/office/drawing/2014/main" id="{B15CE376-F852-47F8-800E-6B15DBC2CBAF}"/>
+                  <a16:creationId xmlns:a16="http://schemas.microsoft.com/office/drawing/2014/main" id="{F3EA9310-81D8-40B8-AFE7-B484486F6F7E}"/>
                 </a:ext>
               </a:extLst>
             </p:cNvPr>
@@ -6627,10 +8999,10 @@
         </p:sp>
         <p:cxnSp>
           <p:nvCxnSpPr>
-            <p:cNvPr id="27" name="Straight Arrow Connector 26">
+            <p:cNvPr id="10" name="Straight Arrow Connector 9">
               <a:extLst>
                 <a:ext uri="{FF2B5EF4-FFF2-40B4-BE49-F238E27FC236}">
-                  <a16:creationId xmlns:a16="http://schemas.microsoft.com/office/drawing/2014/main" id="{A9A9215A-5B89-46F6-A6F0-AD9A616BBDAD}"/>
+                  <a16:creationId xmlns:a16="http://schemas.microsoft.com/office/drawing/2014/main" id="{9F1960A4-9FF0-4576-80D3-ABA569D8C364}"/>
                 </a:ext>
               </a:extLst>
             </p:cNvPr>
@@ -6668,10 +9040,10 @@
         </p:cxnSp>
         <p:cxnSp>
           <p:nvCxnSpPr>
-            <p:cNvPr id="30" name="Straight Arrow Connector 29">
+            <p:cNvPr id="11" name="Straight Arrow Connector 10">
               <a:extLst>
                 <a:ext uri="{FF2B5EF4-FFF2-40B4-BE49-F238E27FC236}">
-                  <a16:creationId xmlns:a16="http://schemas.microsoft.com/office/drawing/2014/main" id="{4521E2E5-EE22-4412-A7E3-E49FDACA1A01}"/>
+                  <a16:creationId xmlns:a16="http://schemas.microsoft.com/office/drawing/2014/main" id="{94AF7183-4941-440E-9CCB-2D713457A27E}"/>
                 </a:ext>
               </a:extLst>
             </p:cNvPr>
@@ -6709,10 +9081,10 @@
         </p:cxnSp>
         <p:cxnSp>
           <p:nvCxnSpPr>
-            <p:cNvPr id="32" name="Straight Arrow Connector 31">
+            <p:cNvPr id="12" name="Straight Arrow Connector 11">
               <a:extLst>
                 <a:ext uri="{FF2B5EF4-FFF2-40B4-BE49-F238E27FC236}">
-                  <a16:creationId xmlns:a16="http://schemas.microsoft.com/office/drawing/2014/main" id="{9081DCA6-C0A2-47F4-9155-F787FFE2841E}"/>
+                  <a16:creationId xmlns:a16="http://schemas.microsoft.com/office/drawing/2014/main" id="{02421902-BBC2-43AA-909D-0B023220E310}"/>
                 </a:ext>
               </a:extLst>
             </p:cNvPr>
@@ -6750,10 +9122,10 @@
         </p:cxnSp>
         <p:cxnSp>
           <p:nvCxnSpPr>
-            <p:cNvPr id="37" name="Straight Arrow Connector 36">
+            <p:cNvPr id="13" name="Straight Arrow Connector 12">
               <a:extLst>
                 <a:ext uri="{FF2B5EF4-FFF2-40B4-BE49-F238E27FC236}">
-                  <a16:creationId xmlns:a16="http://schemas.microsoft.com/office/drawing/2014/main" id="{9595E697-4261-45CD-8D8F-34A52C4A08F5}"/>
+                  <a16:creationId xmlns:a16="http://schemas.microsoft.com/office/drawing/2014/main" id="{E3340451-036A-42CE-A353-F4855EBCCFF4}"/>
                 </a:ext>
               </a:extLst>
             </p:cNvPr>
@@ -6791,10 +9163,10 @@
         </p:cxnSp>
         <p:cxnSp>
           <p:nvCxnSpPr>
-            <p:cNvPr id="39" name="Straight Arrow Connector 38">
+            <p:cNvPr id="14" name="Straight Arrow Connector 13">
               <a:extLst>
                 <a:ext uri="{FF2B5EF4-FFF2-40B4-BE49-F238E27FC236}">
-                  <a16:creationId xmlns:a16="http://schemas.microsoft.com/office/drawing/2014/main" id="{AA37DF0B-BF20-4826-90BA-47F173395967}"/>
+                  <a16:creationId xmlns:a16="http://schemas.microsoft.com/office/drawing/2014/main" id="{D75748C6-5DA0-4614-B729-14B7E9F91D8A}"/>
                 </a:ext>
               </a:extLst>
             </p:cNvPr>
@@ -6832,10 +9204,10 @@
         </p:cxnSp>
         <p:cxnSp>
           <p:nvCxnSpPr>
-            <p:cNvPr id="42" name="Straight Arrow Connector 41">
+            <p:cNvPr id="15" name="Straight Arrow Connector 14">
               <a:extLst>
                 <a:ext uri="{FF2B5EF4-FFF2-40B4-BE49-F238E27FC236}">
-                  <a16:creationId xmlns:a16="http://schemas.microsoft.com/office/drawing/2014/main" id="{27AE1AB8-F891-4F40-BA54-125326DFD340}"/>
+                  <a16:creationId xmlns:a16="http://schemas.microsoft.com/office/drawing/2014/main" id="{0C46581A-0B7A-4EFD-B09F-6D15A54991AB}"/>
                 </a:ext>
               </a:extLst>
             </p:cNvPr>
@@ -6873,10 +9245,10 @@
         </p:cxnSp>
         <p:cxnSp>
           <p:nvCxnSpPr>
-            <p:cNvPr id="45" name="Straight Arrow Connector 44">
+            <p:cNvPr id="16" name="Straight Arrow Connector 15">
               <a:extLst>
                 <a:ext uri="{FF2B5EF4-FFF2-40B4-BE49-F238E27FC236}">
-                  <a16:creationId xmlns:a16="http://schemas.microsoft.com/office/drawing/2014/main" id="{506EAAF0-A5E1-4BAB-8A56-240C51D8EDCE}"/>
+                  <a16:creationId xmlns:a16="http://schemas.microsoft.com/office/drawing/2014/main" id="{E08BEC9B-1E1D-46A1-989F-E236DE63D120}"/>
                 </a:ext>
               </a:extLst>
             </p:cNvPr>
@@ -6913,151 +9285,181 @@
           </p:style>
         </p:cxnSp>
       </p:grpSp>
+      <p:sp>
+        <p:nvSpPr>
+          <p:cNvPr id="17" name="TextBox 16">
+            <a:extLst>
+              <a:ext uri="{FF2B5EF4-FFF2-40B4-BE49-F238E27FC236}">
+                <a16:creationId xmlns:a16="http://schemas.microsoft.com/office/drawing/2014/main" id="{CB2E632C-80A9-4D3D-9E78-5D8729385932}"/>
+              </a:ext>
+            </a:extLst>
+          </p:cNvPr>
+          <p:cNvSpPr txBox="1"/>
+          <p:nvPr/>
+        </p:nvSpPr>
+        <p:spPr>
+          <a:xfrm>
+            <a:off x="6014725" y="2817977"/>
+            <a:ext cx="242608" cy="338554"/>
+          </a:xfrm>
+          <a:prstGeom prst="rect">
+            <a:avLst/>
+          </a:prstGeom>
+          <a:noFill/>
+        </p:spPr>
+        <p:txBody>
+          <a:bodyPr wrap="square" rtlCol="0">
+            <a:spAutoFit/>
+          </a:bodyPr>
+          <a:lstStyle/>
+          <a:p>
+            <a:r>
+              <a:rPr lang="fr-FR" sz="1600" dirty="0"/>
+              <a:t>a</a:t>
+            </a:r>
+          </a:p>
+        </p:txBody>
+      </p:sp>
+      <p:cxnSp>
+        <p:nvCxnSpPr>
+          <p:cNvPr id="19" name="Straight Arrow Connector 18">
+            <a:extLst>
+              <a:ext uri="{FF2B5EF4-FFF2-40B4-BE49-F238E27FC236}">
+                <a16:creationId xmlns:a16="http://schemas.microsoft.com/office/drawing/2014/main" id="{0390F2BE-9D0F-4240-B7EF-70908453A482}"/>
+              </a:ext>
+            </a:extLst>
+          </p:cNvPr>
+          <p:cNvCxnSpPr/>
+          <p:nvPr/>
+        </p:nvCxnSpPr>
+        <p:spPr>
+          <a:xfrm>
+            <a:off x="4320330" y="3175579"/>
+            <a:ext cx="553674" cy="0"/>
+          </a:xfrm>
+          <a:prstGeom prst="straightConnector1">
+            <a:avLst/>
+          </a:prstGeom>
+          <a:ln>
+            <a:tailEnd type="triangle"/>
+          </a:ln>
+        </p:spPr>
+        <p:style>
+          <a:lnRef idx="2">
+            <a:schemeClr val="accent5"/>
+          </a:lnRef>
+          <a:fillRef idx="0">
+            <a:schemeClr val="accent5"/>
+          </a:fillRef>
+          <a:effectRef idx="1">
+            <a:schemeClr val="accent5"/>
+          </a:effectRef>
+          <a:fontRef idx="minor">
+            <a:schemeClr val="tx1"/>
+          </a:fontRef>
+        </p:style>
+      </p:cxnSp>
+      <p:sp>
+        <p:nvSpPr>
+          <p:cNvPr id="20" name="Oval 19">
+            <a:extLst>
+              <a:ext uri="{FF2B5EF4-FFF2-40B4-BE49-F238E27FC236}">
+                <a16:creationId xmlns:a16="http://schemas.microsoft.com/office/drawing/2014/main" id="{36821B43-211C-44ED-A14E-DB4529970B78}"/>
+              </a:ext>
+            </a:extLst>
+          </p:cNvPr>
+          <p:cNvSpPr/>
+          <p:nvPr/>
+        </p:nvSpPr>
+        <p:spPr>
+          <a:xfrm>
+            <a:off x="5980858" y="5035137"/>
+            <a:ext cx="304718" cy="304718"/>
+          </a:xfrm>
+          <a:prstGeom prst="ellipse">
+            <a:avLst/>
+          </a:prstGeom>
+          <a:solidFill>
+            <a:schemeClr val="bg1"/>
+          </a:solidFill>
+          <a:ln>
+            <a:solidFill>
+              <a:schemeClr val="tx1"/>
+            </a:solidFill>
+          </a:ln>
+        </p:spPr>
+        <p:style>
+          <a:lnRef idx="2">
+            <a:schemeClr val="accent1">
+              <a:shade val="50000"/>
+            </a:schemeClr>
+          </a:lnRef>
+          <a:fillRef idx="1">
+            <a:schemeClr val="accent1"/>
+          </a:fillRef>
+          <a:effectRef idx="0">
+            <a:schemeClr val="accent1"/>
+          </a:effectRef>
+          <a:fontRef idx="minor">
+            <a:schemeClr val="lt1"/>
+          </a:fontRef>
+        </p:style>
+        <p:txBody>
+          <a:bodyPr rtlCol="0" anchor="ctr"/>
+          <a:lstStyle/>
+          <a:p>
+            <a:pPr algn="ctr"/>
+            <a:r>
+              <a:rPr lang="fr-FR" dirty="0">
+                <a:solidFill>
+                  <a:schemeClr val="tx1"/>
+                </a:solidFill>
+              </a:rPr>
+              <a:t>5</a:t>
+            </a:r>
+            <a:endParaRPr lang="fr-FR" dirty="0"/>
+          </a:p>
+        </p:txBody>
+      </p:sp>
+      <p:sp>
+        <p:nvSpPr>
+          <p:cNvPr id="21" name="TextBox 20">
+            <a:extLst>
+              <a:ext uri="{FF2B5EF4-FFF2-40B4-BE49-F238E27FC236}">
+                <a16:creationId xmlns:a16="http://schemas.microsoft.com/office/drawing/2014/main" id="{312A4848-D32B-448F-935B-CBF334E5CF82}"/>
+              </a:ext>
+            </a:extLst>
+          </p:cNvPr>
+          <p:cNvSpPr txBox="1"/>
+          <p:nvPr/>
+        </p:nvSpPr>
+        <p:spPr>
+          <a:xfrm>
+            <a:off x="4320330" y="2904126"/>
+            <a:ext cx="452351" cy="261610"/>
+          </a:xfrm>
+          <a:prstGeom prst="rect">
+            <a:avLst/>
+          </a:prstGeom>
+          <a:noFill/>
+        </p:spPr>
+        <p:txBody>
+          <a:bodyPr wrap="square" rtlCol="0">
+            <a:spAutoFit/>
+          </a:bodyPr>
+          <a:lstStyle/>
+          <a:p>
+            <a:r>
+              <a:rPr lang="fr-FR" sz="1100" dirty="0"/>
+              <a:t>start</a:t>
+            </a:r>
+          </a:p>
+        </p:txBody>
+      </p:sp>
     </p:spTree>
     <p:extLst>
       <p:ext uri="{BB962C8B-B14F-4D97-AF65-F5344CB8AC3E}">
-        <p14:creationId xmlns:p14="http://schemas.microsoft.com/office/powerpoint/2010/main" val="1422085374"/>
-      </p:ext>
-    </p:extLst>
-  </p:cSld>
-  <p:clrMapOvr>
-    <a:masterClrMapping/>
-  </p:clrMapOvr>
-</p:sld>
-</file>
-
-<file path=ppt/slides/slide3.xml><?xml version="1.0" encoding="utf-8"?>
-<p:sld xmlns:a="http://schemas.openxmlformats.org/drawingml/2006/main" xmlns:r="http://schemas.openxmlformats.org/officeDocument/2006/relationships" xmlns:p="http://schemas.openxmlformats.org/presentationml/2006/main">
-  <p:cSld>
-    <p:spTree>
-      <p:nvGrpSpPr>
-        <p:cNvPr id="1" name=""/>
-        <p:cNvGrpSpPr/>
-        <p:nvPr/>
-      </p:nvGrpSpPr>
-      <p:grpSpPr>
-        <a:xfrm>
-          <a:off x="0" y="0"/>
-          <a:ext cx="0" cy="0"/>
-          <a:chOff x="0" y="0"/>
-          <a:chExt cx="0" cy="0"/>
-        </a:xfrm>
-      </p:grpSpPr>
-      <p:sp>
-        <p:nvSpPr>
-          <p:cNvPr id="2" name="Title 1">
-            <a:extLst>
-              <a:ext uri="{FF2B5EF4-FFF2-40B4-BE49-F238E27FC236}">
-                <a16:creationId xmlns:a16="http://schemas.microsoft.com/office/drawing/2014/main" id="{DE1330F2-B4C5-4106-885C-892C8C03F69E}"/>
-              </a:ext>
-            </a:extLst>
-          </p:cNvPr>
-          <p:cNvSpPr>
-            <a:spLocks noGrp="1"/>
-          </p:cNvSpPr>
-          <p:nvPr>
-            <p:ph type="title"/>
-          </p:nvPr>
-        </p:nvSpPr>
-        <p:spPr/>
-        <p:txBody>
-          <a:bodyPr/>
-          <a:lstStyle/>
-          <a:p>
-            <a:r>
-              <a:rPr lang="fr-FR" dirty="0"/>
-              <a:t>PLAN </a:t>
-            </a:r>
-          </a:p>
-        </p:txBody>
-      </p:sp>
-      <p:sp>
-        <p:nvSpPr>
-          <p:cNvPr id="3" name="Content Placeholder 2">
-            <a:extLst>
-              <a:ext uri="{FF2B5EF4-FFF2-40B4-BE49-F238E27FC236}">
-                <a16:creationId xmlns:a16="http://schemas.microsoft.com/office/drawing/2014/main" id="{170AC705-9232-410B-A2A7-0F1758094662}"/>
-              </a:ext>
-            </a:extLst>
-          </p:cNvPr>
-          <p:cNvSpPr>
-            <a:spLocks noGrp="1"/>
-          </p:cNvSpPr>
-          <p:nvPr>
-            <p:ph idx="1"/>
-          </p:nvPr>
-        </p:nvSpPr>
-        <p:spPr>
-          <a:xfrm>
-            <a:off x="2231136" y="2638044"/>
-            <a:ext cx="7729728" cy="3101983"/>
-          </a:xfrm>
-        </p:spPr>
-        <p:txBody>
-          <a:bodyPr>
-            <a:normAutofit fontScale="92500" lnSpcReduction="20000"/>
-          </a:bodyPr>
-          <a:lstStyle/>
-          <a:p>
-            <a:r>
-              <a:rPr lang="fr-FR" dirty="0"/>
-              <a:t>Définition formelle d’un automate </a:t>
-            </a:r>
-          </a:p>
-          <a:p>
-            <a:r>
-              <a:rPr lang="fr-FR" dirty="0"/>
-              <a:t>Choix d’implémentation </a:t>
-            </a:r>
-          </a:p>
-          <a:p>
-            <a:r>
-              <a:rPr lang="fr-FR" dirty="0"/>
-              <a:t>Fonction de Transition </a:t>
-            </a:r>
-          </a:p>
-          <a:p>
-            <a:r>
-              <a:rPr lang="fr-FR" dirty="0"/>
-              <a:t>Un exemple d’algorithme aléatoire </a:t>
-            </a:r>
-          </a:p>
-          <a:p>
-            <a:r>
-              <a:rPr lang="fr-FR" dirty="0"/>
-              <a:t>Algorithme mot reconnu (Déterminisme)</a:t>
-            </a:r>
-          </a:p>
-          <a:p>
-            <a:r>
-              <a:rPr lang="fr-FR" dirty="0"/>
-              <a:t>Algorithme Plus petit chemin (Déterministe)</a:t>
-            </a:r>
-          </a:p>
-          <a:p>
-            <a:r>
-              <a:rPr lang="fr-FR" dirty="0"/>
-              <a:t>Changement apportée pour l’automate indéterministe </a:t>
-            </a:r>
-          </a:p>
-          <a:p>
-            <a:r>
-              <a:rPr lang="fr-FR" dirty="0"/>
-              <a:t>Démonstration sur machine</a:t>
-            </a:r>
-          </a:p>
-          <a:p>
-            <a:r>
-              <a:rPr lang="fr-FR" dirty="0"/>
-              <a:t>Conclusion</a:t>
-            </a:r>
-          </a:p>
-        </p:txBody>
-      </p:sp>
-    </p:spTree>
-    <p:extLst>
-      <p:ext uri="{BB962C8B-B14F-4D97-AF65-F5344CB8AC3E}">
-        <p14:creationId xmlns:p14="http://schemas.microsoft.com/office/powerpoint/2010/main" val="3162115646"/>
+        <p14:creationId xmlns:p14="http://schemas.microsoft.com/office/powerpoint/2010/main" val="3780883662"/>
       </p:ext>
     </p:extLst>
   </p:cSld>
@@ -7089,7 +9491,7 @@
           <p:cNvPr id="2" name="Title 1">
             <a:extLst>
               <a:ext uri="{FF2B5EF4-FFF2-40B4-BE49-F238E27FC236}">
-                <a16:creationId xmlns:a16="http://schemas.microsoft.com/office/drawing/2014/main" id="{CC084D98-D548-4FC5-B6A4-6AFF5529D00A}"/>
+                <a16:creationId xmlns:a16="http://schemas.microsoft.com/office/drawing/2014/main" id="{DE1330F2-B4C5-4106-885C-892C8C03F69E}"/>
               </a:ext>
             </a:extLst>
           </p:cNvPr>
@@ -7107,7 +9509,7 @@
           <a:p>
             <a:r>
               <a:rPr lang="fr-FR" dirty="0"/>
-              <a:t>Définition formelle automate</a:t>
+              <a:t>PLAN </a:t>
             </a:r>
           </a:p>
         </p:txBody>
@@ -7117,7 +9519,7 @@
           <p:cNvPr id="3" name="Content Placeholder 2">
             <a:extLst>
               <a:ext uri="{FF2B5EF4-FFF2-40B4-BE49-F238E27FC236}">
-                <a16:creationId xmlns:a16="http://schemas.microsoft.com/office/drawing/2014/main" id="{F81D8679-F161-4A83-BFE7-1BCB531403E2}"/>
+                <a16:creationId xmlns:a16="http://schemas.microsoft.com/office/drawing/2014/main" id="{170AC705-9232-410B-A2A7-0F1758094662}"/>
               </a:ext>
             </a:extLst>
           </p:cNvPr>
@@ -7128,57 +9530,69 @@
             <p:ph idx="1"/>
           </p:nvPr>
         </p:nvSpPr>
-        <p:spPr/>
-        <p:txBody>
-          <a:bodyPr/>
+        <p:spPr>
+          <a:xfrm>
+            <a:off x="2231136" y="2638044"/>
+            <a:ext cx="7729728" cy="3101983"/>
+          </a:xfrm>
+        </p:spPr>
+        <p:txBody>
+          <a:bodyPr>
+            <a:normAutofit fontScale="92500" lnSpcReduction="20000"/>
+          </a:bodyPr>
           <a:lstStyle/>
           <a:p>
             <a:r>
               <a:rPr lang="fr-FR" dirty="0"/>
-              <a:t>Un automate fini est un </a:t>
-            </a:r>
-            <a:r>
-              <a:rPr lang="fr-FR" dirty="0" err="1"/>
-              <a:t>quintuplet</a:t>
-            </a:r>
+              <a:t>Définition formelle d’un automate </a:t>
+            </a:r>
+          </a:p>
+          <a:p>
             <a:r>
               <a:rPr lang="fr-FR" dirty="0"/>
-              <a:t> A = (E , Q ,R ,I ,F) ,où : </a:t>
-            </a:r>
-          </a:p>
-          <a:p>
-            <a:pPr lvl="1"/>
+              <a:t>Choix d’implémentation </a:t>
+            </a:r>
+          </a:p>
+          <a:p>
             <a:r>
               <a:rPr lang="fr-FR" dirty="0"/>
-              <a:t>E est un alphabet</a:t>
-            </a:r>
-          </a:p>
-          <a:p>
-            <a:pPr lvl="1"/>
+              <a:t>Fonction de Transition </a:t>
+            </a:r>
+          </a:p>
+          <a:p>
             <a:r>
               <a:rPr lang="fr-FR" dirty="0"/>
-              <a:t>Q est un ensemble fini, appelé ensemble des états. </a:t>
-            </a:r>
-          </a:p>
-          <a:p>
-            <a:pPr lvl="1"/>
+              <a:t>Un exemple d’algorithme aléatoire </a:t>
+            </a:r>
+          </a:p>
+          <a:p>
             <a:r>
               <a:rPr lang="fr-FR" dirty="0"/>
-              <a:t>I est une partie de Q appelé ensemble des états initiaux</a:t>
-            </a:r>
-          </a:p>
-          <a:p>
-            <a:pPr lvl="1"/>
+              <a:t>Algorithme mot reconnu (Déterminisme)</a:t>
+            </a:r>
+          </a:p>
+          <a:p>
             <a:r>
               <a:rPr lang="fr-FR" dirty="0"/>
-              <a:t>F est une partie de Q appelé ensemble des états finaux</a:t>
-            </a:r>
-          </a:p>
-          <a:p>
-            <a:pPr lvl="1"/>
+              <a:t>Algorithme Plus petit chemin (Déterministe)</a:t>
+            </a:r>
+          </a:p>
+          <a:p>
             <a:r>
               <a:rPr lang="fr-FR" dirty="0"/>
-              <a:t>R est une partie de Q x E x Q appelé ensemble des transitions </a:t>
+              <a:t>Changement apportée pour l’automate indéterministe </a:t>
+            </a:r>
+          </a:p>
+          <a:p>
+            <a:r>
+              <a:rPr lang="fr-FR" dirty="0"/>
+              <a:t>Démonstration sur machine</a:t>
+            </a:r>
+          </a:p>
+          <a:p>
+            <a:r>
+              <a:rPr lang="fr-FR" dirty="0"/>
+              <a:t>Conclusion</a:t>
             </a:r>
           </a:p>
         </p:txBody>
@@ -7186,7 +9600,7 @@
     </p:spTree>
     <p:extLst>
       <p:ext uri="{BB962C8B-B14F-4D97-AF65-F5344CB8AC3E}">
-        <p14:creationId xmlns:p14="http://schemas.microsoft.com/office/powerpoint/2010/main" val="1697048600"/>
+        <p14:creationId xmlns:p14="http://schemas.microsoft.com/office/powerpoint/2010/main" val="3162115646"/>
       </p:ext>
     </p:extLst>
   </p:cSld>
@@ -7218,6 +9632,135 @@
           <p:cNvPr id="2" name="Title 1">
             <a:extLst>
               <a:ext uri="{FF2B5EF4-FFF2-40B4-BE49-F238E27FC236}">
+                <a16:creationId xmlns:a16="http://schemas.microsoft.com/office/drawing/2014/main" id="{CC084D98-D548-4FC5-B6A4-6AFF5529D00A}"/>
+              </a:ext>
+            </a:extLst>
+          </p:cNvPr>
+          <p:cNvSpPr>
+            <a:spLocks noGrp="1"/>
+          </p:cNvSpPr>
+          <p:nvPr>
+            <p:ph type="title"/>
+          </p:nvPr>
+        </p:nvSpPr>
+        <p:spPr/>
+        <p:txBody>
+          <a:bodyPr/>
+          <a:lstStyle/>
+          <a:p>
+            <a:r>
+              <a:rPr lang="fr-FR" dirty="0"/>
+              <a:t>Définition formelle automate</a:t>
+            </a:r>
+          </a:p>
+        </p:txBody>
+      </p:sp>
+      <p:sp>
+        <p:nvSpPr>
+          <p:cNvPr id="3" name="Content Placeholder 2">
+            <a:extLst>
+              <a:ext uri="{FF2B5EF4-FFF2-40B4-BE49-F238E27FC236}">
+                <a16:creationId xmlns:a16="http://schemas.microsoft.com/office/drawing/2014/main" id="{F81D8679-F161-4A83-BFE7-1BCB531403E2}"/>
+              </a:ext>
+            </a:extLst>
+          </p:cNvPr>
+          <p:cNvSpPr>
+            <a:spLocks noGrp="1"/>
+          </p:cNvSpPr>
+          <p:nvPr>
+            <p:ph idx="1"/>
+          </p:nvPr>
+        </p:nvSpPr>
+        <p:spPr/>
+        <p:txBody>
+          <a:bodyPr/>
+          <a:lstStyle/>
+          <a:p>
+            <a:r>
+              <a:rPr lang="fr-FR" dirty="0"/>
+              <a:t>Un automate fini est un </a:t>
+            </a:r>
+            <a:r>
+              <a:rPr lang="fr-FR" dirty="0" err="1"/>
+              <a:t>quintuplet</a:t>
+            </a:r>
+            <a:r>
+              <a:rPr lang="fr-FR" dirty="0"/>
+              <a:t> A = (E , Q ,R ,I ,F) ,où : </a:t>
+            </a:r>
+          </a:p>
+          <a:p>
+            <a:pPr lvl="1"/>
+            <a:r>
+              <a:rPr lang="fr-FR" dirty="0"/>
+              <a:t>E est un alphabet</a:t>
+            </a:r>
+          </a:p>
+          <a:p>
+            <a:pPr lvl="1"/>
+            <a:r>
+              <a:rPr lang="fr-FR" dirty="0"/>
+              <a:t>Q est un ensemble fini, appelé ensemble des états. </a:t>
+            </a:r>
+          </a:p>
+          <a:p>
+            <a:pPr lvl="1"/>
+            <a:r>
+              <a:rPr lang="fr-FR" dirty="0"/>
+              <a:t>I est une partie de Q appelé ensemble des états initiaux</a:t>
+            </a:r>
+          </a:p>
+          <a:p>
+            <a:pPr lvl="1"/>
+            <a:r>
+              <a:rPr lang="fr-FR" dirty="0"/>
+              <a:t>F est une partie de Q appelé ensemble des états finaux</a:t>
+            </a:r>
+          </a:p>
+          <a:p>
+            <a:pPr lvl="1"/>
+            <a:r>
+              <a:rPr lang="fr-FR" dirty="0"/>
+              <a:t>R est une partie de Q x E x Q appelé ensemble des transitions </a:t>
+            </a:r>
+          </a:p>
+        </p:txBody>
+      </p:sp>
+    </p:spTree>
+    <p:extLst>
+      <p:ext uri="{BB962C8B-B14F-4D97-AF65-F5344CB8AC3E}">
+        <p14:creationId xmlns:p14="http://schemas.microsoft.com/office/powerpoint/2010/main" val="1697048600"/>
+      </p:ext>
+    </p:extLst>
+  </p:cSld>
+  <p:clrMapOvr>
+    <a:masterClrMapping/>
+  </p:clrMapOvr>
+</p:sld>
+</file>
+
+<file path=ppt/slides/slide6.xml><?xml version="1.0" encoding="utf-8"?>
+<p:sld xmlns:a="http://schemas.openxmlformats.org/drawingml/2006/main" xmlns:r="http://schemas.openxmlformats.org/officeDocument/2006/relationships" xmlns:p="http://schemas.openxmlformats.org/presentationml/2006/main">
+  <p:cSld>
+    <p:spTree>
+      <p:nvGrpSpPr>
+        <p:cNvPr id="1" name=""/>
+        <p:cNvGrpSpPr/>
+        <p:nvPr/>
+      </p:nvGrpSpPr>
+      <p:grpSpPr>
+        <a:xfrm>
+          <a:off x="0" y="0"/>
+          <a:ext cx="0" cy="0"/>
+          <a:chOff x="0" y="0"/>
+          <a:chExt cx="0" cy="0"/>
+        </a:xfrm>
+      </p:grpSpPr>
+      <p:sp>
+        <p:nvSpPr>
+          <p:cNvPr id="2" name="Title 1">
+            <a:extLst>
+              <a:ext uri="{FF2B5EF4-FFF2-40B4-BE49-F238E27FC236}">
                 <a16:creationId xmlns:a16="http://schemas.microsoft.com/office/drawing/2014/main" id="{C76BD46A-A084-4C86-8815-F399CA2893F0}"/>
               </a:ext>
             </a:extLst>
@@ -7309,7 +9852,7 @@
 </p:sld>
 </file>
 
-<file path=ppt/slides/slide6.xml><?xml version="1.0" encoding="utf-8"?>
+<file path=ppt/slides/slide7.xml><?xml version="1.0" encoding="utf-8"?>
 <p:sld xmlns:a="http://schemas.openxmlformats.org/drawingml/2006/main" xmlns:r="http://schemas.openxmlformats.org/officeDocument/2006/relationships" xmlns:p="http://schemas.openxmlformats.org/presentationml/2006/main">
   <p:cSld>
     <p:spTree>
@@ -7693,178 +10236,6 @@
 </p:sld>
 </file>
 
-<file path=ppt/slides/slide7.xml><?xml version="1.0" encoding="utf-8"?>
-<p:sld xmlns:a="http://schemas.openxmlformats.org/drawingml/2006/main" xmlns:r="http://schemas.openxmlformats.org/officeDocument/2006/relationships" xmlns:p="http://schemas.openxmlformats.org/presentationml/2006/main">
-  <p:cSld>
-    <p:spTree>
-      <p:nvGrpSpPr>
-        <p:cNvPr id="1" name=""/>
-        <p:cNvGrpSpPr/>
-        <p:nvPr/>
-      </p:nvGrpSpPr>
-      <p:grpSpPr>
-        <a:xfrm>
-          <a:off x="0" y="0"/>
-          <a:ext cx="0" cy="0"/>
-          <a:chOff x="0" y="0"/>
-          <a:chExt cx="0" cy="0"/>
-        </a:xfrm>
-      </p:grpSpPr>
-      <p:sp>
-        <p:nvSpPr>
-          <p:cNvPr id="2" name="Title 1">
-            <a:extLst>
-              <a:ext uri="{FF2B5EF4-FFF2-40B4-BE49-F238E27FC236}">
-                <a16:creationId xmlns:a16="http://schemas.microsoft.com/office/drawing/2014/main" id="{074C5974-2792-44DB-80E0-62DB05472655}"/>
-              </a:ext>
-            </a:extLst>
-          </p:cNvPr>
-          <p:cNvSpPr>
-            <a:spLocks noGrp="1"/>
-          </p:cNvSpPr>
-          <p:nvPr>
-            <p:ph type="title"/>
-          </p:nvPr>
-        </p:nvSpPr>
-        <p:spPr/>
-        <p:txBody>
-          <a:bodyPr/>
-          <a:lstStyle/>
-          <a:p>
-            <a:r>
-              <a:rPr lang="fr-FR" dirty="0"/>
-              <a:t>Un algorithme de génération aléatoire</a:t>
-            </a:r>
-          </a:p>
-        </p:txBody>
-      </p:sp>
-      <p:sp>
-        <p:nvSpPr>
-          <p:cNvPr id="3" name="Content Placeholder 2">
-            <a:extLst>
-              <a:ext uri="{FF2B5EF4-FFF2-40B4-BE49-F238E27FC236}">
-                <a16:creationId xmlns:a16="http://schemas.microsoft.com/office/drawing/2014/main" id="{55DC87D8-A331-4C06-9A9A-07E4B6DBEFC2}"/>
-              </a:ext>
-            </a:extLst>
-          </p:cNvPr>
-          <p:cNvSpPr>
-            <a:spLocks noGrp="1"/>
-          </p:cNvSpPr>
-          <p:nvPr>
-            <p:ph idx="1"/>
-          </p:nvPr>
-        </p:nvSpPr>
-        <p:spPr>
-          <a:xfrm>
-            <a:off x="2231136" y="2638044"/>
-            <a:ext cx="7729728" cy="3101983"/>
-          </a:xfrm>
-        </p:spPr>
-        <p:txBody>
-          <a:bodyPr/>
-          <a:lstStyle/>
-          <a:p>
-            <a:r>
-              <a:rPr lang="fr-FR" dirty="0"/>
-              <a:t>Entrée : Densité , nombre de Salles , alphabet ,taille alphabet </a:t>
-            </a:r>
-          </a:p>
-          <a:p>
-            <a:pPr lvl="1"/>
-            <a:r>
-              <a:rPr lang="fr-FR" dirty="0"/>
-              <a:t>Densité = nombre de Salles / nombre de transitions</a:t>
-            </a:r>
-          </a:p>
-          <a:p>
-            <a:r>
-              <a:rPr lang="fr-FR" dirty="0"/>
-              <a:t>Sortie : un Automate déterministe . </a:t>
-            </a:r>
-          </a:p>
-          <a:p>
-            <a:r>
-              <a:rPr lang="fr-FR" u="sng" dirty="0"/>
-              <a:t>Algorithme :</a:t>
-            </a:r>
-          </a:p>
-          <a:p>
-            <a:pPr lvl="1"/>
-            <a:r>
-              <a:rPr lang="fr-FR" dirty="0" err="1"/>
-              <a:t>nbTransitionsSortantes</a:t>
-            </a:r>
-            <a:r>
-              <a:rPr lang="fr-FR" dirty="0"/>
-              <a:t> &lt;= </a:t>
-            </a:r>
-            <a:r>
-              <a:rPr lang="fr-FR" dirty="0" err="1"/>
-              <a:t>nombreTransition</a:t>
-            </a:r>
-            <a:r>
-              <a:rPr lang="fr-FR" dirty="0"/>
-              <a:t>/2; </a:t>
-            </a:r>
-            <a:r>
-              <a:rPr lang="fr-FR" dirty="0" err="1"/>
-              <a:t>nbTransitionEntrantes</a:t>
-            </a:r>
-            <a:r>
-              <a:rPr lang="fr-FR" dirty="0"/>
-              <a:t> &lt;=  </a:t>
-            </a:r>
-            <a:r>
-              <a:rPr lang="fr-FR" dirty="0" err="1"/>
-              <a:t>nombreTransition</a:t>
-            </a:r>
-            <a:r>
-              <a:rPr lang="fr-FR" dirty="0"/>
-              <a:t> /2 ;</a:t>
-            </a:r>
-          </a:p>
-          <a:p>
-            <a:pPr lvl="1"/>
-            <a:r>
-              <a:rPr lang="fr-FR" dirty="0"/>
-              <a:t>Tant que </a:t>
-            </a:r>
-            <a:r>
-              <a:rPr lang="fr-FR" dirty="0" err="1"/>
-              <a:t>nbTransitionSortantes</a:t>
-            </a:r>
-            <a:r>
-              <a:rPr lang="fr-FR" dirty="0"/>
-              <a:t> et le </a:t>
-            </a:r>
-            <a:r>
-              <a:rPr lang="fr-FR" dirty="0" err="1"/>
-              <a:t>nbTransitionEntrantes</a:t>
-            </a:r>
-            <a:r>
-              <a:rPr lang="fr-FR" dirty="0"/>
-              <a:t> != 0</a:t>
-            </a:r>
-          </a:p>
-          <a:p>
-            <a:pPr lvl="1"/>
-            <a:endParaRPr lang="fr-FR" dirty="0"/>
-          </a:p>
-        </p:txBody>
-      </p:sp>
-    </p:spTree>
-    <p:extLst>
-      <p:ext uri="{BB962C8B-B14F-4D97-AF65-F5344CB8AC3E}">
-        <p14:creationId xmlns:p14="http://schemas.microsoft.com/office/powerpoint/2010/main" val="838789698"/>
-      </p:ext>
-    </p:extLst>
-  </p:cSld>
-  <p:clrMapOvr>
-    <a:masterClrMapping/>
-  </p:clrMapOvr>
-</p:sld>
-</file>
-
 <file path=ppt/slides/slide8.xml><?xml version="1.0" encoding="utf-8"?>
 <p:sld xmlns:a="http://schemas.openxmlformats.org/drawingml/2006/main" xmlns:r="http://schemas.openxmlformats.org/officeDocument/2006/relationships" xmlns:p="http://schemas.openxmlformats.org/presentationml/2006/main">
   <p:cSld>
@@ -7887,7 +10258,7 @@
           <p:cNvPr id="2" name="Title 1">
             <a:extLst>
               <a:ext uri="{FF2B5EF4-FFF2-40B4-BE49-F238E27FC236}">
-                <a16:creationId xmlns:a16="http://schemas.microsoft.com/office/drawing/2014/main" id="{554829AA-84A0-4AA1-A607-AABCA6E5D709}"/>
+                <a16:creationId xmlns:a16="http://schemas.microsoft.com/office/drawing/2014/main" id="{074C5974-2792-44DB-80E0-62DB05472655}"/>
               </a:ext>
             </a:extLst>
           </p:cNvPr>
@@ -7905,7 +10276,7 @@
           <a:p>
             <a:r>
               <a:rPr lang="fr-FR" dirty="0"/>
-              <a:t>Fonction d’affichage</a:t>
+              <a:t>Un algorithme de génération aléatoire</a:t>
             </a:r>
           </a:p>
         </p:txBody>
@@ -7915,7 +10286,7 @@
           <p:cNvPr id="3" name="Content Placeholder 2">
             <a:extLst>
               <a:ext uri="{FF2B5EF4-FFF2-40B4-BE49-F238E27FC236}">
-                <a16:creationId xmlns:a16="http://schemas.microsoft.com/office/drawing/2014/main" id="{F05898F6-762E-4AC2-BAA9-7CF2E87536C2}"/>
+                <a16:creationId xmlns:a16="http://schemas.microsoft.com/office/drawing/2014/main" id="{55DC87D8-A331-4C06-9A9A-07E4B6DBEFC2}"/>
               </a:ext>
             </a:extLst>
           </p:cNvPr>
@@ -7926,11 +10297,100 @@
             <p:ph idx="1"/>
           </p:nvPr>
         </p:nvSpPr>
-        <p:spPr/>
+        <p:spPr>
+          <a:xfrm>
+            <a:off x="2231136" y="2638044"/>
+            <a:ext cx="7729728" cy="3101983"/>
+          </a:xfrm>
+        </p:spPr>
         <p:txBody>
           <a:bodyPr/>
           <a:lstStyle/>
           <a:p>
+            <a:r>
+              <a:rPr lang="fr-FR" dirty="0"/>
+              <a:t>Entrée : Densité , nombre de Salles , alphabet ,taille alphabet </a:t>
+            </a:r>
+          </a:p>
+          <a:p>
+            <a:pPr lvl="1"/>
+            <a:r>
+              <a:rPr lang="fr-FR" dirty="0"/>
+              <a:t>Densité = nombre de Salles / nombre de transitions</a:t>
+            </a:r>
+          </a:p>
+          <a:p>
+            <a:r>
+              <a:rPr lang="fr-FR" dirty="0"/>
+              <a:t>Sortie : un Automate déterministe . </a:t>
+            </a:r>
+          </a:p>
+          <a:p>
+            <a:r>
+              <a:rPr lang="fr-FR" u="sng" dirty="0"/>
+              <a:t>Algorithme :</a:t>
+            </a:r>
+          </a:p>
+          <a:p>
+            <a:pPr lvl="1"/>
+            <a:r>
+              <a:rPr lang="fr-FR" dirty="0" err="1"/>
+              <a:t>nbTransitionsSortantes</a:t>
+            </a:r>
+            <a:r>
+              <a:rPr lang="fr-FR" dirty="0"/>
+              <a:t> &lt;= </a:t>
+            </a:r>
+            <a:r>
+              <a:rPr lang="fr-FR" dirty="0" err="1"/>
+              <a:t>nombreTransition</a:t>
+            </a:r>
+            <a:r>
+              <a:rPr lang="fr-FR" dirty="0"/>
+              <a:t>/2; </a:t>
+            </a:r>
+            <a:r>
+              <a:rPr lang="fr-FR" dirty="0" err="1"/>
+              <a:t>nbTransitionEntrantes</a:t>
+            </a:r>
+            <a:r>
+              <a:rPr lang="fr-FR" dirty="0"/>
+              <a:t> &lt;=  </a:t>
+            </a:r>
+            <a:r>
+              <a:rPr lang="fr-FR" dirty="0" err="1"/>
+              <a:t>nombreTransition</a:t>
+            </a:r>
+            <a:r>
+              <a:rPr lang="fr-FR" dirty="0"/>
+              <a:t> /2 ;</a:t>
+            </a:r>
+          </a:p>
+          <a:p>
+            <a:pPr lvl="1"/>
+            <a:r>
+              <a:rPr lang="fr-FR" dirty="0"/>
+              <a:t>Tant que </a:t>
+            </a:r>
+            <a:r>
+              <a:rPr lang="fr-FR" dirty="0" err="1"/>
+              <a:t>nbTransitionSortantes</a:t>
+            </a:r>
+            <a:r>
+              <a:rPr lang="fr-FR" dirty="0"/>
+              <a:t> et le </a:t>
+            </a:r>
+            <a:r>
+              <a:rPr lang="fr-FR" dirty="0" err="1"/>
+              <a:t>nbTransitionEntrantes</a:t>
+            </a:r>
+            <a:r>
+              <a:rPr lang="fr-FR" dirty="0"/>
+              <a:t> != 0</a:t>
+            </a:r>
+          </a:p>
+          <a:p>
+            <a:pPr lvl="1"/>
             <a:endParaRPr lang="fr-FR" dirty="0"/>
           </a:p>
         </p:txBody>
@@ -7938,7 +10398,7 @@
     </p:spTree>
     <p:extLst>
       <p:ext uri="{BB962C8B-B14F-4D97-AF65-F5344CB8AC3E}">
-        <p14:creationId xmlns:p14="http://schemas.microsoft.com/office/powerpoint/2010/main" val="1186070379"/>
+        <p14:creationId xmlns:p14="http://schemas.microsoft.com/office/powerpoint/2010/main" val="838789698"/>
       </p:ext>
     </p:extLst>
   </p:cSld>
@@ -7988,7 +10448,7 @@
           <a:p>
             <a:r>
               <a:rPr lang="fr-FR" dirty="0"/>
-              <a:t>Existe Chemin</a:t>
+              <a:t>Fonction d’affichage</a:t>
             </a:r>
           </a:p>
         </p:txBody>
@@ -8014,14 +10474,14 @@
           <a:bodyPr/>
           <a:lstStyle/>
           <a:p>
-            <a:endParaRPr lang="fr-FR"/>
+            <a:endParaRPr lang="fr-FR" dirty="0"/>
           </a:p>
         </p:txBody>
       </p:sp>
     </p:spTree>
     <p:extLst>
       <p:ext uri="{BB962C8B-B14F-4D97-AF65-F5344CB8AC3E}">
-        <p14:creationId xmlns:p14="http://schemas.microsoft.com/office/powerpoint/2010/main" val="743719443"/>
+        <p14:creationId xmlns:p14="http://schemas.microsoft.com/office/powerpoint/2010/main" val="1186070379"/>
       </p:ext>
     </p:extLst>
   </p:cSld>

--- a/Recherche d’un trajet sur une carte.pptx
+++ b/Recherche d’un trajet sur une carte.pptx
@@ -293,7 +293,7 @@
           <a:p>
             <a:fld id="{1160EA64-D806-43AC-9DF2-F8C432F32B4C}" type="datetimeFigureOut">
               <a:rPr lang="en-US" dirty="0"/>
-              <a:t>5/26/2018</a:t>
+              <a:t>5/27/2018</a:t>
             </a:fld>
             <a:endParaRPr lang="en-US" dirty="0"/>
           </a:p>
@@ -459,7 +459,7 @@
           <a:p>
             <a:fld id="{E9F9C37B-1D36-470B-8223-D6C91242EC14}" type="datetimeFigureOut">
               <a:rPr lang="en-US" dirty="0"/>
-              <a:t>5/26/2018</a:t>
+              <a:t>5/27/2018</a:t>
             </a:fld>
             <a:endParaRPr lang="en-US" dirty="0"/>
           </a:p>
@@ -634,7 +634,7 @@
           <a:p>
             <a:fld id="{67C6F52A-A82B-47A2-A83A-8C4C91F2D59F}" type="datetimeFigureOut">
               <a:rPr lang="en-US" dirty="0"/>
-              <a:t>5/26/2018</a:t>
+              <a:t>5/27/2018</a:t>
             </a:fld>
             <a:endParaRPr lang="en-US" dirty="0"/>
           </a:p>
@@ -799,7 +799,7 @@
           <a:p>
             <a:fld id="{F070A7B3-6521-4DCA-87E5-044747A908C1}" type="datetimeFigureOut">
               <a:rPr lang="en-US" dirty="0"/>
-              <a:t>5/26/2018</a:t>
+              <a:t>5/27/2018</a:t>
             </a:fld>
             <a:endParaRPr lang="en-US" dirty="0"/>
           </a:p>
@@ -1063,7 +1063,7 @@
           <a:p>
             <a:fld id="{1160EA64-D806-43AC-9DF2-F8C432F32B4C}" type="datetimeFigureOut">
               <a:rPr lang="en-US" dirty="0"/>
-              <a:t>5/26/2018</a:t>
+              <a:t>5/27/2018</a:t>
             </a:fld>
             <a:endParaRPr lang="en-US" dirty="0"/>
           </a:p>
@@ -1291,7 +1291,7 @@
           <a:p>
             <a:fld id="{AB134690-1557-4C89-A502-4959FE7FAD70}" type="datetimeFigureOut">
               <a:rPr lang="en-US" dirty="0"/>
-              <a:t>5/26/2018</a:t>
+              <a:t>5/27/2018</a:t>
             </a:fld>
             <a:endParaRPr lang="en-US" dirty="0"/>
           </a:p>
@@ -1645,7 +1645,7 @@
           <a:p>
             <a:fld id="{4F7D4976-E339-4826-83B7-FBD03F55ECF8}" type="datetimeFigureOut">
               <a:rPr lang="en-US" dirty="0"/>
-              <a:t>5/26/2018</a:t>
+              <a:t>5/27/2018</a:t>
             </a:fld>
             <a:endParaRPr lang="en-US" dirty="0"/>
           </a:p>
@@ -1781,7 +1781,7 @@
           <a:p>
             <a:fld id="{E1037C31-9E7A-4F99-8774-A0E530DE1A42}" type="datetimeFigureOut">
               <a:rPr lang="en-US" dirty="0"/>
-              <a:t>5/26/2018</a:t>
+              <a:t>5/27/2018</a:t>
             </a:fld>
             <a:endParaRPr lang="en-US" dirty="0"/>
           </a:p>
@@ -1871,7 +1871,7 @@
           <a:p>
             <a:fld id="{C278504F-A551-4DE0-9316-4DCD1D8CC752}" type="datetimeFigureOut">
               <a:rPr lang="en-US" dirty="0"/>
-              <a:t>5/26/2018</a:t>
+              <a:t>5/27/2018</a:t>
             </a:fld>
             <a:endParaRPr lang="en-US" dirty="0"/>
           </a:p>
@@ -2223,7 +2223,7 @@
           <a:p>
             <a:fld id="{D1BE4249-C0D0-4B06-8692-E8BB871AF643}" type="datetimeFigureOut">
               <a:rPr lang="en-US" dirty="0"/>
-              <a:t>5/26/2018</a:t>
+              <a:t>5/27/2018</a:t>
             </a:fld>
             <a:endParaRPr lang="en-US" dirty="0"/>
           </a:p>
@@ -2575,7 +2575,7 @@
           <a:p>
             <a:fld id="{042B0DB6-F5C7-45FB-8CF3-31B45F9C2DAC}" type="datetimeFigureOut">
               <a:rPr lang="en-US" dirty="0"/>
-              <a:t>5/26/2018</a:t>
+              <a:t>5/27/2018</a:t>
             </a:fld>
             <a:endParaRPr lang="en-US" dirty="0"/>
           </a:p>
@@ -2811,7 +2811,7 @@
           <a:p>
             <a:fld id="{1160EA64-D806-43AC-9DF2-F8C432F32B4C}" type="datetimeFigureOut">
               <a:rPr lang="en-US" dirty="0"/>
-              <a:t>5/26/2018</a:t>
+              <a:t>5/27/2018</a:t>
             </a:fld>
             <a:endParaRPr lang="en-US" dirty="0"/>
           </a:p>
@@ -3390,7 +3390,12 @@
             <p:ph type="title"/>
           </p:nvPr>
         </p:nvSpPr>
-        <p:spPr/>
+        <p:spPr>
+          <a:xfrm>
+            <a:off x="2231136" y="2834640"/>
+            <a:ext cx="7729728" cy="1188720"/>
+          </a:xfrm>
+        </p:spPr>
         <p:txBody>
           <a:bodyPr/>
           <a:lstStyle/>
@@ -3399,31 +3404,6 @@
               <a:rPr lang="fr-FR" dirty="0"/>
               <a:t>Existe Chemin</a:t>
             </a:r>
-          </a:p>
-        </p:txBody>
-      </p:sp>
-      <p:sp>
-        <p:nvSpPr>
-          <p:cNvPr id="3" name="Content Placeholder 2">
-            <a:extLst>
-              <a:ext uri="{FF2B5EF4-FFF2-40B4-BE49-F238E27FC236}">
-                <a16:creationId xmlns:a16="http://schemas.microsoft.com/office/drawing/2014/main" id="{F05898F6-762E-4AC2-BAA9-7CF2E87536C2}"/>
-              </a:ext>
-            </a:extLst>
-          </p:cNvPr>
-          <p:cNvSpPr>
-            <a:spLocks noGrp="1"/>
-          </p:cNvSpPr>
-          <p:nvPr>
-            <p:ph idx="1"/>
-          </p:nvPr>
-        </p:nvSpPr>
-        <p:spPr/>
-        <p:txBody>
-          <a:bodyPr/>
-          <a:lstStyle/>
-          <a:p>
-            <a:endParaRPr lang="fr-FR"/>
           </a:p>
         </p:txBody>
       </p:sp>
@@ -3473,7 +3453,12 @@
             <p:ph type="title"/>
           </p:nvPr>
         </p:nvSpPr>
-        <p:spPr/>
+        <p:spPr>
+          <a:xfrm>
+            <a:off x="2231136" y="2834640"/>
+            <a:ext cx="7729728" cy="1188720"/>
+          </a:xfrm>
+        </p:spPr>
         <p:txBody>
           <a:bodyPr/>
           <a:lstStyle/>
@@ -3482,31 +3467,6 @@
               <a:rPr lang="fr-FR" dirty="0"/>
               <a:t>Algorithme</a:t>
             </a:r>
-          </a:p>
-        </p:txBody>
-      </p:sp>
-      <p:sp>
-        <p:nvSpPr>
-          <p:cNvPr id="3" name="Content Placeholder 2">
-            <a:extLst>
-              <a:ext uri="{FF2B5EF4-FFF2-40B4-BE49-F238E27FC236}">
-                <a16:creationId xmlns:a16="http://schemas.microsoft.com/office/drawing/2014/main" id="{2C2D3FD1-BBD2-440D-BFD5-3CE35757118E}"/>
-              </a:ext>
-            </a:extLst>
-          </p:cNvPr>
-          <p:cNvSpPr>
-            <a:spLocks noGrp="1"/>
-          </p:cNvSpPr>
-          <p:nvPr>
-            <p:ph idx="1"/>
-          </p:nvPr>
-        </p:nvSpPr>
-        <p:spPr/>
-        <p:txBody>
-          <a:bodyPr/>
-          <a:lstStyle/>
-          <a:p>
-            <a:endParaRPr lang="fr-FR"/>
           </a:p>
         </p:txBody>
       </p:sp>
@@ -6307,7 +6267,12 @@
             <p:ph type="title"/>
           </p:nvPr>
         </p:nvSpPr>
-        <p:spPr/>
+        <p:spPr>
+          <a:xfrm>
+            <a:off x="2231136" y="2834640"/>
+            <a:ext cx="7729728" cy="1188720"/>
+          </a:xfrm>
+        </p:spPr>
         <p:txBody>
           <a:bodyPr/>
           <a:lstStyle/>
@@ -6316,31 +6281,6 @@
               <a:rPr lang="fr-FR" dirty="0"/>
               <a:t>Algorithme</a:t>
             </a:r>
-          </a:p>
-        </p:txBody>
-      </p:sp>
-      <p:sp>
-        <p:nvSpPr>
-          <p:cNvPr id="3" name="Content Placeholder 2">
-            <a:extLst>
-              <a:ext uri="{FF2B5EF4-FFF2-40B4-BE49-F238E27FC236}">
-                <a16:creationId xmlns:a16="http://schemas.microsoft.com/office/drawing/2014/main" id="{2C2D3FD1-BBD2-440D-BFD5-3CE35757118E}"/>
-              </a:ext>
-            </a:extLst>
-          </p:cNvPr>
-          <p:cNvSpPr>
-            <a:spLocks noGrp="1"/>
-          </p:cNvSpPr>
-          <p:nvPr>
-            <p:ph idx="1"/>
-          </p:nvPr>
-        </p:nvSpPr>
-        <p:spPr/>
-        <p:txBody>
-          <a:bodyPr/>
-          <a:lstStyle/>
-          <a:p>
-            <a:endParaRPr lang="fr-FR"/>
           </a:p>
         </p:txBody>
       </p:sp>
@@ -6404,10 +6344,10 @@
       </p:sp>
       <p:grpSp>
         <p:nvGrpSpPr>
-          <p:cNvPr id="26" name="Group 25">
+          <p:cNvPr id="3" name="Group 2">
             <a:extLst>
               <a:ext uri="{FF2B5EF4-FFF2-40B4-BE49-F238E27FC236}">
-                <a16:creationId xmlns:a16="http://schemas.microsoft.com/office/drawing/2014/main" id="{5F66B571-1420-4FD5-BFDB-BF51342CFF99}"/>
+                <a16:creationId xmlns:a16="http://schemas.microsoft.com/office/drawing/2014/main" id="{F30E383D-B48B-471C-AC98-DFF199C7EE64}"/>
               </a:ext>
             </a:extLst>
           </p:cNvPr>
@@ -6416,9 +6356,9 @@
         </p:nvGrpSpPr>
         <p:grpSpPr>
           <a:xfrm>
-            <a:off x="3978116" y="2524050"/>
+            <a:off x="3978116" y="2663631"/>
             <a:ext cx="4235768" cy="1530737"/>
-            <a:chOff x="1375794" y="2968667"/>
+            <a:chOff x="3978116" y="2663631"/>
             <a:chExt cx="4235768" cy="1530737"/>
           </a:xfrm>
         </p:grpSpPr>
@@ -6436,7 +6376,7 @@
           </p:nvSpPr>
           <p:spPr>
             <a:xfrm>
-              <a:off x="1375794" y="3798115"/>
+              <a:off x="3978116" y="3493079"/>
               <a:ext cx="503339" cy="503339"/>
             </a:xfrm>
             <a:prstGeom prst="ellipse">
@@ -6492,7 +6432,7 @@
           </p:nvSpPr>
           <p:spPr>
             <a:xfrm>
-              <a:off x="3321704" y="3798116"/>
+              <a:off x="5924026" y="3493080"/>
               <a:ext cx="503339" cy="503339"/>
             </a:xfrm>
             <a:prstGeom prst="ellipse">
@@ -6548,7 +6488,7 @@
           </p:nvSpPr>
           <p:spPr>
             <a:xfrm>
-              <a:off x="5108223" y="3798115"/>
+              <a:off x="7710545" y="3493079"/>
               <a:ext cx="503339" cy="503339"/>
             </a:xfrm>
             <a:prstGeom prst="ellipse">
@@ -6606,7 +6546,7 @@
           </p:nvCxnSpPr>
           <p:spPr>
             <a:xfrm>
-              <a:off x="2066877" y="3926658"/>
+              <a:off x="4669199" y="3621622"/>
               <a:ext cx="1147503" cy="0"/>
             </a:xfrm>
             <a:prstGeom prst="straightConnector1">
@@ -6647,7 +6587,7 @@
           </p:nvCxnSpPr>
           <p:spPr>
             <a:xfrm>
-              <a:off x="3950878" y="3926658"/>
+              <a:off x="6553200" y="3621622"/>
               <a:ext cx="1065739" cy="0"/>
             </a:xfrm>
             <a:prstGeom prst="straightConnector1">
@@ -6688,7 +6628,7 @@
           </p:nvCxnSpPr>
           <p:spPr>
             <a:xfrm flipH="1">
-              <a:off x="2066877" y="4120698"/>
+              <a:off x="4669199" y="3815662"/>
               <a:ext cx="1102143" cy="0"/>
             </a:xfrm>
             <a:prstGeom prst="straightConnector1">
@@ -6729,7 +6669,7 @@
           </p:nvCxnSpPr>
           <p:spPr>
             <a:xfrm flipV="1">
-              <a:off x="3656087" y="3288484"/>
+              <a:off x="6258409" y="2983448"/>
               <a:ext cx="714577" cy="372764"/>
             </a:xfrm>
             <a:prstGeom prst="straightConnector1">
@@ -6768,7 +6708,7 @@
           </p:nvSpPr>
           <p:spPr>
             <a:xfrm>
-              <a:off x="4483747" y="2968667"/>
+              <a:off x="7086069" y="2663631"/>
               <a:ext cx="390424" cy="372764"/>
             </a:xfrm>
             <a:prstGeom prst="ellipse">
@@ -6827,7 +6767,7 @@
           </p:nvSpPr>
           <p:spPr>
             <a:xfrm>
-              <a:off x="5184422" y="3874314"/>
+              <a:off x="7786744" y="3569278"/>
               <a:ext cx="350939" cy="350939"/>
             </a:xfrm>
             <a:prstGeom prst="ellipse">
@@ -6883,7 +6823,7 @@
           </p:nvSpPr>
           <p:spPr>
             <a:xfrm>
-              <a:off x="2549086" y="4130072"/>
+              <a:off x="5151408" y="3825036"/>
               <a:ext cx="294782" cy="369332"/>
             </a:xfrm>
             <a:prstGeom prst="rect">
@@ -6918,7 +6858,7 @@
           </p:nvSpPr>
           <p:spPr>
             <a:xfrm>
-              <a:off x="2483141" y="3590488"/>
+              <a:off x="5085463" y="3285452"/>
               <a:ext cx="264668" cy="369332"/>
             </a:xfrm>
             <a:prstGeom prst="rect">
@@ -6953,7 +6893,7 @@
           </p:nvSpPr>
           <p:spPr>
             <a:xfrm>
-              <a:off x="3847828" y="3156765"/>
+              <a:off x="6450150" y="2851729"/>
               <a:ext cx="264668" cy="369332"/>
             </a:xfrm>
             <a:prstGeom prst="rect">
@@ -6988,7 +6928,7 @@
           </p:nvSpPr>
           <p:spPr>
             <a:xfrm>
-              <a:off x="4370664" y="3623639"/>
+              <a:off x="6972986" y="3318603"/>
               <a:ext cx="349984" cy="369332"/>
             </a:xfrm>
             <a:prstGeom prst="rect">
@@ -7101,7 +7041,7 @@
         </p:nvSpPr>
         <p:spPr>
           <a:xfrm>
-            <a:off x="5276170" y="5185467"/>
+            <a:off x="5298799" y="5328803"/>
             <a:ext cx="872455" cy="369332"/>
           </a:xfrm>
           <a:prstGeom prst="rect">
@@ -7119,6 +7059,282 @@
             <a:r>
               <a:rPr lang="fr-FR" dirty="0"/>
               <a:t>a b</a:t>
+            </a:r>
+          </a:p>
+        </p:txBody>
+      </p:sp>
+      <p:cxnSp>
+        <p:nvCxnSpPr>
+          <p:cNvPr id="6" name="Straight Arrow Connector 5">
+            <a:extLst>
+              <a:ext uri="{FF2B5EF4-FFF2-40B4-BE49-F238E27FC236}">
+                <a16:creationId xmlns:a16="http://schemas.microsoft.com/office/drawing/2014/main" id="{79445978-56CE-46EC-B328-C37036F8D0F6}"/>
+              </a:ext>
+            </a:extLst>
+          </p:cNvPr>
+          <p:cNvCxnSpPr>
+            <a:cxnSpLocks/>
+          </p:cNvCxnSpPr>
+          <p:nvPr/>
+        </p:nvCxnSpPr>
+        <p:spPr>
+          <a:xfrm flipV="1">
+            <a:off x="5951976" y="2744301"/>
+            <a:ext cx="806291" cy="424865"/>
+          </a:xfrm>
+          <a:prstGeom prst="straightConnector1">
+            <a:avLst/>
+          </a:prstGeom>
+          <a:ln>
+            <a:tailEnd type="triangle"/>
+          </a:ln>
+        </p:spPr>
+        <p:style>
+          <a:lnRef idx="1">
+            <a:schemeClr val="accent3"/>
+          </a:lnRef>
+          <a:fillRef idx="0">
+            <a:schemeClr val="accent3"/>
+          </a:fillRef>
+          <a:effectRef idx="0">
+            <a:schemeClr val="accent3"/>
+          </a:effectRef>
+          <a:fontRef idx="minor">
+            <a:schemeClr val="tx1"/>
+          </a:fontRef>
+        </p:style>
+      </p:cxnSp>
+      <p:cxnSp>
+        <p:nvCxnSpPr>
+          <p:cNvPr id="30" name="Straight Arrow Connector 29">
+            <a:extLst>
+              <a:ext uri="{FF2B5EF4-FFF2-40B4-BE49-F238E27FC236}">
+                <a16:creationId xmlns:a16="http://schemas.microsoft.com/office/drawing/2014/main" id="{10191376-622F-449D-86B6-FA7659867E17}"/>
+              </a:ext>
+            </a:extLst>
+          </p:cNvPr>
+          <p:cNvCxnSpPr>
+            <a:cxnSpLocks/>
+          </p:cNvCxnSpPr>
+          <p:nvPr/>
+        </p:nvCxnSpPr>
+        <p:spPr>
+          <a:xfrm flipV="1">
+            <a:off x="4636053" y="3306753"/>
+            <a:ext cx="1076344" cy="5419"/>
+          </a:xfrm>
+          <a:prstGeom prst="straightConnector1">
+            <a:avLst/>
+          </a:prstGeom>
+          <a:ln>
+            <a:tailEnd type="triangle"/>
+          </a:ln>
+        </p:spPr>
+        <p:style>
+          <a:lnRef idx="1">
+            <a:schemeClr val="accent3"/>
+          </a:lnRef>
+          <a:fillRef idx="0">
+            <a:schemeClr val="accent3"/>
+          </a:fillRef>
+          <a:effectRef idx="0">
+            <a:schemeClr val="accent3"/>
+          </a:effectRef>
+          <a:fontRef idx="minor">
+            <a:schemeClr val="tx1"/>
+          </a:fontRef>
+        </p:style>
+      </p:cxnSp>
+      <p:sp>
+        <p:nvSpPr>
+          <p:cNvPr id="18" name="TextBox 17">
+            <a:extLst>
+              <a:ext uri="{FF2B5EF4-FFF2-40B4-BE49-F238E27FC236}">
+                <a16:creationId xmlns:a16="http://schemas.microsoft.com/office/drawing/2014/main" id="{34EFC406-1A05-464E-AF26-2512EB4A374F}"/>
+              </a:ext>
+            </a:extLst>
+          </p:cNvPr>
+          <p:cNvSpPr txBox="1"/>
+          <p:nvPr/>
+        </p:nvSpPr>
+        <p:spPr>
+          <a:xfrm>
+            <a:off x="1363922" y="5711687"/>
+            <a:ext cx="2439101" cy="923330"/>
+          </a:xfrm>
+          <a:prstGeom prst="rect">
+            <a:avLst/>
+          </a:prstGeom>
+          <a:noFill/>
+        </p:spPr>
+        <p:txBody>
+          <a:bodyPr wrap="square" rtlCol="0">
+            <a:spAutoFit/>
+          </a:bodyPr>
+          <a:lstStyle/>
+          <a:p>
+            <a:pPr algn="ctr"/>
+            <a:r>
+              <a:rPr lang="fr-FR" dirty="0"/>
+              <a:t>Mot mène a l’état NULL</a:t>
+            </a:r>
+          </a:p>
+          <a:p>
+            <a:pPr algn="ctr"/>
+            <a:r>
+              <a:rPr lang="fr-FR" dirty="0"/>
+              <a:t>Donc return faux</a:t>
+            </a:r>
+          </a:p>
+        </p:txBody>
+      </p:sp>
+      <p:cxnSp>
+        <p:nvCxnSpPr>
+          <p:cNvPr id="31" name="Straight Arrow Connector 30">
+            <a:extLst>
+              <a:ext uri="{FF2B5EF4-FFF2-40B4-BE49-F238E27FC236}">
+                <a16:creationId xmlns:a16="http://schemas.microsoft.com/office/drawing/2014/main" id="{C4240254-2B66-4E3E-884B-8B5A8CB1A233}"/>
+              </a:ext>
+            </a:extLst>
+          </p:cNvPr>
+          <p:cNvCxnSpPr>
+            <a:cxnSpLocks/>
+          </p:cNvCxnSpPr>
+          <p:nvPr/>
+        </p:nvCxnSpPr>
+        <p:spPr>
+          <a:xfrm flipH="1" flipV="1">
+            <a:off x="4783014" y="4114462"/>
+            <a:ext cx="869566" cy="2710"/>
+          </a:xfrm>
+          <a:prstGeom prst="straightConnector1">
+            <a:avLst/>
+          </a:prstGeom>
+          <a:ln>
+            <a:tailEnd type="triangle"/>
+          </a:ln>
+        </p:spPr>
+        <p:style>
+          <a:lnRef idx="1">
+            <a:schemeClr val="accent3"/>
+          </a:lnRef>
+          <a:fillRef idx="0">
+            <a:schemeClr val="accent3"/>
+          </a:fillRef>
+          <a:effectRef idx="0">
+            <a:schemeClr val="accent3"/>
+          </a:effectRef>
+          <a:fontRef idx="minor">
+            <a:schemeClr val="tx1"/>
+          </a:fontRef>
+        </p:style>
+      </p:cxnSp>
+      <p:sp>
+        <p:nvSpPr>
+          <p:cNvPr id="32" name="TextBox 31">
+            <a:extLst>
+              <a:ext uri="{FF2B5EF4-FFF2-40B4-BE49-F238E27FC236}">
+                <a16:creationId xmlns:a16="http://schemas.microsoft.com/office/drawing/2014/main" id="{00F7CBE9-64DB-4896-8724-4D0F5DF6FB2F}"/>
+              </a:ext>
+            </a:extLst>
+          </p:cNvPr>
+          <p:cNvSpPr txBox="1"/>
+          <p:nvPr/>
+        </p:nvSpPr>
+        <p:spPr>
+          <a:xfrm>
+            <a:off x="4433030" y="5758212"/>
+            <a:ext cx="2439100" cy="646331"/>
+          </a:xfrm>
+          <a:prstGeom prst="rect">
+            <a:avLst/>
+          </a:prstGeom>
+          <a:noFill/>
+        </p:spPr>
+        <p:txBody>
+          <a:bodyPr wrap="square" rtlCol="0">
+            <a:spAutoFit/>
+          </a:bodyPr>
+          <a:lstStyle/>
+          <a:p>
+            <a:r>
+              <a:rPr lang="fr-FR" dirty="0"/>
+              <a:t>Mot mène à un état non final donc retourne faux</a:t>
+            </a:r>
+          </a:p>
+        </p:txBody>
+      </p:sp>
+      <p:cxnSp>
+        <p:nvCxnSpPr>
+          <p:cNvPr id="34" name="Straight Arrow Connector 33">
+            <a:extLst>
+              <a:ext uri="{FF2B5EF4-FFF2-40B4-BE49-F238E27FC236}">
+                <a16:creationId xmlns:a16="http://schemas.microsoft.com/office/drawing/2014/main" id="{ABB2BEB9-02C4-40AC-BF83-A01A23EFCAA0}"/>
+              </a:ext>
+            </a:extLst>
+          </p:cNvPr>
+          <p:cNvCxnSpPr/>
+          <p:nvPr/>
+        </p:nvCxnSpPr>
+        <p:spPr>
+          <a:xfrm>
+            <a:off x="6553200" y="3825036"/>
+            <a:ext cx="923293" cy="0"/>
+          </a:xfrm>
+          <a:prstGeom prst="straightConnector1">
+            <a:avLst/>
+          </a:prstGeom>
+          <a:ln>
+            <a:tailEnd type="triangle"/>
+          </a:ln>
+        </p:spPr>
+        <p:style>
+          <a:lnRef idx="1">
+            <a:schemeClr val="accent3"/>
+          </a:lnRef>
+          <a:fillRef idx="0">
+            <a:schemeClr val="accent3"/>
+          </a:fillRef>
+          <a:effectRef idx="0">
+            <a:schemeClr val="accent3"/>
+          </a:effectRef>
+          <a:fontRef idx="minor">
+            <a:schemeClr val="tx1"/>
+          </a:fontRef>
+        </p:style>
+      </p:cxnSp>
+      <p:sp>
+        <p:nvSpPr>
+          <p:cNvPr id="35" name="TextBox 34">
+            <a:extLst>
+              <a:ext uri="{FF2B5EF4-FFF2-40B4-BE49-F238E27FC236}">
+                <a16:creationId xmlns:a16="http://schemas.microsoft.com/office/drawing/2014/main" id="{356E03A3-3EEB-40ED-9E5A-56A37C8C9E56}"/>
+              </a:ext>
+            </a:extLst>
+          </p:cNvPr>
+          <p:cNvSpPr txBox="1"/>
+          <p:nvPr/>
+        </p:nvSpPr>
+        <p:spPr>
+          <a:xfrm>
+            <a:off x="7598340" y="5711687"/>
+            <a:ext cx="2439100" cy="646331"/>
+          </a:xfrm>
+          <a:prstGeom prst="rect">
+            <a:avLst/>
+          </a:prstGeom>
+          <a:noFill/>
+        </p:spPr>
+        <p:txBody>
+          <a:bodyPr wrap="square" rtlCol="0">
+            <a:spAutoFit/>
+          </a:bodyPr>
+          <a:lstStyle/>
+          <a:p>
+            <a:pPr algn="ctr"/>
+            <a:r>
+              <a:rPr lang="fr-FR" dirty="0"/>
+              <a:t>Mot mène à l’état donc retourne  vrai </a:t>
             </a:r>
           </a:p>
         </p:txBody>
@@ -7133,6 +7349,635 @@
   <p:clrMapOvr>
     <a:masterClrMapping/>
   </p:clrMapOvr>
+  <p:timing>
+    <p:tnLst>
+      <p:par>
+        <p:cTn id="1" dur="indefinite" restart="never" nodeType="tmRoot">
+          <p:childTnLst>
+            <p:seq concurrent="1" nextAc="seek">
+              <p:cTn id="2" dur="indefinite" nodeType="mainSeq">
+                <p:childTnLst>
+                  <p:par>
+                    <p:cTn id="3" fill="hold">
+                      <p:stCondLst>
+                        <p:cond delay="indefinite"/>
+                      </p:stCondLst>
+                      <p:childTnLst>
+                        <p:par>
+                          <p:cTn id="4" fill="hold">
+                            <p:stCondLst>
+                              <p:cond delay="0"/>
+                            </p:stCondLst>
+                            <p:childTnLst>
+                              <p:par>
+                                <p:cTn id="5" presetID="1" presetClass="entr" presetSubtype="0" fill="hold" nodeType="clickEffect">
+                                  <p:stCondLst>
+                                    <p:cond delay="0"/>
+                                  </p:stCondLst>
+                                  <p:childTnLst>
+                                    <p:set>
+                                      <p:cBhvr>
+                                        <p:cTn id="6" dur="1" fill="hold">
+                                          <p:stCondLst>
+                                            <p:cond delay="0"/>
+                                          </p:stCondLst>
+                                        </p:cTn>
+                                        <p:tgtEl>
+                                          <p:spTgt spid="30"/>
+                                        </p:tgtEl>
+                                        <p:attrNameLst>
+                                          <p:attrName>style.visibility</p:attrName>
+                                        </p:attrNameLst>
+                                      </p:cBhvr>
+                                      <p:to>
+                                        <p:strVal val="visible"/>
+                                      </p:to>
+                                    </p:set>
+                                  </p:childTnLst>
+                                </p:cTn>
+                              </p:par>
+                            </p:childTnLst>
+                          </p:cTn>
+                        </p:par>
+                      </p:childTnLst>
+                    </p:cTn>
+                  </p:par>
+                  <p:par>
+                    <p:cTn id="7" fill="hold">
+                      <p:stCondLst>
+                        <p:cond delay="indefinite"/>
+                      </p:stCondLst>
+                      <p:childTnLst>
+                        <p:par>
+                          <p:cTn id="8" fill="hold">
+                            <p:stCondLst>
+                              <p:cond delay="0"/>
+                            </p:stCondLst>
+                            <p:childTnLst>
+                              <p:par>
+                                <p:cTn id="9" presetID="1" presetClass="entr" presetSubtype="0" fill="hold" nodeType="clickEffect">
+                                  <p:stCondLst>
+                                    <p:cond delay="0"/>
+                                  </p:stCondLst>
+                                  <p:childTnLst>
+                                    <p:set>
+                                      <p:cBhvr>
+                                        <p:cTn id="10" dur="1" fill="hold">
+                                          <p:stCondLst>
+                                            <p:cond delay="0"/>
+                                          </p:stCondLst>
+                                        </p:cTn>
+                                        <p:tgtEl>
+                                          <p:spTgt spid="6"/>
+                                        </p:tgtEl>
+                                        <p:attrNameLst>
+                                          <p:attrName>style.visibility</p:attrName>
+                                        </p:attrNameLst>
+                                      </p:cBhvr>
+                                      <p:to>
+                                        <p:strVal val="visible"/>
+                                      </p:to>
+                                    </p:set>
+                                  </p:childTnLst>
+                                </p:cTn>
+                              </p:par>
+                            </p:childTnLst>
+                          </p:cTn>
+                        </p:par>
+                      </p:childTnLst>
+                    </p:cTn>
+                  </p:par>
+                  <p:par>
+                    <p:cTn id="11" fill="hold">
+                      <p:stCondLst>
+                        <p:cond delay="indefinite"/>
+                      </p:stCondLst>
+                      <p:childTnLst>
+                        <p:par>
+                          <p:cTn id="12" fill="hold">
+                            <p:stCondLst>
+                              <p:cond delay="0"/>
+                            </p:stCondLst>
+                            <p:childTnLst>
+                              <p:par>
+                                <p:cTn id="13" presetID="1" presetClass="entr" presetSubtype="0" fill="hold" grpId="0" nodeType="clickEffect">
+                                  <p:stCondLst>
+                                    <p:cond delay="0"/>
+                                  </p:stCondLst>
+                                  <p:childTnLst>
+                                    <p:set>
+                                      <p:cBhvr>
+                                        <p:cTn id="14" dur="1" fill="hold">
+                                          <p:stCondLst>
+                                            <p:cond delay="0"/>
+                                          </p:stCondLst>
+                                        </p:cTn>
+                                        <p:tgtEl>
+                                          <p:spTgt spid="18"/>
+                                        </p:tgtEl>
+                                        <p:attrNameLst>
+                                          <p:attrName>style.visibility</p:attrName>
+                                        </p:attrNameLst>
+                                      </p:cBhvr>
+                                      <p:to>
+                                        <p:strVal val="visible"/>
+                                      </p:to>
+                                    </p:set>
+                                  </p:childTnLst>
+                                </p:cTn>
+                              </p:par>
+                            </p:childTnLst>
+                          </p:cTn>
+                        </p:par>
+                      </p:childTnLst>
+                    </p:cTn>
+                  </p:par>
+                  <p:par>
+                    <p:cTn id="15" fill="hold">
+                      <p:stCondLst>
+                        <p:cond delay="indefinite"/>
+                      </p:stCondLst>
+                      <p:childTnLst>
+                        <p:par>
+                          <p:cTn id="16" fill="hold">
+                            <p:stCondLst>
+                              <p:cond delay="0"/>
+                            </p:stCondLst>
+                            <p:childTnLst>
+                              <p:par>
+                                <p:cTn id="17" presetID="1" presetClass="exit" presetSubtype="0" fill="hold" nodeType="clickEffect">
+                                  <p:stCondLst>
+                                    <p:cond delay="0"/>
+                                  </p:stCondLst>
+                                  <p:childTnLst>
+                                    <p:set>
+                                      <p:cBhvr>
+                                        <p:cTn id="18" dur="1" fill="hold">
+                                          <p:stCondLst>
+                                            <p:cond delay="0"/>
+                                          </p:stCondLst>
+                                        </p:cTn>
+                                        <p:tgtEl>
+                                          <p:spTgt spid="30"/>
+                                        </p:tgtEl>
+                                        <p:attrNameLst>
+                                          <p:attrName>style.visibility</p:attrName>
+                                        </p:attrNameLst>
+                                      </p:cBhvr>
+                                      <p:to>
+                                        <p:strVal val="hidden"/>
+                                      </p:to>
+                                    </p:set>
+                                  </p:childTnLst>
+                                </p:cTn>
+                              </p:par>
+                              <p:par>
+                                <p:cTn id="19" presetID="1" presetClass="exit" presetSubtype="0" fill="hold" nodeType="withEffect">
+                                  <p:stCondLst>
+                                    <p:cond delay="0"/>
+                                  </p:stCondLst>
+                                  <p:childTnLst>
+                                    <p:set>
+                                      <p:cBhvr>
+                                        <p:cTn id="20" dur="1" fill="hold">
+                                          <p:stCondLst>
+                                            <p:cond delay="0"/>
+                                          </p:stCondLst>
+                                        </p:cTn>
+                                        <p:tgtEl>
+                                          <p:spTgt spid="6"/>
+                                        </p:tgtEl>
+                                        <p:attrNameLst>
+                                          <p:attrName>style.visibility</p:attrName>
+                                        </p:attrNameLst>
+                                      </p:cBhvr>
+                                      <p:to>
+                                        <p:strVal val="hidden"/>
+                                      </p:to>
+                                    </p:set>
+                                  </p:childTnLst>
+                                </p:cTn>
+                              </p:par>
+                            </p:childTnLst>
+                          </p:cTn>
+                        </p:par>
+                      </p:childTnLst>
+                    </p:cTn>
+                  </p:par>
+                  <p:par>
+                    <p:cTn id="21" fill="hold">
+                      <p:stCondLst>
+                        <p:cond delay="indefinite"/>
+                      </p:stCondLst>
+                      <p:childTnLst>
+                        <p:par>
+                          <p:cTn id="22" fill="hold">
+                            <p:stCondLst>
+                              <p:cond delay="0"/>
+                            </p:stCondLst>
+                            <p:childTnLst>
+                              <p:par>
+                                <p:cTn id="23" presetID="1" presetClass="entr" presetSubtype="0" fill="hold" nodeType="clickEffect">
+                                  <p:stCondLst>
+                                    <p:cond delay="0"/>
+                                  </p:stCondLst>
+                                  <p:childTnLst>
+                                    <p:set>
+                                      <p:cBhvr>
+                                        <p:cTn id="24" dur="1" fill="hold">
+                                          <p:stCondLst>
+                                            <p:cond delay="0"/>
+                                          </p:stCondLst>
+                                        </p:cTn>
+                                        <p:tgtEl>
+                                          <p:spTgt spid="30"/>
+                                        </p:tgtEl>
+                                        <p:attrNameLst>
+                                          <p:attrName>style.visibility</p:attrName>
+                                        </p:attrNameLst>
+                                      </p:cBhvr>
+                                      <p:to>
+                                        <p:strVal val="visible"/>
+                                      </p:to>
+                                    </p:set>
+                                  </p:childTnLst>
+                                </p:cTn>
+                              </p:par>
+                            </p:childTnLst>
+                          </p:cTn>
+                        </p:par>
+                      </p:childTnLst>
+                    </p:cTn>
+                  </p:par>
+                  <p:par>
+                    <p:cTn id="25" fill="hold">
+                      <p:stCondLst>
+                        <p:cond delay="indefinite"/>
+                      </p:stCondLst>
+                      <p:childTnLst>
+                        <p:par>
+                          <p:cTn id="26" fill="hold">
+                            <p:stCondLst>
+                              <p:cond delay="0"/>
+                            </p:stCondLst>
+                            <p:childTnLst>
+                              <p:par>
+                                <p:cTn id="27" presetID="1" presetClass="entr" presetSubtype="0" fill="hold" nodeType="clickEffect">
+                                  <p:stCondLst>
+                                    <p:cond delay="0"/>
+                                  </p:stCondLst>
+                                  <p:childTnLst>
+                                    <p:set>
+                                      <p:cBhvr>
+                                        <p:cTn id="28" dur="1" fill="hold">
+                                          <p:stCondLst>
+                                            <p:cond delay="0"/>
+                                          </p:stCondLst>
+                                        </p:cTn>
+                                        <p:tgtEl>
+                                          <p:spTgt spid="31"/>
+                                        </p:tgtEl>
+                                        <p:attrNameLst>
+                                          <p:attrName>style.visibility</p:attrName>
+                                        </p:attrNameLst>
+                                      </p:cBhvr>
+                                      <p:to>
+                                        <p:strVal val="visible"/>
+                                      </p:to>
+                                    </p:set>
+                                  </p:childTnLst>
+                                </p:cTn>
+                              </p:par>
+                            </p:childTnLst>
+                          </p:cTn>
+                        </p:par>
+                      </p:childTnLst>
+                    </p:cTn>
+                  </p:par>
+                  <p:par>
+                    <p:cTn id="29" fill="hold">
+                      <p:stCondLst>
+                        <p:cond delay="indefinite"/>
+                      </p:stCondLst>
+                      <p:childTnLst>
+                        <p:par>
+                          <p:cTn id="30" fill="hold">
+                            <p:stCondLst>
+                              <p:cond delay="0"/>
+                            </p:stCondLst>
+                            <p:childTnLst>
+                              <p:par>
+                                <p:cTn id="31" presetID="1" presetClass="entr" presetSubtype="0" fill="hold" grpId="0" nodeType="clickEffect">
+                                  <p:stCondLst>
+                                    <p:cond delay="0"/>
+                                  </p:stCondLst>
+                                  <p:childTnLst>
+                                    <p:set>
+                                      <p:cBhvr>
+                                        <p:cTn id="32" dur="1" fill="hold">
+                                          <p:stCondLst>
+                                            <p:cond delay="0"/>
+                                          </p:stCondLst>
+                                        </p:cTn>
+                                        <p:tgtEl>
+                                          <p:spTgt spid="32"/>
+                                        </p:tgtEl>
+                                        <p:attrNameLst>
+                                          <p:attrName>style.visibility</p:attrName>
+                                        </p:attrNameLst>
+                                      </p:cBhvr>
+                                      <p:to>
+                                        <p:strVal val="visible"/>
+                                      </p:to>
+                                    </p:set>
+                                  </p:childTnLst>
+                                </p:cTn>
+                              </p:par>
+                            </p:childTnLst>
+                          </p:cTn>
+                        </p:par>
+                      </p:childTnLst>
+                    </p:cTn>
+                  </p:par>
+                  <p:par>
+                    <p:cTn id="33" fill="hold">
+                      <p:stCondLst>
+                        <p:cond delay="indefinite"/>
+                      </p:stCondLst>
+                      <p:childTnLst>
+                        <p:par>
+                          <p:cTn id="34" fill="hold">
+                            <p:stCondLst>
+                              <p:cond delay="0"/>
+                            </p:stCondLst>
+                            <p:childTnLst>
+                              <p:par>
+                                <p:cTn id="35" presetID="1" presetClass="exit" presetSubtype="0" fill="hold" nodeType="clickEffect">
+                                  <p:stCondLst>
+                                    <p:cond delay="0"/>
+                                  </p:stCondLst>
+                                  <p:childTnLst>
+                                    <p:set>
+                                      <p:cBhvr>
+                                        <p:cTn id="36" dur="1" fill="hold">
+                                          <p:stCondLst>
+                                            <p:cond delay="0"/>
+                                          </p:stCondLst>
+                                        </p:cTn>
+                                        <p:tgtEl>
+                                          <p:spTgt spid="30"/>
+                                        </p:tgtEl>
+                                        <p:attrNameLst>
+                                          <p:attrName>style.visibility</p:attrName>
+                                        </p:attrNameLst>
+                                      </p:cBhvr>
+                                      <p:to>
+                                        <p:strVal val="hidden"/>
+                                      </p:to>
+                                    </p:set>
+                                  </p:childTnLst>
+                                </p:cTn>
+                              </p:par>
+                              <p:par>
+                                <p:cTn id="37" presetID="1" presetClass="exit" presetSubtype="0" fill="hold" nodeType="withEffect">
+                                  <p:stCondLst>
+                                    <p:cond delay="0"/>
+                                  </p:stCondLst>
+                                  <p:childTnLst>
+                                    <p:set>
+                                      <p:cBhvr>
+                                        <p:cTn id="38" dur="1" fill="hold">
+                                          <p:stCondLst>
+                                            <p:cond delay="0"/>
+                                          </p:stCondLst>
+                                        </p:cTn>
+                                        <p:tgtEl>
+                                          <p:spTgt spid="31"/>
+                                        </p:tgtEl>
+                                        <p:attrNameLst>
+                                          <p:attrName>style.visibility</p:attrName>
+                                        </p:attrNameLst>
+                                      </p:cBhvr>
+                                      <p:to>
+                                        <p:strVal val="hidden"/>
+                                      </p:to>
+                                    </p:set>
+                                  </p:childTnLst>
+                                </p:cTn>
+                              </p:par>
+                            </p:childTnLst>
+                          </p:cTn>
+                        </p:par>
+                      </p:childTnLst>
+                    </p:cTn>
+                  </p:par>
+                  <p:par>
+                    <p:cTn id="39" fill="hold">
+                      <p:stCondLst>
+                        <p:cond delay="indefinite"/>
+                      </p:stCondLst>
+                      <p:childTnLst>
+                        <p:par>
+                          <p:cTn id="40" fill="hold">
+                            <p:stCondLst>
+                              <p:cond delay="0"/>
+                            </p:stCondLst>
+                            <p:childTnLst>
+                              <p:par>
+                                <p:cTn id="41" presetID="1" presetClass="entr" presetSubtype="0" fill="hold" nodeType="clickEffect">
+                                  <p:stCondLst>
+                                    <p:cond delay="0"/>
+                                  </p:stCondLst>
+                                  <p:childTnLst>
+                                    <p:set>
+                                      <p:cBhvr>
+                                        <p:cTn id="42" dur="1" fill="hold">
+                                          <p:stCondLst>
+                                            <p:cond delay="0"/>
+                                          </p:stCondLst>
+                                        </p:cTn>
+                                        <p:tgtEl>
+                                          <p:spTgt spid="30"/>
+                                        </p:tgtEl>
+                                        <p:attrNameLst>
+                                          <p:attrName>style.visibility</p:attrName>
+                                        </p:attrNameLst>
+                                      </p:cBhvr>
+                                      <p:to>
+                                        <p:strVal val="visible"/>
+                                      </p:to>
+                                    </p:set>
+                                  </p:childTnLst>
+                                </p:cTn>
+                              </p:par>
+                            </p:childTnLst>
+                          </p:cTn>
+                        </p:par>
+                      </p:childTnLst>
+                    </p:cTn>
+                  </p:par>
+                  <p:par>
+                    <p:cTn id="43" fill="hold">
+                      <p:stCondLst>
+                        <p:cond delay="indefinite"/>
+                      </p:stCondLst>
+                      <p:childTnLst>
+                        <p:par>
+                          <p:cTn id="44" fill="hold">
+                            <p:stCondLst>
+                              <p:cond delay="0"/>
+                            </p:stCondLst>
+                            <p:childTnLst>
+                              <p:par>
+                                <p:cTn id="45" presetID="1" presetClass="entr" presetSubtype="0" fill="hold" nodeType="clickEffect">
+                                  <p:stCondLst>
+                                    <p:cond delay="0"/>
+                                  </p:stCondLst>
+                                  <p:childTnLst>
+                                    <p:set>
+                                      <p:cBhvr>
+                                        <p:cTn id="46" dur="1" fill="hold">
+                                          <p:stCondLst>
+                                            <p:cond delay="0"/>
+                                          </p:stCondLst>
+                                        </p:cTn>
+                                        <p:tgtEl>
+                                          <p:spTgt spid="31"/>
+                                        </p:tgtEl>
+                                        <p:attrNameLst>
+                                          <p:attrName>style.visibility</p:attrName>
+                                        </p:attrNameLst>
+                                      </p:cBhvr>
+                                      <p:to>
+                                        <p:strVal val="visible"/>
+                                      </p:to>
+                                    </p:set>
+                                  </p:childTnLst>
+                                </p:cTn>
+                              </p:par>
+                            </p:childTnLst>
+                          </p:cTn>
+                        </p:par>
+                      </p:childTnLst>
+                    </p:cTn>
+                  </p:par>
+                  <p:par>
+                    <p:cTn id="47" fill="hold">
+                      <p:stCondLst>
+                        <p:cond delay="indefinite"/>
+                      </p:stCondLst>
+                      <p:childTnLst>
+                        <p:par>
+                          <p:cTn id="48" fill="hold">
+                            <p:stCondLst>
+                              <p:cond delay="0"/>
+                            </p:stCondLst>
+                            <p:childTnLst>
+                              <p:par>
+                                <p:cTn id="49" presetID="1" presetClass="entr" presetSubtype="0" fill="hold" nodeType="clickEffect">
+                                  <p:stCondLst>
+                                    <p:cond delay="0"/>
+                                  </p:stCondLst>
+                                  <p:childTnLst>
+                                    <p:set>
+                                      <p:cBhvr>
+                                        <p:cTn id="50" dur="1" fill="hold">
+                                          <p:stCondLst>
+                                            <p:cond delay="0"/>
+                                          </p:stCondLst>
+                                        </p:cTn>
+                                        <p:tgtEl>
+                                          <p:spTgt spid="34"/>
+                                        </p:tgtEl>
+                                        <p:attrNameLst>
+                                          <p:attrName>style.visibility</p:attrName>
+                                        </p:attrNameLst>
+                                      </p:cBhvr>
+                                      <p:to>
+                                        <p:strVal val="visible"/>
+                                      </p:to>
+                                    </p:set>
+                                  </p:childTnLst>
+                                </p:cTn>
+                              </p:par>
+                            </p:childTnLst>
+                          </p:cTn>
+                        </p:par>
+                      </p:childTnLst>
+                    </p:cTn>
+                  </p:par>
+                  <p:par>
+                    <p:cTn id="51" fill="hold">
+                      <p:stCondLst>
+                        <p:cond delay="indefinite"/>
+                      </p:stCondLst>
+                      <p:childTnLst>
+                        <p:par>
+                          <p:cTn id="52" fill="hold">
+                            <p:stCondLst>
+                              <p:cond delay="0"/>
+                            </p:stCondLst>
+                            <p:childTnLst>
+                              <p:par>
+                                <p:cTn id="53" presetID="1" presetClass="entr" presetSubtype="0" fill="hold" grpId="0" nodeType="clickEffect">
+                                  <p:stCondLst>
+                                    <p:cond delay="0"/>
+                                  </p:stCondLst>
+                                  <p:childTnLst>
+                                    <p:set>
+                                      <p:cBhvr>
+                                        <p:cTn id="54" dur="1" fill="hold">
+                                          <p:stCondLst>
+                                            <p:cond delay="0"/>
+                                          </p:stCondLst>
+                                        </p:cTn>
+                                        <p:tgtEl>
+                                          <p:spTgt spid="35"/>
+                                        </p:tgtEl>
+                                        <p:attrNameLst>
+                                          <p:attrName>style.visibility</p:attrName>
+                                        </p:attrNameLst>
+                                      </p:cBhvr>
+                                      <p:to>
+                                        <p:strVal val="visible"/>
+                                      </p:to>
+                                    </p:set>
+                                  </p:childTnLst>
+                                </p:cTn>
+                              </p:par>
+                            </p:childTnLst>
+                          </p:cTn>
+                        </p:par>
+                      </p:childTnLst>
+                    </p:cTn>
+                  </p:par>
+                </p:childTnLst>
+              </p:cTn>
+              <p:prevCondLst>
+                <p:cond evt="onPrev" delay="0">
+                  <p:tgtEl>
+                    <p:sldTgt/>
+                  </p:tgtEl>
+                </p:cond>
+              </p:prevCondLst>
+              <p:nextCondLst>
+                <p:cond evt="onNext" delay="0">
+                  <p:tgtEl>
+                    <p:sldTgt/>
+                  </p:tgtEl>
+                </p:cond>
+              </p:nextCondLst>
+            </p:seq>
+          </p:childTnLst>
+        </p:cTn>
+      </p:par>
+    </p:tnLst>
+    <p:bldLst>
+      <p:bldP spid="18" grpId="0"/>
+      <p:bldP spid="32" grpId="0"/>
+      <p:bldP spid="35" grpId="0"/>
+    </p:bldLst>
+  </p:timing>
 </p:sld>
 </file>
 
@@ -7169,7 +8014,12 @@
             <p:ph type="title"/>
           </p:nvPr>
         </p:nvSpPr>
-        <p:spPr/>
+        <p:spPr>
+          <a:xfrm>
+            <a:off x="2231136" y="2834640"/>
+            <a:ext cx="7729728" cy="1188720"/>
+          </a:xfrm>
+        </p:spPr>
         <p:txBody>
           <a:bodyPr/>
           <a:lstStyle/>
@@ -7178,31 +8028,6 @@
               <a:rPr lang="fr-FR" dirty="0"/>
               <a:t>Algorithme</a:t>
             </a:r>
-          </a:p>
-        </p:txBody>
-      </p:sp>
-      <p:sp>
-        <p:nvSpPr>
-          <p:cNvPr id="3" name="Content Placeholder 2">
-            <a:extLst>
-              <a:ext uri="{FF2B5EF4-FFF2-40B4-BE49-F238E27FC236}">
-                <a16:creationId xmlns:a16="http://schemas.microsoft.com/office/drawing/2014/main" id="{2C2D3FD1-BBD2-440D-BFD5-3CE35757118E}"/>
-              </a:ext>
-            </a:extLst>
-          </p:cNvPr>
-          <p:cNvSpPr>
-            <a:spLocks noGrp="1"/>
-          </p:cNvSpPr>
-          <p:nvPr>
-            <p:ph idx="1"/>
-          </p:nvPr>
-        </p:nvSpPr>
-        <p:spPr/>
-        <p:txBody>
-          <a:bodyPr/>
-          <a:lstStyle/>
-          <a:p>
-            <a:endParaRPr lang="fr-FR"/>
           </a:p>
         </p:txBody>
       </p:sp>
@@ -7287,13 +8112,8 @@
           <a:p>
             <a:r>
               <a:rPr lang="fr-FR" dirty="0"/>
-              <a:t>Fonction de Transition : Notion d’ensembles d’</a:t>
-            </a:r>
-            <a:r>
-              <a:rPr lang="fr-FR" dirty="0" err="1"/>
-              <a:t>etats</a:t>
-            </a:r>
-            <a:endParaRPr lang="fr-FR" dirty="0"/>
+              <a:t>Fonction de Transition : Notion d’ensembles d’états</a:t>
+            </a:r>
           </a:p>
         </p:txBody>
       </p:sp>
@@ -7512,7 +8332,7 @@
             <a:pPr algn="ctr"/>
             <a:r>
               <a:rPr lang="fr-FR" dirty="0"/>
-              <a:t>Nous voulons aller de la 1 salle à la salle 5</a:t>
+              <a:t>Nous voulons aller de la salle 1 à la salle 5</a:t>
             </a:r>
           </a:p>
         </p:txBody>
@@ -8511,7 +9331,7 @@
         </p:nvSpPr>
         <p:spPr>
           <a:xfrm>
-            <a:off x="3805654" y="3820499"/>
+            <a:off x="3690880" y="3362038"/>
             <a:ext cx="277372" cy="338554"/>
           </a:xfrm>
           <a:prstGeom prst="rect">
@@ -8605,6 +9425,234 @@
             <a:r>
               <a:rPr lang="fr-FR" sz="1600" dirty="0"/>
               <a:t>Quel outil mathématique utiliser ?  </a:t>
+            </a:r>
+          </a:p>
+        </p:txBody>
+      </p:sp>
+      <p:cxnSp>
+        <p:nvCxnSpPr>
+          <p:cNvPr id="27" name="Straight Arrow Connector 26">
+            <a:extLst>
+              <a:ext uri="{FF2B5EF4-FFF2-40B4-BE49-F238E27FC236}">
+                <a16:creationId xmlns:a16="http://schemas.microsoft.com/office/drawing/2014/main" id="{3C77D140-73EB-4F40-B31F-01CD1FFD30CA}"/>
+              </a:ext>
+            </a:extLst>
+          </p:cNvPr>
+          <p:cNvCxnSpPr>
+            <a:cxnSpLocks/>
+          </p:cNvCxnSpPr>
+          <p:nvPr/>
+        </p:nvCxnSpPr>
+        <p:spPr>
+          <a:xfrm flipH="1">
+            <a:off x="3493530" y="3338478"/>
+            <a:ext cx="226222" cy="593216"/>
+          </a:xfrm>
+          <a:prstGeom prst="straightConnector1">
+            <a:avLst/>
+          </a:prstGeom>
+          <a:ln>
+            <a:tailEnd type="triangle"/>
+          </a:ln>
+        </p:spPr>
+        <p:style>
+          <a:lnRef idx="1">
+            <a:schemeClr val="accent1"/>
+          </a:lnRef>
+          <a:fillRef idx="0">
+            <a:schemeClr val="accent1"/>
+          </a:fillRef>
+          <a:effectRef idx="0">
+            <a:schemeClr val="accent1"/>
+          </a:effectRef>
+          <a:fontRef idx="minor">
+            <a:schemeClr val="tx1"/>
+          </a:fontRef>
+        </p:style>
+      </p:cxnSp>
+      <p:cxnSp>
+        <p:nvCxnSpPr>
+          <p:cNvPr id="29" name="Straight Arrow Connector 28">
+            <a:extLst>
+              <a:ext uri="{FF2B5EF4-FFF2-40B4-BE49-F238E27FC236}">
+                <a16:creationId xmlns:a16="http://schemas.microsoft.com/office/drawing/2014/main" id="{B540868B-2744-47A5-8943-0660462B4BFF}"/>
+              </a:ext>
+            </a:extLst>
+          </p:cNvPr>
+          <p:cNvCxnSpPr>
+            <a:cxnSpLocks/>
+          </p:cNvCxnSpPr>
+          <p:nvPr/>
+        </p:nvCxnSpPr>
+        <p:spPr>
+          <a:xfrm flipV="1">
+            <a:off x="3216881" y="4440941"/>
+            <a:ext cx="0" cy="302889"/>
+          </a:xfrm>
+          <a:prstGeom prst="straightConnector1">
+            <a:avLst/>
+          </a:prstGeom>
+          <a:ln>
+            <a:tailEnd type="triangle"/>
+          </a:ln>
+        </p:spPr>
+        <p:style>
+          <a:lnRef idx="1">
+            <a:schemeClr val="accent1"/>
+          </a:lnRef>
+          <a:fillRef idx="0">
+            <a:schemeClr val="accent1"/>
+          </a:fillRef>
+          <a:effectRef idx="0">
+            <a:schemeClr val="accent1"/>
+          </a:effectRef>
+          <a:fontRef idx="minor">
+            <a:schemeClr val="tx1"/>
+          </a:fontRef>
+        </p:style>
+      </p:cxnSp>
+      <p:cxnSp>
+        <p:nvCxnSpPr>
+          <p:cNvPr id="33" name="Straight Arrow Connector 32">
+            <a:extLst>
+              <a:ext uri="{FF2B5EF4-FFF2-40B4-BE49-F238E27FC236}">
+                <a16:creationId xmlns:a16="http://schemas.microsoft.com/office/drawing/2014/main" id="{5881DB44-BD11-40D8-9150-481B52793F18}"/>
+              </a:ext>
+            </a:extLst>
+          </p:cNvPr>
+          <p:cNvCxnSpPr>
+            <a:cxnSpLocks/>
+          </p:cNvCxnSpPr>
+          <p:nvPr/>
+        </p:nvCxnSpPr>
+        <p:spPr>
+          <a:xfrm flipH="1">
+            <a:off x="3092141" y="4451406"/>
+            <a:ext cx="1" cy="292424"/>
+          </a:xfrm>
+          <a:prstGeom prst="straightConnector1">
+            <a:avLst/>
+          </a:prstGeom>
+          <a:ln>
+            <a:tailEnd type="triangle"/>
+          </a:ln>
+        </p:spPr>
+        <p:style>
+          <a:lnRef idx="1">
+            <a:schemeClr val="accent1"/>
+          </a:lnRef>
+          <a:fillRef idx="0">
+            <a:schemeClr val="accent1"/>
+          </a:fillRef>
+          <a:effectRef idx="0">
+            <a:schemeClr val="accent1"/>
+          </a:effectRef>
+          <a:fontRef idx="minor">
+            <a:schemeClr val="tx1"/>
+          </a:fontRef>
+        </p:style>
+      </p:cxnSp>
+      <p:sp>
+        <p:nvSpPr>
+          <p:cNvPr id="39" name="TextBox 38">
+            <a:extLst>
+              <a:ext uri="{FF2B5EF4-FFF2-40B4-BE49-F238E27FC236}">
+                <a16:creationId xmlns:a16="http://schemas.microsoft.com/office/drawing/2014/main" id="{D53102BD-1371-421F-9D3F-ED3C5F05EEC9}"/>
+              </a:ext>
+            </a:extLst>
+          </p:cNvPr>
+          <p:cNvSpPr txBox="1"/>
+          <p:nvPr/>
+        </p:nvSpPr>
+        <p:spPr>
+          <a:xfrm>
+            <a:off x="3245422" y="4440941"/>
+            <a:ext cx="277372" cy="338554"/>
+          </a:xfrm>
+          <a:prstGeom prst="rect">
+            <a:avLst/>
+          </a:prstGeom>
+          <a:noFill/>
+        </p:spPr>
+        <p:txBody>
+          <a:bodyPr wrap="square" rtlCol="0">
+            <a:spAutoFit/>
+          </a:bodyPr>
+          <a:lstStyle/>
+          <a:p>
+            <a:r>
+              <a:rPr lang="fr-FR" sz="1600" dirty="0"/>
+              <a:t>b</a:t>
+            </a:r>
+          </a:p>
+        </p:txBody>
+      </p:sp>
+      <p:sp>
+        <p:nvSpPr>
+          <p:cNvPr id="40" name="TextBox 39">
+            <a:extLst>
+              <a:ext uri="{FF2B5EF4-FFF2-40B4-BE49-F238E27FC236}">
+                <a16:creationId xmlns:a16="http://schemas.microsoft.com/office/drawing/2014/main" id="{46448AB9-D752-437B-BDFF-924A18E23624}"/>
+              </a:ext>
+            </a:extLst>
+          </p:cNvPr>
+          <p:cNvSpPr txBox="1"/>
+          <p:nvPr/>
+        </p:nvSpPr>
+        <p:spPr>
+          <a:xfrm>
+            <a:off x="3805654" y="3820499"/>
+            <a:ext cx="277372" cy="338554"/>
+          </a:xfrm>
+          <a:prstGeom prst="rect">
+            <a:avLst/>
+          </a:prstGeom>
+          <a:noFill/>
+        </p:spPr>
+        <p:txBody>
+          <a:bodyPr wrap="square" rtlCol="0">
+            <a:spAutoFit/>
+          </a:bodyPr>
+          <a:lstStyle/>
+          <a:p>
+            <a:r>
+              <a:rPr lang="fr-FR" sz="1600" dirty="0"/>
+              <a:t>c</a:t>
+            </a:r>
+          </a:p>
+        </p:txBody>
+      </p:sp>
+      <p:sp>
+        <p:nvSpPr>
+          <p:cNvPr id="42" name="TextBox 41">
+            <a:extLst>
+              <a:ext uri="{FF2B5EF4-FFF2-40B4-BE49-F238E27FC236}">
+                <a16:creationId xmlns:a16="http://schemas.microsoft.com/office/drawing/2014/main" id="{71080102-B242-4A13-B622-14152C7651CA}"/>
+              </a:ext>
+            </a:extLst>
+          </p:cNvPr>
+          <p:cNvSpPr txBox="1"/>
+          <p:nvPr/>
+        </p:nvSpPr>
+        <p:spPr>
+          <a:xfrm>
+            <a:off x="2718683" y="4410392"/>
+            <a:ext cx="277372" cy="338554"/>
+          </a:xfrm>
+          <a:prstGeom prst="rect">
+            <a:avLst/>
+          </a:prstGeom>
+          <a:noFill/>
+        </p:spPr>
+        <p:txBody>
+          <a:bodyPr wrap="square" rtlCol="0">
+            <a:spAutoFit/>
+          </a:bodyPr>
+          <a:lstStyle/>
+          <a:p>
+            <a:r>
+              <a:rPr lang="fr-FR" sz="1600" dirty="0"/>
+              <a:t>a</a:t>
             </a:r>
           </a:p>
         </p:txBody>
@@ -9456,6 +10504,216 @@
           </a:p>
         </p:txBody>
       </p:sp>
+      <p:sp>
+        <p:nvSpPr>
+          <p:cNvPr id="22" name="TextBox 21">
+            <a:extLst>
+              <a:ext uri="{FF2B5EF4-FFF2-40B4-BE49-F238E27FC236}">
+                <a16:creationId xmlns:a16="http://schemas.microsoft.com/office/drawing/2014/main" id="{503DCD45-8F09-4716-8AB1-B5F617E61414}"/>
+              </a:ext>
+            </a:extLst>
+          </p:cNvPr>
+          <p:cNvSpPr txBox="1"/>
+          <p:nvPr/>
+        </p:nvSpPr>
+        <p:spPr>
+          <a:xfrm>
+            <a:off x="6681089" y="3525461"/>
+            <a:ext cx="242608" cy="338554"/>
+          </a:xfrm>
+          <a:prstGeom prst="rect">
+            <a:avLst/>
+          </a:prstGeom>
+          <a:noFill/>
+        </p:spPr>
+        <p:txBody>
+          <a:bodyPr wrap="square" rtlCol="0">
+            <a:spAutoFit/>
+          </a:bodyPr>
+          <a:lstStyle/>
+          <a:p>
+            <a:r>
+              <a:rPr lang="fr-FR" sz="1600" dirty="0"/>
+              <a:t>c</a:t>
+            </a:r>
+          </a:p>
+        </p:txBody>
+      </p:sp>
+      <p:sp>
+        <p:nvSpPr>
+          <p:cNvPr id="23" name="TextBox 22">
+            <a:extLst>
+              <a:ext uri="{FF2B5EF4-FFF2-40B4-BE49-F238E27FC236}">
+                <a16:creationId xmlns:a16="http://schemas.microsoft.com/office/drawing/2014/main" id="{181458AA-A6E9-41D5-9CA8-A49FF4502738}"/>
+              </a:ext>
+            </a:extLst>
+          </p:cNvPr>
+          <p:cNvSpPr txBox="1"/>
+          <p:nvPr/>
+        </p:nvSpPr>
+        <p:spPr>
+          <a:xfrm>
+            <a:off x="6897258" y="3864015"/>
+            <a:ext cx="242608" cy="338554"/>
+          </a:xfrm>
+          <a:prstGeom prst="rect">
+            <a:avLst/>
+          </a:prstGeom>
+          <a:noFill/>
+        </p:spPr>
+        <p:txBody>
+          <a:bodyPr wrap="square" rtlCol="0">
+            <a:spAutoFit/>
+          </a:bodyPr>
+          <a:lstStyle/>
+          <a:p>
+            <a:r>
+              <a:rPr lang="fr-FR" sz="1600" dirty="0"/>
+              <a:t>c</a:t>
+            </a:r>
+          </a:p>
+        </p:txBody>
+      </p:sp>
+      <p:sp>
+        <p:nvSpPr>
+          <p:cNvPr id="24" name="TextBox 23">
+            <a:extLst>
+              <a:ext uri="{FF2B5EF4-FFF2-40B4-BE49-F238E27FC236}">
+                <a16:creationId xmlns:a16="http://schemas.microsoft.com/office/drawing/2014/main" id="{1CD22FA6-EBE0-4E9C-9E50-9AB5F829A9C5}"/>
+              </a:ext>
+            </a:extLst>
+          </p:cNvPr>
+          <p:cNvSpPr txBox="1"/>
+          <p:nvPr/>
+        </p:nvSpPr>
+        <p:spPr>
+          <a:xfrm>
+            <a:off x="5762956" y="3372580"/>
+            <a:ext cx="242608" cy="338554"/>
+          </a:xfrm>
+          <a:prstGeom prst="rect">
+            <a:avLst/>
+          </a:prstGeom>
+          <a:noFill/>
+        </p:spPr>
+        <p:txBody>
+          <a:bodyPr wrap="square" rtlCol="0">
+            <a:spAutoFit/>
+          </a:bodyPr>
+          <a:lstStyle/>
+          <a:p>
+            <a:r>
+              <a:rPr lang="fr-FR" sz="1600" dirty="0"/>
+              <a:t>a</a:t>
+            </a:r>
+          </a:p>
+        </p:txBody>
+      </p:sp>
+      <p:sp>
+        <p:nvSpPr>
+          <p:cNvPr id="25" name="TextBox 24">
+            <a:extLst>
+              <a:ext uri="{FF2B5EF4-FFF2-40B4-BE49-F238E27FC236}">
+                <a16:creationId xmlns:a16="http://schemas.microsoft.com/office/drawing/2014/main" id="{83EA5E49-B9CC-46BE-A6E1-2C137DEB2FF1}"/>
+              </a:ext>
+            </a:extLst>
+          </p:cNvPr>
+          <p:cNvSpPr txBox="1"/>
+          <p:nvPr/>
+        </p:nvSpPr>
+        <p:spPr>
+          <a:xfrm>
+            <a:off x="5882891" y="4490951"/>
+            <a:ext cx="242608" cy="338554"/>
+          </a:xfrm>
+          <a:prstGeom prst="rect">
+            <a:avLst/>
+          </a:prstGeom>
+          <a:noFill/>
+        </p:spPr>
+        <p:txBody>
+          <a:bodyPr wrap="square" rtlCol="0">
+            <a:spAutoFit/>
+          </a:bodyPr>
+          <a:lstStyle/>
+          <a:p>
+            <a:r>
+              <a:rPr lang="fr-FR" sz="1600" dirty="0"/>
+              <a:t>a</a:t>
+            </a:r>
+          </a:p>
+        </p:txBody>
+      </p:sp>
+      <p:sp>
+        <p:nvSpPr>
+          <p:cNvPr id="26" name="TextBox 25">
+            <a:extLst>
+              <a:ext uri="{FF2B5EF4-FFF2-40B4-BE49-F238E27FC236}">
+                <a16:creationId xmlns:a16="http://schemas.microsoft.com/office/drawing/2014/main" id="{E82B8B46-7C94-4967-8259-D8189BD58985}"/>
+              </a:ext>
+            </a:extLst>
+          </p:cNvPr>
+          <p:cNvSpPr txBox="1"/>
+          <p:nvPr/>
+        </p:nvSpPr>
+        <p:spPr>
+          <a:xfrm>
+            <a:off x="5350638" y="3631900"/>
+            <a:ext cx="242608" cy="338554"/>
+          </a:xfrm>
+          <a:prstGeom prst="rect">
+            <a:avLst/>
+          </a:prstGeom>
+          <a:noFill/>
+        </p:spPr>
+        <p:txBody>
+          <a:bodyPr wrap="square" rtlCol="0">
+            <a:spAutoFit/>
+          </a:bodyPr>
+          <a:lstStyle/>
+          <a:p>
+            <a:r>
+              <a:rPr lang="fr-FR" sz="1600" dirty="0"/>
+              <a:t>b</a:t>
+            </a:r>
+          </a:p>
+        </p:txBody>
+      </p:sp>
+      <p:sp>
+        <p:nvSpPr>
+          <p:cNvPr id="27" name="TextBox 26">
+            <a:extLst>
+              <a:ext uri="{FF2B5EF4-FFF2-40B4-BE49-F238E27FC236}">
+                <a16:creationId xmlns:a16="http://schemas.microsoft.com/office/drawing/2014/main" id="{7CE88B0F-832A-4FB3-B976-BAD8BB622D6A}"/>
+              </a:ext>
+            </a:extLst>
+          </p:cNvPr>
+          <p:cNvSpPr txBox="1"/>
+          <p:nvPr/>
+        </p:nvSpPr>
+        <p:spPr>
+          <a:xfrm>
+            <a:off x="6221260" y="4550035"/>
+            <a:ext cx="242608" cy="338554"/>
+          </a:xfrm>
+          <a:prstGeom prst="rect">
+            <a:avLst/>
+          </a:prstGeom>
+          <a:noFill/>
+        </p:spPr>
+        <p:txBody>
+          <a:bodyPr wrap="square" rtlCol="0">
+            <a:spAutoFit/>
+          </a:bodyPr>
+          <a:lstStyle/>
+          <a:p>
+            <a:r>
+              <a:rPr lang="fr-FR" sz="1600" dirty="0"/>
+              <a:t>b</a:t>
+            </a:r>
+          </a:p>
+        </p:txBody>
+      </p:sp>
     </p:spTree>
     <p:extLst>
       <p:ext uri="{BB962C8B-B14F-4D97-AF65-F5344CB8AC3E}">
@@ -9988,13 +11246,13 @@
           <p:nvPr>
             <p:extLst>
               <p:ext uri="{D42A27DB-BD31-4B8C-83A1-F6EECF244321}">
-                <p14:modId xmlns:p14="http://schemas.microsoft.com/office/powerpoint/2010/main" val="1059054354"/>
+                <p14:modId xmlns:p14="http://schemas.microsoft.com/office/powerpoint/2010/main" val="1606953604"/>
               </p:ext>
             </p:extLst>
           </p:nvPr>
         </p:nvGraphicFramePr>
         <p:xfrm>
-          <a:off x="8379438" y="2638044"/>
+          <a:off x="7716829" y="3183464"/>
           <a:ext cx="3162852" cy="1005571"/>
         </p:xfrm>
         <a:graphic>
@@ -10299,8 +11557,8 @@
         </p:nvSpPr>
         <p:spPr>
           <a:xfrm>
-            <a:off x="2231136" y="2638044"/>
-            <a:ext cx="7729728" cy="3101983"/>
+            <a:off x="3057011" y="3429000"/>
+            <a:ext cx="6077978" cy="1405151"/>
           </a:xfrm>
         </p:spPr>
         <p:txBody>
@@ -10324,74 +11582,6 @@
               <a:rPr lang="fr-FR" dirty="0"/>
               <a:t>Sortie : un Automate déterministe . </a:t>
             </a:r>
-          </a:p>
-          <a:p>
-            <a:r>
-              <a:rPr lang="fr-FR" u="sng" dirty="0"/>
-              <a:t>Algorithme :</a:t>
-            </a:r>
-          </a:p>
-          <a:p>
-            <a:pPr lvl="1"/>
-            <a:r>
-              <a:rPr lang="fr-FR" dirty="0" err="1"/>
-              <a:t>nbTransitionsSortantes</a:t>
-            </a:r>
-            <a:r>
-              <a:rPr lang="fr-FR" dirty="0"/>
-              <a:t> &lt;= </a:t>
-            </a:r>
-            <a:r>
-              <a:rPr lang="fr-FR" dirty="0" err="1"/>
-              <a:t>nombreTransition</a:t>
-            </a:r>
-            <a:r>
-              <a:rPr lang="fr-FR" dirty="0"/>
-              <a:t>/2; </a:t>
-            </a:r>
-            <a:r>
-              <a:rPr lang="fr-FR" dirty="0" err="1"/>
-              <a:t>nbTransitionEntrantes</a:t>
-            </a:r>
-            <a:r>
-              <a:rPr lang="fr-FR" dirty="0"/>
-              <a:t> &lt;=  </a:t>
-            </a:r>
-            <a:r>
-              <a:rPr lang="fr-FR" dirty="0" err="1"/>
-              <a:t>nombreTransition</a:t>
-            </a:r>
-            <a:r>
-              <a:rPr lang="fr-FR" dirty="0"/>
-              <a:t> /2 ;</a:t>
-            </a:r>
-          </a:p>
-          <a:p>
-            <a:pPr lvl="1"/>
-            <a:r>
-              <a:rPr lang="fr-FR" dirty="0"/>
-              <a:t>Tant que </a:t>
-            </a:r>
-            <a:r>
-              <a:rPr lang="fr-FR" dirty="0" err="1"/>
-              <a:t>nbTransitionSortantes</a:t>
-            </a:r>
-            <a:r>
-              <a:rPr lang="fr-FR" dirty="0"/>
-              <a:t> et le </a:t>
-            </a:r>
-            <a:r>
-              <a:rPr lang="fr-FR" dirty="0" err="1"/>
-              <a:t>nbTransitionEntrantes</a:t>
-            </a:r>
-            <a:r>
-              <a:rPr lang="fr-FR" dirty="0"/>
-              <a:t> != 0</a:t>
-            </a:r>
-          </a:p>
-          <a:p>
-            <a:pPr lvl="1"/>
-            <a:endParaRPr lang="fr-FR" dirty="0"/>
           </a:p>
         </p:txBody>
       </p:sp>
@@ -10441,7 +11631,12 @@
             <p:ph type="title"/>
           </p:nvPr>
         </p:nvSpPr>
-        <p:spPr/>
+        <p:spPr>
+          <a:xfrm>
+            <a:off x="2231136" y="2834640"/>
+            <a:ext cx="7729728" cy="1188720"/>
+          </a:xfrm>
+        </p:spPr>
         <p:txBody>
           <a:bodyPr/>
           <a:lstStyle/>
@@ -10450,31 +11645,6 @@
               <a:rPr lang="fr-FR" dirty="0"/>
               <a:t>Fonction d’affichage</a:t>
             </a:r>
-          </a:p>
-        </p:txBody>
-      </p:sp>
-      <p:sp>
-        <p:nvSpPr>
-          <p:cNvPr id="3" name="Content Placeholder 2">
-            <a:extLst>
-              <a:ext uri="{FF2B5EF4-FFF2-40B4-BE49-F238E27FC236}">
-                <a16:creationId xmlns:a16="http://schemas.microsoft.com/office/drawing/2014/main" id="{F05898F6-762E-4AC2-BAA9-7CF2E87536C2}"/>
-              </a:ext>
-            </a:extLst>
-          </p:cNvPr>
-          <p:cNvSpPr>
-            <a:spLocks noGrp="1"/>
-          </p:cNvSpPr>
-          <p:nvPr>
-            <p:ph idx="1"/>
-          </p:nvPr>
-        </p:nvSpPr>
-        <p:spPr/>
-        <p:txBody>
-          <a:bodyPr/>
-          <a:lstStyle/>
-          <a:p>
-            <a:endParaRPr lang="fr-FR" dirty="0"/>
           </a:p>
         </p:txBody>
       </p:sp>

--- a/Recherche d’un trajet sur une carte.pptx
+++ b/Recherche d’un trajet sur une carte.pptx
@@ -4,6 +4,9 @@
   <p:sldMasterIdLst>
     <p:sldMasterId id="2147483696" r:id="rId1"/>
   </p:sldMasterIdLst>
+  <p:notesMasterIdLst>
+    <p:notesMasterId r:id="rId21"/>
+  </p:notesMasterIdLst>
   <p:sldIdLst>
     <p:sldId id="256" r:id="rId2"/>
     <p:sldId id="258" r:id="rId3"/>
@@ -130,6 +133,356 @@
 </p:presentation>
 </file>
 
+<file path=ppt/notesMasters/notesMaster1.xml><?xml version="1.0" encoding="utf-8"?>
+<p:notesMaster xmlns:a="http://schemas.openxmlformats.org/drawingml/2006/main" xmlns:r="http://schemas.openxmlformats.org/officeDocument/2006/relationships" xmlns:p="http://schemas.openxmlformats.org/presentationml/2006/main">
+  <p:cSld>
+    <p:bg>
+      <p:bgRef idx="1001">
+        <a:schemeClr val="bg1"/>
+      </p:bgRef>
+    </p:bg>
+    <p:spTree>
+      <p:nvGrpSpPr>
+        <p:cNvPr id="1" name=""/>
+        <p:cNvGrpSpPr/>
+        <p:nvPr/>
+      </p:nvGrpSpPr>
+      <p:grpSpPr>
+        <a:xfrm>
+          <a:off x="0" y="0"/>
+          <a:ext cx="0" cy="0"/>
+          <a:chOff x="0" y="0"/>
+          <a:chExt cx="0" cy="0"/>
+        </a:xfrm>
+      </p:grpSpPr>
+      <p:sp>
+        <p:nvSpPr>
+          <p:cNvPr id="2" name="Header Placeholder 1"/>
+          <p:cNvSpPr>
+            <a:spLocks noGrp="1"/>
+          </p:cNvSpPr>
+          <p:nvPr>
+            <p:ph type="hdr" sz="quarter"/>
+          </p:nvPr>
+        </p:nvSpPr>
+        <p:spPr>
+          <a:xfrm>
+            <a:off x="0" y="0"/>
+            <a:ext cx="2971800" cy="458788"/>
+          </a:xfrm>
+          <a:prstGeom prst="rect">
+            <a:avLst/>
+          </a:prstGeom>
+        </p:spPr>
+        <p:txBody>
+          <a:bodyPr vert="horz" lIns="91440" tIns="45720" rIns="91440" bIns="45720" rtlCol="0"/>
+          <a:lstStyle>
+            <a:lvl1pPr algn="l">
+              <a:defRPr sz="1200"/>
+            </a:lvl1pPr>
+          </a:lstStyle>
+          <a:p>
+            <a:endParaRPr lang="fr-FR"/>
+          </a:p>
+        </p:txBody>
+      </p:sp>
+      <p:sp>
+        <p:nvSpPr>
+          <p:cNvPr id="3" name="Date Placeholder 2"/>
+          <p:cNvSpPr>
+            <a:spLocks noGrp="1"/>
+          </p:cNvSpPr>
+          <p:nvPr>
+            <p:ph type="dt" idx="1"/>
+          </p:nvPr>
+        </p:nvSpPr>
+        <p:spPr>
+          <a:xfrm>
+            <a:off x="3884613" y="0"/>
+            <a:ext cx="2971800" cy="458788"/>
+          </a:xfrm>
+          <a:prstGeom prst="rect">
+            <a:avLst/>
+          </a:prstGeom>
+        </p:spPr>
+        <p:txBody>
+          <a:bodyPr vert="horz" lIns="91440" tIns="45720" rIns="91440" bIns="45720" rtlCol="0"/>
+          <a:lstStyle>
+            <a:lvl1pPr algn="r">
+              <a:defRPr sz="1200"/>
+            </a:lvl1pPr>
+          </a:lstStyle>
+          <a:p>
+            <a:fld id="{F145D8F8-D07A-41F7-846E-7FF1D3F8842F}" type="datetimeFigureOut">
+              <a:rPr lang="fr-FR" smtClean="0"/>
+              <a:t>28/05/2018</a:t>
+            </a:fld>
+            <a:endParaRPr lang="fr-FR"/>
+          </a:p>
+        </p:txBody>
+      </p:sp>
+      <p:sp>
+        <p:nvSpPr>
+          <p:cNvPr id="4" name="Slide Image Placeholder 3"/>
+          <p:cNvSpPr>
+            <a:spLocks noGrp="1" noRot="1" noChangeAspect="1"/>
+          </p:cNvSpPr>
+          <p:nvPr>
+            <p:ph type="sldImg" idx="2"/>
+          </p:nvPr>
+        </p:nvSpPr>
+        <p:spPr>
+          <a:xfrm>
+            <a:off x="685800" y="1143000"/>
+            <a:ext cx="5486400" cy="3086100"/>
+          </a:xfrm>
+          <a:prstGeom prst="rect">
+            <a:avLst/>
+          </a:prstGeom>
+          <a:noFill/>
+          <a:ln w="12700">
+            <a:solidFill>
+              <a:prstClr val="black"/>
+            </a:solidFill>
+          </a:ln>
+        </p:spPr>
+        <p:txBody>
+          <a:bodyPr vert="horz" lIns="91440" tIns="45720" rIns="91440" bIns="45720" rtlCol="0" anchor="ctr"/>
+          <a:lstStyle/>
+          <a:p>
+            <a:endParaRPr lang="fr-FR"/>
+          </a:p>
+        </p:txBody>
+      </p:sp>
+      <p:sp>
+        <p:nvSpPr>
+          <p:cNvPr id="5" name="Notes Placeholder 4"/>
+          <p:cNvSpPr>
+            <a:spLocks noGrp="1"/>
+          </p:cNvSpPr>
+          <p:nvPr>
+            <p:ph type="body" sz="quarter" idx="3"/>
+          </p:nvPr>
+        </p:nvSpPr>
+        <p:spPr>
+          <a:xfrm>
+            <a:off x="685800" y="4400550"/>
+            <a:ext cx="5486400" cy="3600450"/>
+          </a:xfrm>
+          <a:prstGeom prst="rect">
+            <a:avLst/>
+          </a:prstGeom>
+        </p:spPr>
+        <p:txBody>
+          <a:bodyPr vert="horz" lIns="91440" tIns="45720" rIns="91440" bIns="45720" rtlCol="0"/>
+          <a:lstStyle/>
+          <a:p>
+            <a:pPr lvl="0"/>
+            <a:r>
+              <a:rPr lang="en-US"/>
+              <a:t>Edit Master text styles</a:t>
+            </a:r>
+          </a:p>
+          <a:p>
+            <a:pPr lvl="1"/>
+            <a:r>
+              <a:rPr lang="en-US"/>
+              <a:t>Second level</a:t>
+            </a:r>
+          </a:p>
+          <a:p>
+            <a:pPr lvl="2"/>
+            <a:r>
+              <a:rPr lang="en-US"/>
+              <a:t>Third level</a:t>
+            </a:r>
+          </a:p>
+          <a:p>
+            <a:pPr lvl="3"/>
+            <a:r>
+              <a:rPr lang="en-US"/>
+              <a:t>Fourth level</a:t>
+            </a:r>
+          </a:p>
+          <a:p>
+            <a:pPr lvl="4"/>
+            <a:r>
+              <a:rPr lang="en-US"/>
+              <a:t>Fifth level</a:t>
+            </a:r>
+            <a:endParaRPr lang="fr-FR"/>
+          </a:p>
+        </p:txBody>
+      </p:sp>
+      <p:sp>
+        <p:nvSpPr>
+          <p:cNvPr id="6" name="Footer Placeholder 5"/>
+          <p:cNvSpPr>
+            <a:spLocks noGrp="1"/>
+          </p:cNvSpPr>
+          <p:nvPr>
+            <p:ph type="ftr" sz="quarter" idx="4"/>
+          </p:nvPr>
+        </p:nvSpPr>
+        <p:spPr>
+          <a:xfrm>
+            <a:off x="0" y="8685213"/>
+            <a:ext cx="2971800" cy="458787"/>
+          </a:xfrm>
+          <a:prstGeom prst="rect">
+            <a:avLst/>
+          </a:prstGeom>
+        </p:spPr>
+        <p:txBody>
+          <a:bodyPr vert="horz" lIns="91440" tIns="45720" rIns="91440" bIns="45720" rtlCol="0" anchor="b"/>
+          <a:lstStyle>
+            <a:lvl1pPr algn="l">
+              <a:defRPr sz="1200"/>
+            </a:lvl1pPr>
+          </a:lstStyle>
+          <a:p>
+            <a:endParaRPr lang="fr-FR"/>
+          </a:p>
+        </p:txBody>
+      </p:sp>
+      <p:sp>
+        <p:nvSpPr>
+          <p:cNvPr id="7" name="Slide Number Placeholder 6"/>
+          <p:cNvSpPr>
+            <a:spLocks noGrp="1"/>
+          </p:cNvSpPr>
+          <p:nvPr>
+            <p:ph type="sldNum" sz="quarter" idx="5"/>
+          </p:nvPr>
+        </p:nvSpPr>
+        <p:spPr>
+          <a:xfrm>
+            <a:off x="3884613" y="8685213"/>
+            <a:ext cx="2971800" cy="458787"/>
+          </a:xfrm>
+          <a:prstGeom prst="rect">
+            <a:avLst/>
+          </a:prstGeom>
+        </p:spPr>
+        <p:txBody>
+          <a:bodyPr vert="horz" lIns="91440" tIns="45720" rIns="91440" bIns="45720" rtlCol="0" anchor="b"/>
+          <a:lstStyle>
+            <a:lvl1pPr algn="r">
+              <a:defRPr sz="1200"/>
+            </a:lvl1pPr>
+          </a:lstStyle>
+          <a:p>
+            <a:fld id="{8924E379-B55B-41AC-8C15-A108A19893C9}" type="slidenum">
+              <a:rPr lang="fr-FR" smtClean="0"/>
+              <a:t>‹#›</a:t>
+            </a:fld>
+            <a:endParaRPr lang="fr-FR"/>
+          </a:p>
+        </p:txBody>
+      </p:sp>
+    </p:spTree>
+    <p:extLst>
+      <p:ext uri="{BB962C8B-B14F-4D97-AF65-F5344CB8AC3E}">
+        <p14:creationId xmlns:p14="http://schemas.microsoft.com/office/powerpoint/2010/main" val="877132659"/>
+      </p:ext>
+    </p:extLst>
+  </p:cSld>
+  <p:clrMap bg1="lt1" tx1="dk1" bg2="lt2" tx2="dk2" accent1="accent1" accent2="accent2" accent3="accent3" accent4="accent4" accent5="accent5" accent6="accent6" hlink="hlink" folHlink="folHlink"/>
+  <p:notesStyle>
+    <a:lvl1pPr marL="0" algn="l" defTabSz="914400" rtl="0" eaLnBrk="1" latinLnBrk="0" hangingPunct="1">
+      <a:defRPr sz="1200" kern="1200">
+        <a:solidFill>
+          <a:schemeClr val="tx1"/>
+        </a:solidFill>
+        <a:latin typeface="+mn-lt"/>
+        <a:ea typeface="+mn-ea"/>
+        <a:cs typeface="+mn-cs"/>
+      </a:defRPr>
+    </a:lvl1pPr>
+    <a:lvl2pPr marL="457200" algn="l" defTabSz="914400" rtl="0" eaLnBrk="1" latinLnBrk="0" hangingPunct="1">
+      <a:defRPr sz="1200" kern="1200">
+        <a:solidFill>
+          <a:schemeClr val="tx1"/>
+        </a:solidFill>
+        <a:latin typeface="+mn-lt"/>
+        <a:ea typeface="+mn-ea"/>
+        <a:cs typeface="+mn-cs"/>
+      </a:defRPr>
+    </a:lvl2pPr>
+    <a:lvl3pPr marL="914400" algn="l" defTabSz="914400" rtl="0" eaLnBrk="1" latinLnBrk="0" hangingPunct="1">
+      <a:defRPr sz="1200" kern="1200">
+        <a:solidFill>
+          <a:schemeClr val="tx1"/>
+        </a:solidFill>
+        <a:latin typeface="+mn-lt"/>
+        <a:ea typeface="+mn-ea"/>
+        <a:cs typeface="+mn-cs"/>
+      </a:defRPr>
+    </a:lvl3pPr>
+    <a:lvl4pPr marL="1371600" algn="l" defTabSz="914400" rtl="0" eaLnBrk="1" latinLnBrk="0" hangingPunct="1">
+      <a:defRPr sz="1200" kern="1200">
+        <a:solidFill>
+          <a:schemeClr val="tx1"/>
+        </a:solidFill>
+        <a:latin typeface="+mn-lt"/>
+        <a:ea typeface="+mn-ea"/>
+        <a:cs typeface="+mn-cs"/>
+      </a:defRPr>
+    </a:lvl4pPr>
+    <a:lvl5pPr marL="1828800" algn="l" defTabSz="914400" rtl="0" eaLnBrk="1" latinLnBrk="0" hangingPunct="1">
+      <a:defRPr sz="1200" kern="1200">
+        <a:solidFill>
+          <a:schemeClr val="tx1"/>
+        </a:solidFill>
+        <a:latin typeface="+mn-lt"/>
+        <a:ea typeface="+mn-ea"/>
+        <a:cs typeface="+mn-cs"/>
+      </a:defRPr>
+    </a:lvl5pPr>
+    <a:lvl6pPr marL="2286000" algn="l" defTabSz="914400" rtl="0" eaLnBrk="1" latinLnBrk="0" hangingPunct="1">
+      <a:defRPr sz="1200" kern="1200">
+        <a:solidFill>
+          <a:schemeClr val="tx1"/>
+        </a:solidFill>
+        <a:latin typeface="+mn-lt"/>
+        <a:ea typeface="+mn-ea"/>
+        <a:cs typeface="+mn-cs"/>
+      </a:defRPr>
+    </a:lvl6pPr>
+    <a:lvl7pPr marL="2743200" algn="l" defTabSz="914400" rtl="0" eaLnBrk="1" latinLnBrk="0" hangingPunct="1">
+      <a:defRPr sz="1200" kern="1200">
+        <a:solidFill>
+          <a:schemeClr val="tx1"/>
+        </a:solidFill>
+        <a:latin typeface="+mn-lt"/>
+        <a:ea typeface="+mn-ea"/>
+        <a:cs typeface="+mn-cs"/>
+      </a:defRPr>
+    </a:lvl7pPr>
+    <a:lvl8pPr marL="3200400" algn="l" defTabSz="914400" rtl="0" eaLnBrk="1" latinLnBrk="0" hangingPunct="1">
+      <a:defRPr sz="1200" kern="1200">
+        <a:solidFill>
+          <a:schemeClr val="tx1"/>
+        </a:solidFill>
+        <a:latin typeface="+mn-lt"/>
+        <a:ea typeface="+mn-ea"/>
+        <a:cs typeface="+mn-cs"/>
+      </a:defRPr>
+    </a:lvl8pPr>
+    <a:lvl9pPr marL="3657600" algn="l" defTabSz="914400" rtl="0" eaLnBrk="1" latinLnBrk="0" hangingPunct="1">
+      <a:defRPr sz="1200" kern="1200">
+        <a:solidFill>
+          <a:schemeClr val="tx1"/>
+        </a:solidFill>
+        <a:latin typeface="+mn-lt"/>
+        <a:ea typeface="+mn-ea"/>
+        <a:cs typeface="+mn-cs"/>
+      </a:defRPr>
+    </a:lvl9pPr>
+  </p:notesStyle>
+</p:notesMaster>
+</file>
+
 <file path=ppt/slideLayouts/slideLayout1.xml><?xml version="1.0" encoding="utf-8"?>
 <p:sldLayout xmlns:a="http://schemas.openxmlformats.org/drawingml/2006/main" xmlns:r="http://schemas.openxmlformats.org/officeDocument/2006/relationships" xmlns:p="http://schemas.openxmlformats.org/presentationml/2006/main" type="title" preserve="1">
   <p:cSld name="Title Slide">
@@ -291,9 +644,9 @@
           <a:bodyPr/>
           <a:lstStyle/>
           <a:p>
-            <a:fld id="{1160EA64-D806-43AC-9DF2-F8C432F32B4C}" type="datetimeFigureOut">
-              <a:rPr lang="en-US" dirty="0"/>
-              <a:t>5/27/2018</a:t>
+            <a:fld id="{4422B88A-DAB4-4C2F-8FFB-447CA9A1DDFC}" type="datetime1">
+              <a:rPr lang="en-US" smtClean="0"/>
+              <a:t>5/28/2018</a:t>
             </a:fld>
             <a:endParaRPr lang="en-US" dirty="0"/>
           </a:p>
@@ -457,9 +810,9 @@
           <a:bodyPr/>
           <a:lstStyle/>
           <a:p>
-            <a:fld id="{E9F9C37B-1D36-470B-8223-D6C91242EC14}" type="datetimeFigureOut">
-              <a:rPr lang="en-US" dirty="0"/>
-              <a:t>5/27/2018</a:t>
+            <a:fld id="{062F9C8A-4B73-4D68-948F-609B12BBD5B3}" type="datetime1">
+              <a:rPr lang="en-US" smtClean="0"/>
+              <a:t>5/28/2018</a:t>
             </a:fld>
             <a:endParaRPr lang="en-US" dirty="0"/>
           </a:p>
@@ -632,9 +985,9 @@
           <a:bodyPr/>
           <a:lstStyle/>
           <a:p>
-            <a:fld id="{67C6F52A-A82B-47A2-A83A-8C4C91F2D59F}" type="datetimeFigureOut">
-              <a:rPr lang="en-US" dirty="0"/>
-              <a:t>5/27/2018</a:t>
+            <a:fld id="{CB05E0E3-EB63-48F5-9B61-ED529BCFED80}" type="datetime1">
+              <a:rPr lang="en-US" smtClean="0"/>
+              <a:t>5/28/2018</a:t>
             </a:fld>
             <a:endParaRPr lang="en-US" dirty="0"/>
           </a:p>
@@ -797,9 +1150,9 @@
           <a:bodyPr/>
           <a:lstStyle/>
           <a:p>
-            <a:fld id="{F070A7B3-6521-4DCA-87E5-044747A908C1}" type="datetimeFigureOut">
-              <a:rPr lang="en-US" dirty="0"/>
-              <a:t>5/27/2018</a:t>
+            <a:fld id="{CE610AE2-907C-4A39-AFF3-7AE96D90C22E}" type="datetime1">
+              <a:rPr lang="en-US" smtClean="0"/>
+              <a:t>5/28/2018</a:t>
             </a:fld>
             <a:endParaRPr lang="en-US" dirty="0"/>
           </a:p>
@@ -1061,9 +1414,9 @@
           <a:bodyPr/>
           <a:lstStyle/>
           <a:p>
-            <a:fld id="{1160EA64-D806-43AC-9DF2-F8C432F32B4C}" type="datetimeFigureOut">
-              <a:rPr lang="en-US" dirty="0"/>
-              <a:t>5/27/2018</a:t>
+            <a:fld id="{99799955-F6D1-4621-866B-DA7168CE74AE}" type="datetime1">
+              <a:rPr lang="en-US" smtClean="0"/>
+              <a:t>5/28/2018</a:t>
             </a:fld>
             <a:endParaRPr lang="en-US" dirty="0"/>
           </a:p>
@@ -1289,9 +1642,9 @@
           <a:bodyPr/>
           <a:lstStyle/>
           <a:p>
-            <a:fld id="{AB134690-1557-4C89-A502-4959FE7FAD70}" type="datetimeFigureOut">
-              <a:rPr lang="en-US" dirty="0"/>
-              <a:t>5/27/2018</a:t>
+            <a:fld id="{9F4F9398-74F6-45B1-995C-043F2D1C9E10}" type="datetime1">
+              <a:rPr lang="en-US" smtClean="0"/>
+              <a:t>5/28/2018</a:t>
             </a:fld>
             <a:endParaRPr lang="en-US" dirty="0"/>
           </a:p>
@@ -1643,9 +1996,9 @@
           <a:bodyPr/>
           <a:lstStyle/>
           <a:p>
-            <a:fld id="{4F7D4976-E339-4826-83B7-FBD03F55ECF8}" type="datetimeFigureOut">
-              <a:rPr lang="en-US" dirty="0"/>
-              <a:t>5/27/2018</a:t>
+            <a:fld id="{373BB6AE-2E57-435F-89F4-6DC996275C8A}" type="datetime1">
+              <a:rPr lang="en-US" smtClean="0"/>
+              <a:t>5/28/2018</a:t>
             </a:fld>
             <a:endParaRPr lang="en-US" dirty="0"/>
           </a:p>
@@ -1779,9 +2132,9 @@
           <a:bodyPr/>
           <a:lstStyle/>
           <a:p>
-            <a:fld id="{E1037C31-9E7A-4F99-8774-A0E530DE1A42}" type="datetimeFigureOut">
-              <a:rPr lang="en-US" dirty="0"/>
-              <a:t>5/27/2018</a:t>
+            <a:fld id="{CCD17CE1-CF08-4960-83A9-BDA15001A5CC}" type="datetime1">
+              <a:rPr lang="en-US" smtClean="0"/>
+              <a:t>5/28/2018</a:t>
             </a:fld>
             <a:endParaRPr lang="en-US" dirty="0"/>
           </a:p>
@@ -1869,9 +2222,9 @@
           <a:bodyPr/>
           <a:lstStyle/>
           <a:p>
-            <a:fld id="{C278504F-A551-4DE0-9316-4DCD1D8CC752}" type="datetimeFigureOut">
-              <a:rPr lang="en-US" dirty="0"/>
-              <a:t>5/27/2018</a:t>
+            <a:fld id="{2A49B9F3-7E94-4D5A-8288-3FFE7CFCF29C}" type="datetime1">
+              <a:rPr lang="en-US" smtClean="0"/>
+              <a:t>5/28/2018</a:t>
             </a:fld>
             <a:endParaRPr lang="en-US" dirty="0"/>
           </a:p>
@@ -2221,9 +2574,9 @@
           <a:bodyPr/>
           <a:lstStyle/>
           <a:p>
-            <a:fld id="{D1BE4249-C0D0-4B06-8692-E8BB871AF643}" type="datetimeFigureOut">
-              <a:rPr lang="en-US" dirty="0"/>
-              <a:t>5/27/2018</a:t>
+            <a:fld id="{94C63C8B-7741-4EDE-ABF2-3FD3383CE7DC}" type="datetime1">
+              <a:rPr lang="en-US" smtClean="0"/>
+              <a:t>5/28/2018</a:t>
             </a:fld>
             <a:endParaRPr lang="en-US" dirty="0"/>
           </a:p>
@@ -2573,9 +2926,9 @@
             </a:lvl1pPr>
           </a:lstStyle>
           <a:p>
-            <a:fld id="{042B0DB6-F5C7-45FB-8CF3-31B45F9C2DAC}" type="datetimeFigureOut">
-              <a:rPr lang="en-US" dirty="0"/>
-              <a:t>5/27/2018</a:t>
+            <a:fld id="{2AD190D3-C594-44D7-A8C9-B895BE13C0E8}" type="datetime1">
+              <a:rPr lang="en-US" smtClean="0"/>
+              <a:t>5/28/2018</a:t>
             </a:fld>
             <a:endParaRPr lang="en-US" dirty="0"/>
           </a:p>
@@ -2809,9 +3162,9 @@
             </a:lvl1pPr>
           </a:lstStyle>
           <a:p>
-            <a:fld id="{1160EA64-D806-43AC-9DF2-F8C432F32B4C}" type="datetimeFigureOut">
-              <a:rPr lang="en-US" dirty="0"/>
-              <a:t>5/27/2018</a:t>
+            <a:fld id="{E000EC9F-4ECD-4BC9-B42E-2100367D6561}" type="datetime1">
+              <a:rPr lang="en-US" smtClean="0"/>
+              <a:t>5/28/2018</a:t>
             </a:fld>
             <a:endParaRPr lang="en-US" dirty="0"/>
           </a:p>
@@ -6981,13 +7334,8 @@
             <a:pPr algn="ctr"/>
             <a:r>
               <a:rPr lang="fr-FR" dirty="0"/>
-              <a:t>a </a:t>
-            </a:r>
-            <a:r>
-              <a:rPr lang="fr-FR" dirty="0" err="1"/>
-              <a:t>a</a:t>
-            </a:r>
-            <a:endParaRPr lang="fr-FR" dirty="0"/>
+              <a:t>a a</a:t>
+            </a:r>
           </a:p>
         </p:txBody>
       </p:sp>
@@ -7334,7 +7682,7 @@
             <a:pPr algn="ctr"/>
             <a:r>
               <a:rPr lang="fr-FR" dirty="0"/>
-              <a:t>Mot mène à l’état donc retourne  vrai </a:t>
+              <a:t>Mot mène à l’état final donc retourne  vrai </a:t>
             </a:r>
           </a:p>
         </p:txBody>
@@ -8315,7 +8663,7 @@
         </p:nvSpPr>
         <p:spPr>
           <a:xfrm>
-            <a:off x="4842177" y="5897544"/>
+            <a:off x="6697480" y="3429000"/>
             <a:ext cx="2507645" cy="646331"/>
           </a:xfrm>
           <a:prstGeom prst="rect">
@@ -8333,1021 +8681,6 @@
             <a:r>
               <a:rPr lang="fr-FR" dirty="0"/>
               <a:t>Nous voulons aller de la salle 1 à la salle 5</a:t>
-            </a:r>
-          </a:p>
-        </p:txBody>
-      </p:sp>
-      <p:grpSp>
-        <p:nvGrpSpPr>
-          <p:cNvPr id="19" name="Group 18">
-            <a:extLst>
-              <a:ext uri="{FF2B5EF4-FFF2-40B4-BE49-F238E27FC236}">
-                <a16:creationId xmlns:a16="http://schemas.microsoft.com/office/drawing/2014/main" id="{196A8E6A-BE9E-4A47-8B1A-2B3873CB132E}"/>
-              </a:ext>
-            </a:extLst>
-          </p:cNvPr>
-          <p:cNvGrpSpPr/>
-          <p:nvPr/>
-        </p:nvGrpSpPr>
-        <p:grpSpPr>
-          <a:xfrm>
-            <a:off x="2231136" y="2828878"/>
-            <a:ext cx="2728140" cy="2418099"/>
-            <a:chOff x="212034" y="3428999"/>
-            <a:chExt cx="3213651" cy="2848434"/>
-          </a:xfrm>
-        </p:grpSpPr>
-        <p:sp>
-          <p:nvSpPr>
-            <p:cNvPr id="9" name="Rectangle 8">
-              <a:extLst>
-                <a:ext uri="{FF2B5EF4-FFF2-40B4-BE49-F238E27FC236}">
-                  <a16:creationId xmlns:a16="http://schemas.microsoft.com/office/drawing/2014/main" id="{CB6248B5-B38D-427C-9507-F8B8DC006B07}"/>
-                </a:ext>
-              </a:extLst>
-            </p:cNvPr>
-            <p:cNvSpPr/>
-            <p:nvPr/>
-          </p:nvSpPr>
-          <p:spPr>
-            <a:xfrm>
-              <a:off x="443945" y="3985590"/>
-              <a:ext cx="125897" cy="1047766"/>
-            </a:xfrm>
-            <a:prstGeom prst="rect">
-              <a:avLst/>
-            </a:prstGeom>
-            <a:solidFill>
-              <a:schemeClr val="bg1">
-                <a:lumMod val="85000"/>
-              </a:schemeClr>
-            </a:solidFill>
-            <a:ln>
-              <a:noFill/>
-            </a:ln>
-          </p:spPr>
-          <p:style>
-            <a:lnRef idx="2">
-              <a:schemeClr val="accent6"/>
-            </a:lnRef>
-            <a:fillRef idx="1">
-              <a:schemeClr val="lt1"/>
-            </a:fillRef>
-            <a:effectRef idx="0">
-              <a:schemeClr val="accent6"/>
-            </a:effectRef>
-            <a:fontRef idx="minor">
-              <a:schemeClr val="dk1"/>
-            </a:fontRef>
-          </p:style>
-          <p:txBody>
-            <a:bodyPr rtlCol="0" anchor="ctr"/>
-            <a:lstStyle/>
-            <a:p>
-              <a:pPr algn="ctr"/>
-              <a:endParaRPr lang="fr-FR"/>
-            </a:p>
-          </p:txBody>
-        </p:sp>
-        <p:sp>
-          <p:nvSpPr>
-            <p:cNvPr id="10" name="Rectangle 9">
-              <a:extLst>
-                <a:ext uri="{FF2B5EF4-FFF2-40B4-BE49-F238E27FC236}">
-                  <a16:creationId xmlns:a16="http://schemas.microsoft.com/office/drawing/2014/main" id="{1062AB1E-624E-464D-9FD3-B834395E93EC}"/>
-                </a:ext>
-              </a:extLst>
-            </p:cNvPr>
-            <p:cNvSpPr/>
-            <p:nvPr/>
-          </p:nvSpPr>
-          <p:spPr>
-            <a:xfrm rot="5400000">
-              <a:off x="645318" y="4706087"/>
-              <a:ext cx="125897" cy="528644"/>
-            </a:xfrm>
-            <a:prstGeom prst="rect">
-              <a:avLst/>
-            </a:prstGeom>
-            <a:solidFill>
-              <a:schemeClr val="bg1">
-                <a:lumMod val="85000"/>
-              </a:schemeClr>
-            </a:solidFill>
-            <a:ln>
-              <a:noFill/>
-            </a:ln>
-          </p:spPr>
-          <p:style>
-            <a:lnRef idx="2">
-              <a:schemeClr val="accent6"/>
-            </a:lnRef>
-            <a:fillRef idx="1">
-              <a:schemeClr val="lt1"/>
-            </a:fillRef>
-            <a:effectRef idx="0">
-              <a:schemeClr val="accent6"/>
-            </a:effectRef>
-            <a:fontRef idx="minor">
-              <a:schemeClr val="dk1"/>
-            </a:fontRef>
-          </p:style>
-          <p:txBody>
-            <a:bodyPr rtlCol="0" anchor="ctr"/>
-            <a:lstStyle/>
-            <a:p>
-              <a:pPr algn="ctr"/>
-              <a:endParaRPr lang="fr-FR"/>
-            </a:p>
-          </p:txBody>
-        </p:sp>
-        <p:sp>
-          <p:nvSpPr>
-            <p:cNvPr id="11" name="Rectangle 10">
-              <a:extLst>
-                <a:ext uri="{FF2B5EF4-FFF2-40B4-BE49-F238E27FC236}">
-                  <a16:creationId xmlns:a16="http://schemas.microsoft.com/office/drawing/2014/main" id="{1E9D4043-9756-4DC5-A8FB-99E49FFCE694}"/>
-                </a:ext>
-              </a:extLst>
-            </p:cNvPr>
-            <p:cNvSpPr/>
-            <p:nvPr/>
-          </p:nvSpPr>
-          <p:spPr>
-            <a:xfrm rot="5400000">
-              <a:off x="1242853" y="3088925"/>
-              <a:ext cx="125897" cy="1135050"/>
-            </a:xfrm>
-            <a:prstGeom prst="rect">
-              <a:avLst/>
-            </a:prstGeom>
-            <a:solidFill>
-              <a:schemeClr val="bg1">
-                <a:lumMod val="85000"/>
-              </a:schemeClr>
-            </a:solidFill>
-            <a:ln>
-              <a:noFill/>
-            </a:ln>
-          </p:spPr>
-          <p:style>
-            <a:lnRef idx="2">
-              <a:schemeClr val="accent6"/>
-            </a:lnRef>
-            <a:fillRef idx="1">
-              <a:schemeClr val="lt1"/>
-            </a:fillRef>
-            <a:effectRef idx="0">
-              <a:schemeClr val="accent6"/>
-            </a:effectRef>
-            <a:fontRef idx="minor">
-              <a:schemeClr val="dk1"/>
-            </a:fontRef>
-          </p:style>
-          <p:txBody>
-            <a:bodyPr rtlCol="0" anchor="ctr"/>
-            <a:lstStyle/>
-            <a:p>
-              <a:pPr algn="ctr"/>
-              <a:endParaRPr lang="fr-FR" dirty="0"/>
-            </a:p>
-          </p:txBody>
-        </p:sp>
-        <p:sp>
-          <p:nvSpPr>
-            <p:cNvPr id="12" name="Rectangle 11">
-              <a:extLst>
-                <a:ext uri="{FF2B5EF4-FFF2-40B4-BE49-F238E27FC236}">
-                  <a16:creationId xmlns:a16="http://schemas.microsoft.com/office/drawing/2014/main" id="{6765EA15-8EBC-41F9-8FBB-F4EE780313DE}"/>
-                </a:ext>
-              </a:extLst>
-            </p:cNvPr>
-            <p:cNvSpPr/>
-            <p:nvPr/>
-          </p:nvSpPr>
-          <p:spPr>
-            <a:xfrm rot="5400000">
-              <a:off x="2117470" y="4398288"/>
-              <a:ext cx="125897" cy="1241939"/>
-            </a:xfrm>
-            <a:prstGeom prst="rect">
-              <a:avLst/>
-            </a:prstGeom>
-            <a:solidFill>
-              <a:schemeClr val="bg1">
-                <a:lumMod val="85000"/>
-              </a:schemeClr>
-            </a:solidFill>
-            <a:ln>
-              <a:noFill/>
-            </a:ln>
-          </p:spPr>
-          <p:style>
-            <a:lnRef idx="2">
-              <a:schemeClr val="accent6"/>
-            </a:lnRef>
-            <a:fillRef idx="1">
-              <a:schemeClr val="lt1"/>
-            </a:fillRef>
-            <a:effectRef idx="0">
-              <a:schemeClr val="accent6"/>
-            </a:effectRef>
-            <a:fontRef idx="minor">
-              <a:schemeClr val="dk1"/>
-            </a:fontRef>
-          </p:style>
-          <p:txBody>
-            <a:bodyPr rtlCol="0" anchor="ctr"/>
-            <a:lstStyle/>
-            <a:p>
-              <a:pPr algn="ctr"/>
-              <a:endParaRPr lang="fr-FR"/>
-            </a:p>
-          </p:txBody>
-        </p:sp>
-        <p:sp>
-          <p:nvSpPr>
-            <p:cNvPr id="13" name="Rectangle 12">
-              <a:extLst>
-                <a:ext uri="{FF2B5EF4-FFF2-40B4-BE49-F238E27FC236}">
-                  <a16:creationId xmlns:a16="http://schemas.microsoft.com/office/drawing/2014/main" id="{3356699D-37D2-4044-AC86-D371ACB79079}"/>
-                </a:ext>
-              </a:extLst>
-            </p:cNvPr>
-            <p:cNvSpPr/>
-            <p:nvPr/>
-          </p:nvSpPr>
-          <p:spPr>
-            <a:xfrm>
-              <a:off x="1348409" y="4330931"/>
-              <a:ext cx="125897" cy="639478"/>
-            </a:xfrm>
-            <a:prstGeom prst="rect">
-              <a:avLst/>
-            </a:prstGeom>
-            <a:solidFill>
-              <a:schemeClr val="bg1">
-                <a:lumMod val="85000"/>
-              </a:schemeClr>
-            </a:solidFill>
-            <a:ln>
-              <a:noFill/>
-            </a:ln>
-          </p:spPr>
-          <p:style>
-            <a:lnRef idx="2">
-              <a:schemeClr val="accent6"/>
-            </a:lnRef>
-            <a:fillRef idx="1">
-              <a:schemeClr val="lt1"/>
-            </a:fillRef>
-            <a:effectRef idx="0">
-              <a:schemeClr val="accent6"/>
-            </a:effectRef>
-            <a:fontRef idx="minor">
-              <a:schemeClr val="dk1"/>
-            </a:fontRef>
-          </p:style>
-          <p:txBody>
-            <a:bodyPr rtlCol="0" anchor="ctr"/>
-            <a:lstStyle/>
-            <a:p>
-              <a:pPr algn="ctr"/>
-              <a:endParaRPr lang="fr-FR"/>
-            </a:p>
-          </p:txBody>
-        </p:sp>
-        <p:sp>
-          <p:nvSpPr>
-            <p:cNvPr id="14" name="Rectangle 13">
-              <a:extLst>
-                <a:ext uri="{FF2B5EF4-FFF2-40B4-BE49-F238E27FC236}">
-                  <a16:creationId xmlns:a16="http://schemas.microsoft.com/office/drawing/2014/main" id="{FDA81980-6231-4962-A92E-C8B9042D01A8}"/>
-                </a:ext>
-              </a:extLst>
-            </p:cNvPr>
-            <p:cNvSpPr/>
-            <p:nvPr/>
-          </p:nvSpPr>
-          <p:spPr>
-            <a:xfrm rot="5400000">
-              <a:off x="1604199" y="4077927"/>
-              <a:ext cx="125897" cy="637478"/>
-            </a:xfrm>
-            <a:prstGeom prst="rect">
-              <a:avLst/>
-            </a:prstGeom>
-            <a:solidFill>
-              <a:schemeClr val="bg1">
-                <a:lumMod val="85000"/>
-              </a:schemeClr>
-            </a:solidFill>
-            <a:ln>
-              <a:noFill/>
-            </a:ln>
-          </p:spPr>
-          <p:style>
-            <a:lnRef idx="2">
-              <a:schemeClr val="accent6"/>
-            </a:lnRef>
-            <a:fillRef idx="1">
-              <a:schemeClr val="lt1"/>
-            </a:fillRef>
-            <a:effectRef idx="0">
-              <a:schemeClr val="accent6"/>
-            </a:effectRef>
-            <a:fontRef idx="minor">
-              <a:schemeClr val="dk1"/>
-            </a:fontRef>
-          </p:style>
-          <p:txBody>
-            <a:bodyPr rtlCol="0" anchor="ctr"/>
-            <a:lstStyle/>
-            <a:p>
-              <a:pPr algn="ctr"/>
-              <a:endParaRPr lang="fr-FR"/>
-            </a:p>
-          </p:txBody>
-        </p:sp>
-        <p:sp>
-          <p:nvSpPr>
-            <p:cNvPr id="15" name="Rectangle 14">
-              <a:extLst>
-                <a:ext uri="{FF2B5EF4-FFF2-40B4-BE49-F238E27FC236}">
-                  <a16:creationId xmlns:a16="http://schemas.microsoft.com/office/drawing/2014/main" id="{8814D817-E5EA-4C9C-B1D6-B3B92E30D87B}"/>
-                </a:ext>
-              </a:extLst>
-            </p:cNvPr>
-            <p:cNvSpPr/>
-            <p:nvPr/>
-          </p:nvSpPr>
-          <p:spPr>
-            <a:xfrm>
-              <a:off x="1859990" y="3898306"/>
-              <a:ext cx="125897" cy="561309"/>
-            </a:xfrm>
-            <a:prstGeom prst="rect">
-              <a:avLst/>
-            </a:prstGeom>
-            <a:solidFill>
-              <a:schemeClr val="bg1">
-                <a:lumMod val="85000"/>
-              </a:schemeClr>
-            </a:solidFill>
-            <a:ln>
-              <a:noFill/>
-            </a:ln>
-          </p:spPr>
-          <p:style>
-            <a:lnRef idx="2">
-              <a:schemeClr val="accent6"/>
-            </a:lnRef>
-            <a:fillRef idx="1">
-              <a:schemeClr val="lt1"/>
-            </a:fillRef>
-            <a:effectRef idx="0">
-              <a:schemeClr val="accent6"/>
-            </a:effectRef>
-            <a:fontRef idx="minor">
-              <a:schemeClr val="dk1"/>
-            </a:fontRef>
-          </p:style>
-          <p:txBody>
-            <a:bodyPr rtlCol="0" anchor="ctr"/>
-            <a:lstStyle/>
-            <a:p>
-              <a:pPr algn="ctr"/>
-              <a:endParaRPr lang="fr-FR"/>
-            </a:p>
-          </p:txBody>
-        </p:sp>
-        <p:sp>
-          <p:nvSpPr>
-            <p:cNvPr id="7" name="Rectangle 6">
-              <a:extLst>
-                <a:ext uri="{FF2B5EF4-FFF2-40B4-BE49-F238E27FC236}">
-                  <a16:creationId xmlns:a16="http://schemas.microsoft.com/office/drawing/2014/main" id="{0E80FF66-0545-4D9D-B7F1-F13AC17E8B95}"/>
-                </a:ext>
-              </a:extLst>
-            </p:cNvPr>
-            <p:cNvSpPr/>
-            <p:nvPr/>
-          </p:nvSpPr>
-          <p:spPr>
-            <a:xfrm>
-              <a:off x="2710068" y="4747590"/>
-              <a:ext cx="715617" cy="556591"/>
-            </a:xfrm>
-            <a:prstGeom prst="rect">
-              <a:avLst/>
-            </a:prstGeom>
-          </p:spPr>
-          <p:style>
-            <a:lnRef idx="2">
-              <a:schemeClr val="accent1">
-                <a:shade val="50000"/>
-              </a:schemeClr>
-            </a:lnRef>
-            <a:fillRef idx="1">
-              <a:schemeClr val="accent1"/>
-            </a:fillRef>
-            <a:effectRef idx="0">
-              <a:schemeClr val="accent1"/>
-            </a:effectRef>
-            <a:fontRef idx="minor">
-              <a:schemeClr val="lt1"/>
-            </a:fontRef>
-          </p:style>
-          <p:txBody>
-            <a:bodyPr rtlCol="0" anchor="ctr"/>
-            <a:lstStyle/>
-            <a:p>
-              <a:pPr algn="ctr"/>
-              <a:r>
-                <a:rPr lang="fr-FR" dirty="0"/>
-                <a:t>Salle</a:t>
-              </a:r>
-            </a:p>
-            <a:p>
-              <a:pPr algn="ctr"/>
-              <a:r>
-                <a:rPr lang="fr-FR" dirty="0"/>
-                <a:t>4</a:t>
-              </a:r>
-            </a:p>
-          </p:txBody>
-        </p:sp>
-        <p:sp>
-          <p:nvSpPr>
-            <p:cNvPr id="16" name="Rectangle 15">
-              <a:extLst>
-                <a:ext uri="{FF2B5EF4-FFF2-40B4-BE49-F238E27FC236}">
-                  <a16:creationId xmlns:a16="http://schemas.microsoft.com/office/drawing/2014/main" id="{FFEB8D4C-7DD3-4D7E-B61B-B1A4C77A48C8}"/>
-                </a:ext>
-              </a:extLst>
-            </p:cNvPr>
-            <p:cNvSpPr/>
-            <p:nvPr/>
-          </p:nvSpPr>
-          <p:spPr>
-            <a:xfrm>
-              <a:off x="1242852" y="5221615"/>
-              <a:ext cx="125897" cy="639478"/>
-            </a:xfrm>
-            <a:prstGeom prst="rect">
-              <a:avLst/>
-            </a:prstGeom>
-            <a:solidFill>
-              <a:schemeClr val="bg1">
-                <a:lumMod val="85000"/>
-              </a:schemeClr>
-            </a:solidFill>
-            <a:ln>
-              <a:noFill/>
-            </a:ln>
-          </p:spPr>
-          <p:style>
-            <a:lnRef idx="2">
-              <a:schemeClr val="accent6"/>
-            </a:lnRef>
-            <a:fillRef idx="1">
-              <a:schemeClr val="lt1"/>
-            </a:fillRef>
-            <a:effectRef idx="0">
-              <a:schemeClr val="accent6"/>
-            </a:effectRef>
-            <a:fontRef idx="minor">
-              <a:schemeClr val="dk1"/>
-            </a:fontRef>
-          </p:style>
-          <p:txBody>
-            <a:bodyPr rtlCol="0" anchor="ctr"/>
-            <a:lstStyle/>
-            <a:p>
-              <a:pPr algn="ctr"/>
-              <a:endParaRPr lang="fr-FR"/>
-            </a:p>
-          </p:txBody>
-        </p:sp>
-        <p:sp>
-          <p:nvSpPr>
-            <p:cNvPr id="5" name="Rectangle 4">
-              <a:extLst>
-                <a:ext uri="{FF2B5EF4-FFF2-40B4-BE49-F238E27FC236}">
-                  <a16:creationId xmlns:a16="http://schemas.microsoft.com/office/drawing/2014/main" id="{19237A1F-7D33-432E-8B7B-652D62F72FDE}"/>
-                </a:ext>
-              </a:extLst>
-            </p:cNvPr>
-            <p:cNvSpPr/>
-            <p:nvPr/>
-          </p:nvSpPr>
-          <p:spPr>
-            <a:xfrm>
-              <a:off x="927651" y="4747591"/>
-              <a:ext cx="715617" cy="556591"/>
-            </a:xfrm>
-            <a:prstGeom prst="rect">
-              <a:avLst/>
-            </a:prstGeom>
-          </p:spPr>
-          <p:style>
-            <a:lnRef idx="2">
-              <a:schemeClr val="accent1">
-                <a:shade val="50000"/>
-              </a:schemeClr>
-            </a:lnRef>
-            <a:fillRef idx="1">
-              <a:schemeClr val="accent1"/>
-            </a:fillRef>
-            <a:effectRef idx="0">
-              <a:schemeClr val="accent1"/>
-            </a:effectRef>
-            <a:fontRef idx="minor">
-              <a:schemeClr val="lt1"/>
-            </a:fontRef>
-          </p:style>
-          <p:txBody>
-            <a:bodyPr rtlCol="0" anchor="ctr"/>
-            <a:lstStyle/>
-            <a:p>
-              <a:pPr algn="ctr"/>
-              <a:r>
-                <a:rPr lang="fr-FR" dirty="0"/>
-                <a:t>Salle</a:t>
-              </a:r>
-            </a:p>
-            <a:p>
-              <a:pPr algn="ctr"/>
-              <a:r>
-                <a:rPr lang="fr-FR" dirty="0"/>
-                <a:t>3</a:t>
-              </a:r>
-            </a:p>
-          </p:txBody>
-        </p:sp>
-        <p:sp>
-          <p:nvSpPr>
-            <p:cNvPr id="8" name="Rectangle 7">
-              <a:extLst>
-                <a:ext uri="{FF2B5EF4-FFF2-40B4-BE49-F238E27FC236}">
-                  <a16:creationId xmlns:a16="http://schemas.microsoft.com/office/drawing/2014/main" id="{5476A31A-7C4B-436D-A312-5BB16D00A3E5}"/>
-                </a:ext>
-              </a:extLst>
-            </p:cNvPr>
-            <p:cNvSpPr/>
-            <p:nvPr/>
-          </p:nvSpPr>
-          <p:spPr>
-            <a:xfrm>
-              <a:off x="927650" y="5720842"/>
-              <a:ext cx="715617" cy="556591"/>
-            </a:xfrm>
-            <a:prstGeom prst="rect">
-              <a:avLst/>
-            </a:prstGeom>
-          </p:spPr>
-          <p:style>
-            <a:lnRef idx="2">
-              <a:schemeClr val="accent3">
-                <a:shade val="50000"/>
-              </a:schemeClr>
-            </a:lnRef>
-            <a:fillRef idx="1">
-              <a:schemeClr val="accent3"/>
-            </a:fillRef>
-            <a:effectRef idx="0">
-              <a:schemeClr val="accent3"/>
-            </a:effectRef>
-            <a:fontRef idx="minor">
-              <a:schemeClr val="lt1"/>
-            </a:fontRef>
-          </p:style>
-          <p:txBody>
-            <a:bodyPr rtlCol="0" anchor="ctr"/>
-            <a:lstStyle/>
-            <a:p>
-              <a:pPr algn="ctr"/>
-              <a:r>
-                <a:rPr lang="fr-FR" dirty="0"/>
-                <a:t>Salle 5</a:t>
-              </a:r>
-            </a:p>
-          </p:txBody>
-        </p:sp>
-        <p:sp>
-          <p:nvSpPr>
-            <p:cNvPr id="4" name="Rectangle 3">
-              <a:extLst>
-                <a:ext uri="{FF2B5EF4-FFF2-40B4-BE49-F238E27FC236}">
-                  <a16:creationId xmlns:a16="http://schemas.microsoft.com/office/drawing/2014/main" id="{80004319-9F95-4B20-8081-A6B4786A4516}"/>
-                </a:ext>
-              </a:extLst>
-            </p:cNvPr>
-            <p:cNvSpPr/>
-            <p:nvPr/>
-          </p:nvSpPr>
-          <p:spPr>
-            <a:xfrm>
-              <a:off x="212034" y="3429000"/>
-              <a:ext cx="715617" cy="556591"/>
-            </a:xfrm>
-            <a:prstGeom prst="rect">
-              <a:avLst/>
-            </a:prstGeom>
-            <a:solidFill>
-              <a:srgbClr val="92D050"/>
-            </a:solidFill>
-            <a:ln>
-              <a:solidFill>
-                <a:srgbClr val="00B050"/>
-              </a:solidFill>
-            </a:ln>
-          </p:spPr>
-          <p:style>
-            <a:lnRef idx="2">
-              <a:schemeClr val="accent1">
-                <a:shade val="50000"/>
-              </a:schemeClr>
-            </a:lnRef>
-            <a:fillRef idx="1">
-              <a:schemeClr val="accent1"/>
-            </a:fillRef>
-            <a:effectRef idx="0">
-              <a:schemeClr val="accent1"/>
-            </a:effectRef>
-            <a:fontRef idx="minor">
-              <a:schemeClr val="lt1"/>
-            </a:fontRef>
-          </p:style>
-          <p:txBody>
-            <a:bodyPr rtlCol="0" anchor="ctr"/>
-            <a:lstStyle/>
-            <a:p>
-              <a:pPr algn="ctr"/>
-              <a:r>
-                <a:rPr lang="fr-FR" dirty="0"/>
-                <a:t>Salle 1</a:t>
-              </a:r>
-            </a:p>
-          </p:txBody>
-        </p:sp>
-        <p:sp>
-          <p:nvSpPr>
-            <p:cNvPr id="6" name="Rectangle 5">
-              <a:extLst>
-                <a:ext uri="{FF2B5EF4-FFF2-40B4-BE49-F238E27FC236}">
-                  <a16:creationId xmlns:a16="http://schemas.microsoft.com/office/drawing/2014/main" id="{FEB970F7-B7D9-45E0-AE2E-89AFA951FD10}"/>
-                </a:ext>
-              </a:extLst>
-            </p:cNvPr>
-            <p:cNvSpPr/>
-            <p:nvPr/>
-          </p:nvSpPr>
-          <p:spPr>
-            <a:xfrm>
-              <a:off x="1643268" y="3428999"/>
-              <a:ext cx="715617" cy="556591"/>
-            </a:xfrm>
-            <a:prstGeom prst="rect">
-              <a:avLst/>
-            </a:prstGeom>
-          </p:spPr>
-          <p:style>
-            <a:lnRef idx="2">
-              <a:schemeClr val="accent1">
-                <a:shade val="50000"/>
-              </a:schemeClr>
-            </a:lnRef>
-            <a:fillRef idx="1">
-              <a:schemeClr val="accent1"/>
-            </a:fillRef>
-            <a:effectRef idx="0">
-              <a:schemeClr val="accent1"/>
-            </a:effectRef>
-            <a:fontRef idx="minor">
-              <a:schemeClr val="lt1"/>
-            </a:fontRef>
-          </p:style>
-          <p:txBody>
-            <a:bodyPr rtlCol="0" anchor="ctr"/>
-            <a:lstStyle/>
-            <a:p>
-              <a:pPr algn="ctr"/>
-              <a:r>
-                <a:rPr lang="fr-FR" dirty="0"/>
-                <a:t>Salle</a:t>
-              </a:r>
-            </a:p>
-            <a:p>
-              <a:pPr algn="ctr"/>
-              <a:r>
-                <a:rPr lang="fr-FR" dirty="0"/>
-                <a:t>2</a:t>
-              </a:r>
-            </a:p>
-          </p:txBody>
-        </p:sp>
-      </p:grpSp>
-      <p:sp>
-        <p:nvSpPr>
-          <p:cNvPr id="3" name="TextBox 2">
-            <a:extLst>
-              <a:ext uri="{FF2B5EF4-FFF2-40B4-BE49-F238E27FC236}">
-                <a16:creationId xmlns:a16="http://schemas.microsoft.com/office/drawing/2014/main" id="{7E030EAC-FDC8-434C-AB0E-9F809F52DF23}"/>
-              </a:ext>
-            </a:extLst>
-          </p:cNvPr>
-          <p:cNvSpPr txBox="1"/>
-          <p:nvPr/>
-        </p:nvSpPr>
-        <p:spPr>
-          <a:xfrm>
-            <a:off x="3008006" y="2687713"/>
-            <a:ext cx="277372" cy="338554"/>
-          </a:xfrm>
-          <a:prstGeom prst="rect">
-            <a:avLst/>
-          </a:prstGeom>
-          <a:noFill/>
-        </p:spPr>
-        <p:txBody>
-          <a:bodyPr wrap="square" rtlCol="0">
-            <a:spAutoFit/>
-          </a:bodyPr>
-          <a:lstStyle/>
-          <a:p>
-            <a:r>
-              <a:rPr lang="fr-FR" sz="1600" dirty="0"/>
-              <a:t>a</a:t>
-            </a:r>
-          </a:p>
-        </p:txBody>
-      </p:sp>
-      <p:sp>
-        <p:nvSpPr>
-          <p:cNvPr id="34" name="TextBox 33">
-            <a:extLst>
-              <a:ext uri="{FF2B5EF4-FFF2-40B4-BE49-F238E27FC236}">
-                <a16:creationId xmlns:a16="http://schemas.microsoft.com/office/drawing/2014/main" id="{22EDAA28-5C93-43AE-BBA7-2109C84ADFD3}"/>
-              </a:ext>
-            </a:extLst>
-          </p:cNvPr>
-          <p:cNvSpPr txBox="1"/>
-          <p:nvPr/>
-        </p:nvSpPr>
-        <p:spPr>
-          <a:xfrm>
-            <a:off x="2150637" y="3534514"/>
-            <a:ext cx="277372" cy="338554"/>
-          </a:xfrm>
-          <a:prstGeom prst="rect">
-            <a:avLst/>
-          </a:prstGeom>
-          <a:noFill/>
-        </p:spPr>
-        <p:txBody>
-          <a:bodyPr wrap="square" rtlCol="0">
-            <a:spAutoFit/>
-          </a:bodyPr>
-          <a:lstStyle/>
-          <a:p>
-            <a:r>
-              <a:rPr lang="fr-FR" sz="1600" dirty="0"/>
-              <a:t>b</a:t>
-            </a:r>
-          </a:p>
-        </p:txBody>
-      </p:sp>
-      <p:sp>
-        <p:nvSpPr>
-          <p:cNvPr id="35" name="TextBox 34">
-            <a:extLst>
-              <a:ext uri="{FF2B5EF4-FFF2-40B4-BE49-F238E27FC236}">
-                <a16:creationId xmlns:a16="http://schemas.microsoft.com/office/drawing/2014/main" id="{2A4154A5-40DA-4240-A2B9-6AC67BFE3287}"/>
-              </a:ext>
-            </a:extLst>
-          </p:cNvPr>
-          <p:cNvSpPr txBox="1"/>
-          <p:nvPr/>
-        </p:nvSpPr>
-        <p:spPr>
-          <a:xfrm>
-            <a:off x="2530285" y="3527427"/>
-            <a:ext cx="277372" cy="338554"/>
-          </a:xfrm>
-          <a:prstGeom prst="rect">
-            <a:avLst/>
-          </a:prstGeom>
-          <a:noFill/>
-        </p:spPr>
-        <p:txBody>
-          <a:bodyPr wrap="square" rtlCol="0">
-            <a:spAutoFit/>
-          </a:bodyPr>
-          <a:lstStyle/>
-          <a:p>
-            <a:r>
-              <a:rPr lang="fr-FR" sz="1600" dirty="0"/>
-              <a:t>a</a:t>
-            </a:r>
-          </a:p>
-        </p:txBody>
-      </p:sp>
-      <p:cxnSp>
-        <p:nvCxnSpPr>
-          <p:cNvPr id="24" name="Straight Arrow Connector 23">
-            <a:extLst>
-              <a:ext uri="{FF2B5EF4-FFF2-40B4-BE49-F238E27FC236}">
-                <a16:creationId xmlns:a16="http://schemas.microsoft.com/office/drawing/2014/main" id="{BB3A78B4-BCF8-4604-9ED8-3BC6AE5F0BF6}"/>
-              </a:ext>
-            </a:extLst>
-          </p:cNvPr>
-          <p:cNvCxnSpPr>
-            <a:cxnSpLocks/>
-          </p:cNvCxnSpPr>
-          <p:nvPr/>
-        </p:nvCxnSpPr>
-        <p:spPr>
-          <a:xfrm>
-            <a:off x="2428009" y="3404371"/>
-            <a:ext cx="0" cy="584666"/>
-          </a:xfrm>
-          <a:prstGeom prst="straightConnector1">
-            <a:avLst/>
-          </a:prstGeom>
-          <a:ln>
-            <a:tailEnd type="triangle"/>
-          </a:ln>
-        </p:spPr>
-        <p:style>
-          <a:lnRef idx="1">
-            <a:schemeClr val="accent1"/>
-          </a:lnRef>
-          <a:fillRef idx="0">
-            <a:schemeClr val="accent1"/>
-          </a:fillRef>
-          <a:effectRef idx="0">
-            <a:schemeClr val="accent1"/>
-          </a:effectRef>
-          <a:fontRef idx="minor">
-            <a:schemeClr val="tx1"/>
-          </a:fontRef>
-        </p:style>
-      </p:cxnSp>
-      <p:cxnSp>
-        <p:nvCxnSpPr>
-          <p:cNvPr id="38" name="Straight Arrow Connector 37">
-            <a:extLst>
-              <a:ext uri="{FF2B5EF4-FFF2-40B4-BE49-F238E27FC236}">
-                <a16:creationId xmlns:a16="http://schemas.microsoft.com/office/drawing/2014/main" id="{2101BA79-6095-4532-9144-9DC24BC606BB}"/>
-              </a:ext>
-            </a:extLst>
-          </p:cNvPr>
-          <p:cNvCxnSpPr>
-            <a:cxnSpLocks/>
-          </p:cNvCxnSpPr>
-          <p:nvPr/>
-        </p:nvCxnSpPr>
-        <p:spPr>
-          <a:xfrm flipH="1" flipV="1">
-            <a:off x="2523514" y="3384711"/>
-            <a:ext cx="5239" cy="623985"/>
-          </a:xfrm>
-          <a:prstGeom prst="straightConnector1">
-            <a:avLst/>
-          </a:prstGeom>
-          <a:ln>
-            <a:tailEnd type="triangle"/>
-          </a:ln>
-        </p:spPr>
-        <p:style>
-          <a:lnRef idx="1">
-            <a:schemeClr val="accent1"/>
-          </a:lnRef>
-          <a:fillRef idx="0">
-            <a:schemeClr val="accent1"/>
-          </a:fillRef>
-          <a:effectRef idx="0">
-            <a:schemeClr val="accent1"/>
-          </a:effectRef>
-          <a:fontRef idx="minor">
-            <a:schemeClr val="tx1"/>
-          </a:fontRef>
-        </p:style>
-      </p:cxnSp>
-      <p:cxnSp>
-        <p:nvCxnSpPr>
-          <p:cNvPr id="41" name="Straight Arrow Connector 40">
-            <a:extLst>
-              <a:ext uri="{FF2B5EF4-FFF2-40B4-BE49-F238E27FC236}">
-                <a16:creationId xmlns:a16="http://schemas.microsoft.com/office/drawing/2014/main" id="{BC11A620-B2BB-41CE-9DB8-325AD2E081EF}"/>
-              </a:ext>
-            </a:extLst>
-          </p:cNvPr>
-          <p:cNvCxnSpPr>
-            <a:cxnSpLocks/>
-          </p:cNvCxnSpPr>
-          <p:nvPr/>
-        </p:nvCxnSpPr>
-        <p:spPr>
-          <a:xfrm>
-            <a:off x="2885291" y="3064260"/>
-            <a:ext cx="517469" cy="869"/>
-          </a:xfrm>
-          <a:prstGeom prst="straightConnector1">
-            <a:avLst/>
-          </a:prstGeom>
-          <a:ln>
-            <a:tailEnd type="triangle"/>
-          </a:ln>
-        </p:spPr>
-        <p:style>
-          <a:lnRef idx="1">
-            <a:schemeClr val="accent1"/>
-          </a:lnRef>
-          <a:fillRef idx="0">
-            <a:schemeClr val="accent1"/>
-          </a:fillRef>
-          <a:effectRef idx="0">
-            <a:schemeClr val="accent1"/>
-          </a:effectRef>
-          <a:fontRef idx="minor">
-            <a:schemeClr val="tx1"/>
-          </a:fontRef>
-        </p:style>
-      </p:cxnSp>
-      <p:cxnSp>
-        <p:nvCxnSpPr>
-          <p:cNvPr id="46" name="Straight Arrow Connector 45">
-            <a:extLst>
-              <a:ext uri="{FF2B5EF4-FFF2-40B4-BE49-F238E27FC236}">
-                <a16:creationId xmlns:a16="http://schemas.microsoft.com/office/drawing/2014/main" id="{8B9763DA-13E8-4F67-AA7B-1DA7EF31BE22}"/>
-              </a:ext>
-            </a:extLst>
-          </p:cNvPr>
-          <p:cNvCxnSpPr>
-            <a:cxnSpLocks/>
-          </p:cNvCxnSpPr>
-          <p:nvPr/>
-        </p:nvCxnSpPr>
-        <p:spPr>
-          <a:xfrm>
-            <a:off x="3723754" y="4231888"/>
-            <a:ext cx="517469" cy="869"/>
-          </a:xfrm>
-          <a:prstGeom prst="straightConnector1">
-            <a:avLst/>
-          </a:prstGeom>
-          <a:ln>
-            <a:tailEnd type="triangle"/>
-          </a:ln>
-        </p:spPr>
-        <p:style>
-          <a:lnRef idx="1">
-            <a:schemeClr val="accent1"/>
-          </a:lnRef>
-          <a:fillRef idx="0">
-            <a:schemeClr val="accent1"/>
-          </a:fillRef>
-          <a:effectRef idx="0">
-            <a:schemeClr val="accent1"/>
-          </a:effectRef>
-          <a:fontRef idx="minor">
-            <a:schemeClr val="tx1"/>
-          </a:fontRef>
-        </p:style>
-      </p:cxnSp>
-      <p:sp>
-        <p:nvSpPr>
-          <p:cNvPr id="47" name="TextBox 46">
-            <a:extLst>
-              <a:ext uri="{FF2B5EF4-FFF2-40B4-BE49-F238E27FC236}">
-                <a16:creationId xmlns:a16="http://schemas.microsoft.com/office/drawing/2014/main" id="{9CDDC0C0-048B-4F05-BC77-C2A0F5177B82}"/>
-              </a:ext>
-            </a:extLst>
-          </p:cNvPr>
-          <p:cNvSpPr txBox="1"/>
-          <p:nvPr/>
-        </p:nvSpPr>
-        <p:spPr>
-          <a:xfrm>
-            <a:off x="3690880" y="3362038"/>
-            <a:ext cx="277372" cy="338554"/>
-          </a:xfrm>
-          <a:prstGeom prst="rect">
-            <a:avLst/>
-          </a:prstGeom>
-          <a:noFill/>
-        </p:spPr>
-        <p:txBody>
-          <a:bodyPr wrap="square" rtlCol="0">
-            <a:spAutoFit/>
-          </a:bodyPr>
-          <a:lstStyle/>
-          <a:p>
-            <a:r>
-              <a:rPr lang="fr-FR" sz="1600" dirty="0"/>
-              <a:t>c</a:t>
             </a:r>
           </a:p>
         </p:txBody>
@@ -9366,8 +8699,8 @@
         </p:nvSpPr>
         <p:spPr>
           <a:xfrm>
-            <a:off x="5729681" y="2850318"/>
-            <a:ext cx="5318620" cy="2031325"/>
+            <a:off x="4241223" y="5600055"/>
+            <a:ext cx="5318620" cy="615553"/>
           </a:xfrm>
           <a:prstGeom prst="rect">
             <a:avLst/>
@@ -9384,279 +8717,1276 @@
           </a:p>
           <a:p>
             <a:r>
-              <a:rPr lang="fr-FR" sz="1200" dirty="0"/>
-              <a:t>Une carte est composée d’un ensemble de salles et d’un ensemble de couloirs</a:t>
-            </a:r>
-          </a:p>
-          <a:p>
-            <a:r>
-              <a:rPr lang="fr-FR" sz="1200" dirty="0"/>
-              <a:t>— chaque couloir est étiqueté par une lettre d’un alphabet A donné</a:t>
-            </a:r>
-          </a:p>
-          <a:p>
-            <a:r>
-              <a:rPr lang="fr-FR" sz="1200" dirty="0"/>
-              <a:t>— un couloir ne peut être parcouru que dans un seul sens 1</a:t>
-            </a:r>
-          </a:p>
-          <a:p>
-            <a:r>
-              <a:rPr lang="fr-FR" sz="1200" dirty="0"/>
-              <a:t>Deux couloirs qui partent d’une même salle ne peuvent être étiquetés de</a:t>
-            </a:r>
-          </a:p>
-          <a:p>
-            <a:r>
-              <a:rPr lang="fr-FR" sz="1200" dirty="0"/>
-              <a:t>la même façon.</a:t>
-            </a:r>
-          </a:p>
-          <a:p>
-            <a:r>
-              <a:rPr lang="fr-FR" sz="1200" dirty="0"/>
-              <a:t>Une carte contient en particulier une salle de départ et une salle d’arrivée.</a:t>
-            </a:r>
-          </a:p>
-          <a:p>
-            <a:endParaRPr lang="fr-FR" dirty="0"/>
-          </a:p>
-          <a:p>
-            <a:r>
               <a:rPr lang="fr-FR" sz="1600" dirty="0"/>
               <a:t>Quel outil mathématique utiliser ?  </a:t>
             </a:r>
           </a:p>
         </p:txBody>
       </p:sp>
-      <p:cxnSp>
-        <p:nvCxnSpPr>
-          <p:cNvPr id="27" name="Straight Arrow Connector 26">
+      <p:grpSp>
+        <p:nvGrpSpPr>
+          <p:cNvPr id="18" name="Group 17">
             <a:extLst>
               <a:ext uri="{FF2B5EF4-FFF2-40B4-BE49-F238E27FC236}">
-                <a16:creationId xmlns:a16="http://schemas.microsoft.com/office/drawing/2014/main" id="{3C77D140-73EB-4F40-B31F-01CD1FFD30CA}"/>
+                <a16:creationId xmlns:a16="http://schemas.microsoft.com/office/drawing/2014/main" id="{49EF25CB-3E89-42EC-8086-807623447235}"/>
               </a:ext>
             </a:extLst>
           </p:cNvPr>
-          <p:cNvCxnSpPr>
-            <a:cxnSpLocks/>
-          </p:cNvCxnSpPr>
+          <p:cNvGrpSpPr/>
           <p:nvPr/>
-        </p:nvCxnSpPr>
-        <p:spPr>
-          <a:xfrm flipH="1">
-            <a:off x="3493530" y="3338478"/>
-            <a:ext cx="226222" cy="593216"/>
+        </p:nvGrpSpPr>
+        <p:grpSpPr>
+          <a:xfrm>
+            <a:off x="2150637" y="2687713"/>
+            <a:ext cx="2808639" cy="2559264"/>
+            <a:chOff x="2150637" y="2687713"/>
+            <a:chExt cx="2808639" cy="2559264"/>
           </a:xfrm>
-          <a:prstGeom prst="straightConnector1">
-            <a:avLst/>
-          </a:prstGeom>
-          <a:ln>
-            <a:tailEnd type="triangle"/>
-          </a:ln>
-        </p:spPr>
-        <p:style>
-          <a:lnRef idx="1">
-            <a:schemeClr val="accent1"/>
-          </a:lnRef>
-          <a:fillRef idx="0">
-            <a:schemeClr val="accent1"/>
-          </a:fillRef>
-          <a:effectRef idx="0">
-            <a:schemeClr val="accent1"/>
-          </a:effectRef>
-          <a:fontRef idx="minor">
-            <a:schemeClr val="tx1"/>
-          </a:fontRef>
-        </p:style>
-      </p:cxnSp>
-      <p:cxnSp>
-        <p:nvCxnSpPr>
-          <p:cNvPr id="29" name="Straight Arrow Connector 28">
-            <a:extLst>
-              <a:ext uri="{FF2B5EF4-FFF2-40B4-BE49-F238E27FC236}">
-                <a16:creationId xmlns:a16="http://schemas.microsoft.com/office/drawing/2014/main" id="{B540868B-2744-47A5-8943-0660462B4BFF}"/>
-              </a:ext>
-            </a:extLst>
-          </p:cNvPr>
-          <p:cNvCxnSpPr>
-            <a:cxnSpLocks/>
-          </p:cNvCxnSpPr>
-          <p:nvPr/>
-        </p:nvCxnSpPr>
-        <p:spPr>
-          <a:xfrm flipV="1">
-            <a:off x="3216881" y="4440941"/>
-            <a:ext cx="0" cy="302889"/>
-          </a:xfrm>
-          <a:prstGeom prst="straightConnector1">
-            <a:avLst/>
-          </a:prstGeom>
-          <a:ln>
-            <a:tailEnd type="triangle"/>
-          </a:ln>
-        </p:spPr>
-        <p:style>
-          <a:lnRef idx="1">
-            <a:schemeClr val="accent1"/>
-          </a:lnRef>
-          <a:fillRef idx="0">
-            <a:schemeClr val="accent1"/>
-          </a:fillRef>
-          <a:effectRef idx="0">
-            <a:schemeClr val="accent1"/>
-          </a:effectRef>
-          <a:fontRef idx="minor">
-            <a:schemeClr val="tx1"/>
-          </a:fontRef>
-        </p:style>
-      </p:cxnSp>
-      <p:cxnSp>
-        <p:nvCxnSpPr>
-          <p:cNvPr id="33" name="Straight Arrow Connector 32">
-            <a:extLst>
-              <a:ext uri="{FF2B5EF4-FFF2-40B4-BE49-F238E27FC236}">
-                <a16:creationId xmlns:a16="http://schemas.microsoft.com/office/drawing/2014/main" id="{5881DB44-BD11-40D8-9150-481B52793F18}"/>
-              </a:ext>
-            </a:extLst>
-          </p:cNvPr>
-          <p:cNvCxnSpPr>
-            <a:cxnSpLocks/>
-          </p:cNvCxnSpPr>
-          <p:nvPr/>
-        </p:nvCxnSpPr>
-        <p:spPr>
-          <a:xfrm flipH="1">
-            <a:off x="3092141" y="4451406"/>
-            <a:ext cx="1" cy="292424"/>
-          </a:xfrm>
-          <a:prstGeom prst="straightConnector1">
-            <a:avLst/>
-          </a:prstGeom>
-          <a:ln>
-            <a:tailEnd type="triangle"/>
-          </a:ln>
-        </p:spPr>
-        <p:style>
-          <a:lnRef idx="1">
-            <a:schemeClr val="accent1"/>
-          </a:lnRef>
-          <a:fillRef idx="0">
-            <a:schemeClr val="accent1"/>
-          </a:fillRef>
-          <a:effectRef idx="0">
-            <a:schemeClr val="accent1"/>
-          </a:effectRef>
-          <a:fontRef idx="minor">
-            <a:schemeClr val="tx1"/>
-          </a:fontRef>
-        </p:style>
-      </p:cxnSp>
-      <p:sp>
-        <p:nvSpPr>
-          <p:cNvPr id="39" name="TextBox 38">
-            <a:extLst>
-              <a:ext uri="{FF2B5EF4-FFF2-40B4-BE49-F238E27FC236}">
-                <a16:creationId xmlns:a16="http://schemas.microsoft.com/office/drawing/2014/main" id="{D53102BD-1371-421F-9D3F-ED3C5F05EEC9}"/>
-              </a:ext>
-            </a:extLst>
-          </p:cNvPr>
-          <p:cNvSpPr txBox="1"/>
-          <p:nvPr/>
-        </p:nvSpPr>
-        <p:spPr>
-          <a:xfrm>
-            <a:off x="3245422" y="4440941"/>
-            <a:ext cx="277372" cy="338554"/>
-          </a:xfrm>
-          <a:prstGeom prst="rect">
-            <a:avLst/>
-          </a:prstGeom>
-          <a:noFill/>
-        </p:spPr>
-        <p:txBody>
-          <a:bodyPr wrap="square" rtlCol="0">
-            <a:spAutoFit/>
-          </a:bodyPr>
-          <a:lstStyle/>
-          <a:p>
-            <a:r>
-              <a:rPr lang="fr-FR" sz="1600" dirty="0"/>
-              <a:t>b</a:t>
-            </a:r>
-          </a:p>
-        </p:txBody>
-      </p:sp>
-      <p:sp>
-        <p:nvSpPr>
-          <p:cNvPr id="40" name="TextBox 39">
-            <a:extLst>
-              <a:ext uri="{FF2B5EF4-FFF2-40B4-BE49-F238E27FC236}">
-                <a16:creationId xmlns:a16="http://schemas.microsoft.com/office/drawing/2014/main" id="{46448AB9-D752-437B-BDFF-924A18E23624}"/>
-              </a:ext>
-            </a:extLst>
-          </p:cNvPr>
-          <p:cNvSpPr txBox="1"/>
-          <p:nvPr/>
-        </p:nvSpPr>
-        <p:spPr>
-          <a:xfrm>
-            <a:off x="3805654" y="3820499"/>
-            <a:ext cx="277372" cy="338554"/>
-          </a:xfrm>
-          <a:prstGeom prst="rect">
-            <a:avLst/>
-          </a:prstGeom>
-          <a:noFill/>
-        </p:spPr>
-        <p:txBody>
-          <a:bodyPr wrap="square" rtlCol="0">
-            <a:spAutoFit/>
-          </a:bodyPr>
-          <a:lstStyle/>
-          <a:p>
-            <a:r>
-              <a:rPr lang="fr-FR" sz="1600" dirty="0"/>
-              <a:t>c</a:t>
-            </a:r>
-          </a:p>
-        </p:txBody>
-      </p:sp>
-      <p:sp>
-        <p:nvSpPr>
-          <p:cNvPr id="42" name="TextBox 41">
-            <a:extLst>
-              <a:ext uri="{FF2B5EF4-FFF2-40B4-BE49-F238E27FC236}">
-                <a16:creationId xmlns:a16="http://schemas.microsoft.com/office/drawing/2014/main" id="{71080102-B242-4A13-B622-14152C7651CA}"/>
-              </a:ext>
-            </a:extLst>
-          </p:cNvPr>
-          <p:cNvSpPr txBox="1"/>
-          <p:nvPr/>
-        </p:nvSpPr>
-        <p:spPr>
-          <a:xfrm>
-            <a:off x="2718683" y="4410392"/>
-            <a:ext cx="277372" cy="338554"/>
-          </a:xfrm>
-          <a:prstGeom prst="rect">
-            <a:avLst/>
-          </a:prstGeom>
-          <a:noFill/>
-        </p:spPr>
-        <p:txBody>
-          <a:bodyPr wrap="square" rtlCol="0">
-            <a:spAutoFit/>
-          </a:bodyPr>
-          <a:lstStyle/>
-          <a:p>
-            <a:r>
-              <a:rPr lang="fr-FR" sz="1600" dirty="0"/>
-              <a:t>a</a:t>
-            </a:r>
-          </a:p>
-        </p:txBody>
-      </p:sp>
+        </p:grpSpPr>
+        <p:grpSp>
+          <p:nvGrpSpPr>
+            <p:cNvPr id="19" name="Group 18">
+              <a:extLst>
+                <a:ext uri="{FF2B5EF4-FFF2-40B4-BE49-F238E27FC236}">
+                  <a16:creationId xmlns:a16="http://schemas.microsoft.com/office/drawing/2014/main" id="{196A8E6A-BE9E-4A47-8B1A-2B3873CB132E}"/>
+                </a:ext>
+              </a:extLst>
+            </p:cNvPr>
+            <p:cNvGrpSpPr/>
+            <p:nvPr/>
+          </p:nvGrpSpPr>
+          <p:grpSpPr>
+            <a:xfrm>
+              <a:off x="2231136" y="2828878"/>
+              <a:ext cx="2728140" cy="2418099"/>
+              <a:chOff x="212034" y="3428999"/>
+              <a:chExt cx="3213651" cy="2848434"/>
+            </a:xfrm>
+          </p:grpSpPr>
+          <p:sp>
+            <p:nvSpPr>
+              <p:cNvPr id="9" name="Rectangle 8">
+                <a:extLst>
+                  <a:ext uri="{FF2B5EF4-FFF2-40B4-BE49-F238E27FC236}">
+                    <a16:creationId xmlns:a16="http://schemas.microsoft.com/office/drawing/2014/main" id="{CB6248B5-B38D-427C-9507-F8B8DC006B07}"/>
+                  </a:ext>
+                </a:extLst>
+              </p:cNvPr>
+              <p:cNvSpPr/>
+              <p:nvPr/>
+            </p:nvSpPr>
+            <p:spPr>
+              <a:xfrm>
+                <a:off x="443945" y="3985590"/>
+                <a:ext cx="125897" cy="1047766"/>
+              </a:xfrm>
+              <a:prstGeom prst="rect">
+                <a:avLst/>
+              </a:prstGeom>
+              <a:solidFill>
+                <a:schemeClr val="bg1">
+                  <a:lumMod val="85000"/>
+                </a:schemeClr>
+              </a:solidFill>
+              <a:ln>
+                <a:noFill/>
+              </a:ln>
+            </p:spPr>
+            <p:style>
+              <a:lnRef idx="2">
+                <a:schemeClr val="accent6"/>
+              </a:lnRef>
+              <a:fillRef idx="1">
+                <a:schemeClr val="lt1"/>
+              </a:fillRef>
+              <a:effectRef idx="0">
+                <a:schemeClr val="accent6"/>
+              </a:effectRef>
+              <a:fontRef idx="minor">
+                <a:schemeClr val="dk1"/>
+              </a:fontRef>
+            </p:style>
+            <p:txBody>
+              <a:bodyPr rtlCol="0" anchor="ctr"/>
+              <a:lstStyle/>
+              <a:p>
+                <a:pPr algn="ctr"/>
+                <a:endParaRPr lang="fr-FR"/>
+              </a:p>
+            </p:txBody>
+          </p:sp>
+          <p:sp>
+            <p:nvSpPr>
+              <p:cNvPr id="10" name="Rectangle 9">
+                <a:extLst>
+                  <a:ext uri="{FF2B5EF4-FFF2-40B4-BE49-F238E27FC236}">
+                    <a16:creationId xmlns:a16="http://schemas.microsoft.com/office/drawing/2014/main" id="{1062AB1E-624E-464D-9FD3-B834395E93EC}"/>
+                  </a:ext>
+                </a:extLst>
+              </p:cNvPr>
+              <p:cNvSpPr/>
+              <p:nvPr/>
+            </p:nvSpPr>
+            <p:spPr>
+              <a:xfrm rot="5400000">
+                <a:off x="645318" y="4706087"/>
+                <a:ext cx="125897" cy="528644"/>
+              </a:xfrm>
+              <a:prstGeom prst="rect">
+                <a:avLst/>
+              </a:prstGeom>
+              <a:solidFill>
+                <a:schemeClr val="bg1">
+                  <a:lumMod val="85000"/>
+                </a:schemeClr>
+              </a:solidFill>
+              <a:ln>
+                <a:noFill/>
+              </a:ln>
+            </p:spPr>
+            <p:style>
+              <a:lnRef idx="2">
+                <a:schemeClr val="accent6"/>
+              </a:lnRef>
+              <a:fillRef idx="1">
+                <a:schemeClr val="lt1"/>
+              </a:fillRef>
+              <a:effectRef idx="0">
+                <a:schemeClr val="accent6"/>
+              </a:effectRef>
+              <a:fontRef idx="minor">
+                <a:schemeClr val="dk1"/>
+              </a:fontRef>
+            </p:style>
+            <p:txBody>
+              <a:bodyPr rtlCol="0" anchor="ctr"/>
+              <a:lstStyle/>
+              <a:p>
+                <a:pPr algn="ctr"/>
+                <a:endParaRPr lang="fr-FR"/>
+              </a:p>
+            </p:txBody>
+          </p:sp>
+          <p:sp>
+            <p:nvSpPr>
+              <p:cNvPr id="11" name="Rectangle 10">
+                <a:extLst>
+                  <a:ext uri="{FF2B5EF4-FFF2-40B4-BE49-F238E27FC236}">
+                    <a16:creationId xmlns:a16="http://schemas.microsoft.com/office/drawing/2014/main" id="{1E9D4043-9756-4DC5-A8FB-99E49FFCE694}"/>
+                  </a:ext>
+                </a:extLst>
+              </p:cNvPr>
+              <p:cNvSpPr/>
+              <p:nvPr/>
+            </p:nvSpPr>
+            <p:spPr>
+              <a:xfrm rot="5400000">
+                <a:off x="1242853" y="3088925"/>
+                <a:ext cx="125897" cy="1135050"/>
+              </a:xfrm>
+              <a:prstGeom prst="rect">
+                <a:avLst/>
+              </a:prstGeom>
+              <a:solidFill>
+                <a:schemeClr val="bg1">
+                  <a:lumMod val="85000"/>
+                </a:schemeClr>
+              </a:solidFill>
+              <a:ln>
+                <a:noFill/>
+              </a:ln>
+            </p:spPr>
+            <p:style>
+              <a:lnRef idx="2">
+                <a:schemeClr val="accent6"/>
+              </a:lnRef>
+              <a:fillRef idx="1">
+                <a:schemeClr val="lt1"/>
+              </a:fillRef>
+              <a:effectRef idx="0">
+                <a:schemeClr val="accent6"/>
+              </a:effectRef>
+              <a:fontRef idx="minor">
+                <a:schemeClr val="dk1"/>
+              </a:fontRef>
+            </p:style>
+            <p:txBody>
+              <a:bodyPr rtlCol="0" anchor="ctr"/>
+              <a:lstStyle/>
+              <a:p>
+                <a:pPr algn="ctr"/>
+                <a:endParaRPr lang="fr-FR" dirty="0"/>
+              </a:p>
+            </p:txBody>
+          </p:sp>
+          <p:sp>
+            <p:nvSpPr>
+              <p:cNvPr id="12" name="Rectangle 11">
+                <a:extLst>
+                  <a:ext uri="{FF2B5EF4-FFF2-40B4-BE49-F238E27FC236}">
+                    <a16:creationId xmlns:a16="http://schemas.microsoft.com/office/drawing/2014/main" id="{6765EA15-8EBC-41F9-8FBB-F4EE780313DE}"/>
+                  </a:ext>
+                </a:extLst>
+              </p:cNvPr>
+              <p:cNvSpPr/>
+              <p:nvPr/>
+            </p:nvSpPr>
+            <p:spPr>
+              <a:xfrm rot="5400000">
+                <a:off x="2117470" y="4398288"/>
+                <a:ext cx="125897" cy="1241939"/>
+              </a:xfrm>
+              <a:prstGeom prst="rect">
+                <a:avLst/>
+              </a:prstGeom>
+              <a:solidFill>
+                <a:schemeClr val="bg1">
+                  <a:lumMod val="85000"/>
+                </a:schemeClr>
+              </a:solidFill>
+              <a:ln>
+                <a:noFill/>
+              </a:ln>
+            </p:spPr>
+            <p:style>
+              <a:lnRef idx="2">
+                <a:schemeClr val="accent6"/>
+              </a:lnRef>
+              <a:fillRef idx="1">
+                <a:schemeClr val="lt1"/>
+              </a:fillRef>
+              <a:effectRef idx="0">
+                <a:schemeClr val="accent6"/>
+              </a:effectRef>
+              <a:fontRef idx="minor">
+                <a:schemeClr val="dk1"/>
+              </a:fontRef>
+            </p:style>
+            <p:txBody>
+              <a:bodyPr rtlCol="0" anchor="ctr"/>
+              <a:lstStyle/>
+              <a:p>
+                <a:pPr algn="ctr"/>
+                <a:endParaRPr lang="fr-FR"/>
+              </a:p>
+            </p:txBody>
+          </p:sp>
+          <p:sp>
+            <p:nvSpPr>
+              <p:cNvPr id="13" name="Rectangle 12">
+                <a:extLst>
+                  <a:ext uri="{FF2B5EF4-FFF2-40B4-BE49-F238E27FC236}">
+                    <a16:creationId xmlns:a16="http://schemas.microsoft.com/office/drawing/2014/main" id="{3356699D-37D2-4044-AC86-D371ACB79079}"/>
+                  </a:ext>
+                </a:extLst>
+              </p:cNvPr>
+              <p:cNvSpPr/>
+              <p:nvPr/>
+            </p:nvSpPr>
+            <p:spPr>
+              <a:xfrm>
+                <a:off x="1348409" y="4330931"/>
+                <a:ext cx="125897" cy="639478"/>
+              </a:xfrm>
+              <a:prstGeom prst="rect">
+                <a:avLst/>
+              </a:prstGeom>
+              <a:solidFill>
+                <a:schemeClr val="bg1">
+                  <a:lumMod val="85000"/>
+                </a:schemeClr>
+              </a:solidFill>
+              <a:ln>
+                <a:noFill/>
+              </a:ln>
+            </p:spPr>
+            <p:style>
+              <a:lnRef idx="2">
+                <a:schemeClr val="accent6"/>
+              </a:lnRef>
+              <a:fillRef idx="1">
+                <a:schemeClr val="lt1"/>
+              </a:fillRef>
+              <a:effectRef idx="0">
+                <a:schemeClr val="accent6"/>
+              </a:effectRef>
+              <a:fontRef idx="minor">
+                <a:schemeClr val="dk1"/>
+              </a:fontRef>
+            </p:style>
+            <p:txBody>
+              <a:bodyPr rtlCol="0" anchor="ctr"/>
+              <a:lstStyle/>
+              <a:p>
+                <a:pPr algn="ctr"/>
+                <a:endParaRPr lang="fr-FR"/>
+              </a:p>
+            </p:txBody>
+          </p:sp>
+          <p:sp>
+            <p:nvSpPr>
+              <p:cNvPr id="14" name="Rectangle 13">
+                <a:extLst>
+                  <a:ext uri="{FF2B5EF4-FFF2-40B4-BE49-F238E27FC236}">
+                    <a16:creationId xmlns:a16="http://schemas.microsoft.com/office/drawing/2014/main" id="{FDA81980-6231-4962-A92E-C8B9042D01A8}"/>
+                  </a:ext>
+                </a:extLst>
+              </p:cNvPr>
+              <p:cNvSpPr/>
+              <p:nvPr/>
+            </p:nvSpPr>
+            <p:spPr>
+              <a:xfrm rot="5400000">
+                <a:off x="1604199" y="4077927"/>
+                <a:ext cx="125897" cy="637478"/>
+              </a:xfrm>
+              <a:prstGeom prst="rect">
+                <a:avLst/>
+              </a:prstGeom>
+              <a:solidFill>
+                <a:schemeClr val="bg1">
+                  <a:lumMod val="85000"/>
+                </a:schemeClr>
+              </a:solidFill>
+              <a:ln>
+                <a:noFill/>
+              </a:ln>
+            </p:spPr>
+            <p:style>
+              <a:lnRef idx="2">
+                <a:schemeClr val="accent6"/>
+              </a:lnRef>
+              <a:fillRef idx="1">
+                <a:schemeClr val="lt1"/>
+              </a:fillRef>
+              <a:effectRef idx="0">
+                <a:schemeClr val="accent6"/>
+              </a:effectRef>
+              <a:fontRef idx="minor">
+                <a:schemeClr val="dk1"/>
+              </a:fontRef>
+            </p:style>
+            <p:txBody>
+              <a:bodyPr rtlCol="0" anchor="ctr"/>
+              <a:lstStyle/>
+              <a:p>
+                <a:pPr algn="ctr"/>
+                <a:endParaRPr lang="fr-FR"/>
+              </a:p>
+            </p:txBody>
+          </p:sp>
+          <p:sp>
+            <p:nvSpPr>
+              <p:cNvPr id="15" name="Rectangle 14">
+                <a:extLst>
+                  <a:ext uri="{FF2B5EF4-FFF2-40B4-BE49-F238E27FC236}">
+                    <a16:creationId xmlns:a16="http://schemas.microsoft.com/office/drawing/2014/main" id="{8814D817-E5EA-4C9C-B1D6-B3B92E30D87B}"/>
+                  </a:ext>
+                </a:extLst>
+              </p:cNvPr>
+              <p:cNvSpPr/>
+              <p:nvPr/>
+            </p:nvSpPr>
+            <p:spPr>
+              <a:xfrm>
+                <a:off x="1859990" y="3898306"/>
+                <a:ext cx="125897" cy="561309"/>
+              </a:xfrm>
+              <a:prstGeom prst="rect">
+                <a:avLst/>
+              </a:prstGeom>
+              <a:solidFill>
+                <a:schemeClr val="bg1">
+                  <a:lumMod val="85000"/>
+                </a:schemeClr>
+              </a:solidFill>
+              <a:ln>
+                <a:noFill/>
+              </a:ln>
+            </p:spPr>
+            <p:style>
+              <a:lnRef idx="2">
+                <a:schemeClr val="accent6"/>
+              </a:lnRef>
+              <a:fillRef idx="1">
+                <a:schemeClr val="lt1"/>
+              </a:fillRef>
+              <a:effectRef idx="0">
+                <a:schemeClr val="accent6"/>
+              </a:effectRef>
+              <a:fontRef idx="minor">
+                <a:schemeClr val="dk1"/>
+              </a:fontRef>
+            </p:style>
+            <p:txBody>
+              <a:bodyPr rtlCol="0" anchor="ctr"/>
+              <a:lstStyle/>
+              <a:p>
+                <a:pPr algn="ctr"/>
+                <a:endParaRPr lang="fr-FR"/>
+              </a:p>
+            </p:txBody>
+          </p:sp>
+          <p:sp>
+            <p:nvSpPr>
+              <p:cNvPr id="7" name="Rectangle 6">
+                <a:extLst>
+                  <a:ext uri="{FF2B5EF4-FFF2-40B4-BE49-F238E27FC236}">
+                    <a16:creationId xmlns:a16="http://schemas.microsoft.com/office/drawing/2014/main" id="{0E80FF66-0545-4D9D-B7F1-F13AC17E8B95}"/>
+                  </a:ext>
+                </a:extLst>
+              </p:cNvPr>
+              <p:cNvSpPr/>
+              <p:nvPr/>
+            </p:nvSpPr>
+            <p:spPr>
+              <a:xfrm>
+                <a:off x="2710068" y="4747590"/>
+                <a:ext cx="715617" cy="556591"/>
+              </a:xfrm>
+              <a:prstGeom prst="rect">
+                <a:avLst/>
+              </a:prstGeom>
+            </p:spPr>
+            <p:style>
+              <a:lnRef idx="2">
+                <a:schemeClr val="accent1">
+                  <a:shade val="50000"/>
+                </a:schemeClr>
+              </a:lnRef>
+              <a:fillRef idx="1">
+                <a:schemeClr val="accent1"/>
+              </a:fillRef>
+              <a:effectRef idx="0">
+                <a:schemeClr val="accent1"/>
+              </a:effectRef>
+              <a:fontRef idx="minor">
+                <a:schemeClr val="lt1"/>
+              </a:fontRef>
+            </p:style>
+            <p:txBody>
+              <a:bodyPr rtlCol="0" anchor="ctr"/>
+              <a:lstStyle/>
+              <a:p>
+                <a:pPr algn="ctr"/>
+                <a:r>
+                  <a:rPr lang="fr-FR" dirty="0"/>
+                  <a:t>Salle</a:t>
+                </a:r>
+              </a:p>
+              <a:p>
+                <a:pPr algn="ctr"/>
+                <a:r>
+                  <a:rPr lang="fr-FR" dirty="0"/>
+                  <a:t>4</a:t>
+                </a:r>
+              </a:p>
+            </p:txBody>
+          </p:sp>
+          <p:sp>
+            <p:nvSpPr>
+              <p:cNvPr id="16" name="Rectangle 15">
+                <a:extLst>
+                  <a:ext uri="{FF2B5EF4-FFF2-40B4-BE49-F238E27FC236}">
+                    <a16:creationId xmlns:a16="http://schemas.microsoft.com/office/drawing/2014/main" id="{FFEB8D4C-7DD3-4D7E-B61B-B1A4C77A48C8}"/>
+                  </a:ext>
+                </a:extLst>
+              </p:cNvPr>
+              <p:cNvSpPr/>
+              <p:nvPr/>
+            </p:nvSpPr>
+            <p:spPr>
+              <a:xfrm>
+                <a:off x="1242852" y="5221615"/>
+                <a:ext cx="125897" cy="639478"/>
+              </a:xfrm>
+              <a:prstGeom prst="rect">
+                <a:avLst/>
+              </a:prstGeom>
+              <a:solidFill>
+                <a:schemeClr val="bg1">
+                  <a:lumMod val="85000"/>
+                </a:schemeClr>
+              </a:solidFill>
+              <a:ln>
+                <a:noFill/>
+              </a:ln>
+            </p:spPr>
+            <p:style>
+              <a:lnRef idx="2">
+                <a:schemeClr val="accent6"/>
+              </a:lnRef>
+              <a:fillRef idx="1">
+                <a:schemeClr val="lt1"/>
+              </a:fillRef>
+              <a:effectRef idx="0">
+                <a:schemeClr val="accent6"/>
+              </a:effectRef>
+              <a:fontRef idx="minor">
+                <a:schemeClr val="dk1"/>
+              </a:fontRef>
+            </p:style>
+            <p:txBody>
+              <a:bodyPr rtlCol="0" anchor="ctr"/>
+              <a:lstStyle/>
+              <a:p>
+                <a:pPr algn="ctr"/>
+                <a:endParaRPr lang="fr-FR"/>
+              </a:p>
+            </p:txBody>
+          </p:sp>
+          <p:sp>
+            <p:nvSpPr>
+              <p:cNvPr id="5" name="Rectangle 4">
+                <a:extLst>
+                  <a:ext uri="{FF2B5EF4-FFF2-40B4-BE49-F238E27FC236}">
+                    <a16:creationId xmlns:a16="http://schemas.microsoft.com/office/drawing/2014/main" id="{19237A1F-7D33-432E-8B7B-652D62F72FDE}"/>
+                  </a:ext>
+                </a:extLst>
+              </p:cNvPr>
+              <p:cNvSpPr/>
+              <p:nvPr/>
+            </p:nvSpPr>
+            <p:spPr>
+              <a:xfrm>
+                <a:off x="927651" y="4747591"/>
+                <a:ext cx="715617" cy="556591"/>
+              </a:xfrm>
+              <a:prstGeom prst="rect">
+                <a:avLst/>
+              </a:prstGeom>
+            </p:spPr>
+            <p:style>
+              <a:lnRef idx="2">
+                <a:schemeClr val="accent1">
+                  <a:shade val="50000"/>
+                </a:schemeClr>
+              </a:lnRef>
+              <a:fillRef idx="1">
+                <a:schemeClr val="accent1"/>
+              </a:fillRef>
+              <a:effectRef idx="0">
+                <a:schemeClr val="accent1"/>
+              </a:effectRef>
+              <a:fontRef idx="minor">
+                <a:schemeClr val="lt1"/>
+              </a:fontRef>
+            </p:style>
+            <p:txBody>
+              <a:bodyPr rtlCol="0" anchor="ctr"/>
+              <a:lstStyle/>
+              <a:p>
+                <a:pPr algn="ctr"/>
+                <a:r>
+                  <a:rPr lang="fr-FR" dirty="0"/>
+                  <a:t>Salle</a:t>
+                </a:r>
+              </a:p>
+              <a:p>
+                <a:pPr algn="ctr"/>
+                <a:r>
+                  <a:rPr lang="fr-FR" dirty="0"/>
+                  <a:t>3</a:t>
+                </a:r>
+              </a:p>
+            </p:txBody>
+          </p:sp>
+          <p:sp>
+            <p:nvSpPr>
+              <p:cNvPr id="8" name="Rectangle 7">
+                <a:extLst>
+                  <a:ext uri="{FF2B5EF4-FFF2-40B4-BE49-F238E27FC236}">
+                    <a16:creationId xmlns:a16="http://schemas.microsoft.com/office/drawing/2014/main" id="{5476A31A-7C4B-436D-A312-5BB16D00A3E5}"/>
+                  </a:ext>
+                </a:extLst>
+              </p:cNvPr>
+              <p:cNvSpPr/>
+              <p:nvPr/>
+            </p:nvSpPr>
+            <p:spPr>
+              <a:xfrm>
+                <a:off x="927650" y="5720842"/>
+                <a:ext cx="715617" cy="556591"/>
+              </a:xfrm>
+              <a:prstGeom prst="rect">
+                <a:avLst/>
+              </a:prstGeom>
+            </p:spPr>
+            <p:style>
+              <a:lnRef idx="2">
+                <a:schemeClr val="accent3">
+                  <a:shade val="50000"/>
+                </a:schemeClr>
+              </a:lnRef>
+              <a:fillRef idx="1">
+                <a:schemeClr val="accent3"/>
+              </a:fillRef>
+              <a:effectRef idx="0">
+                <a:schemeClr val="accent3"/>
+              </a:effectRef>
+              <a:fontRef idx="minor">
+                <a:schemeClr val="lt1"/>
+              </a:fontRef>
+            </p:style>
+            <p:txBody>
+              <a:bodyPr rtlCol="0" anchor="ctr"/>
+              <a:lstStyle/>
+              <a:p>
+                <a:pPr algn="ctr"/>
+                <a:r>
+                  <a:rPr lang="fr-FR" dirty="0"/>
+                  <a:t>Salle 5</a:t>
+                </a:r>
+              </a:p>
+            </p:txBody>
+          </p:sp>
+          <p:sp>
+            <p:nvSpPr>
+              <p:cNvPr id="4" name="Rectangle 3">
+                <a:extLst>
+                  <a:ext uri="{FF2B5EF4-FFF2-40B4-BE49-F238E27FC236}">
+                    <a16:creationId xmlns:a16="http://schemas.microsoft.com/office/drawing/2014/main" id="{80004319-9F95-4B20-8081-A6B4786A4516}"/>
+                  </a:ext>
+                </a:extLst>
+              </p:cNvPr>
+              <p:cNvSpPr/>
+              <p:nvPr/>
+            </p:nvSpPr>
+            <p:spPr>
+              <a:xfrm>
+                <a:off x="212034" y="3429000"/>
+                <a:ext cx="715617" cy="556591"/>
+              </a:xfrm>
+              <a:prstGeom prst="rect">
+                <a:avLst/>
+              </a:prstGeom>
+              <a:solidFill>
+                <a:srgbClr val="92D050"/>
+              </a:solidFill>
+              <a:ln>
+                <a:solidFill>
+                  <a:srgbClr val="00B050"/>
+                </a:solidFill>
+              </a:ln>
+            </p:spPr>
+            <p:style>
+              <a:lnRef idx="2">
+                <a:schemeClr val="accent1">
+                  <a:shade val="50000"/>
+                </a:schemeClr>
+              </a:lnRef>
+              <a:fillRef idx="1">
+                <a:schemeClr val="accent1"/>
+              </a:fillRef>
+              <a:effectRef idx="0">
+                <a:schemeClr val="accent1"/>
+              </a:effectRef>
+              <a:fontRef idx="minor">
+                <a:schemeClr val="lt1"/>
+              </a:fontRef>
+            </p:style>
+            <p:txBody>
+              <a:bodyPr rtlCol="0" anchor="ctr"/>
+              <a:lstStyle/>
+              <a:p>
+                <a:pPr algn="ctr"/>
+                <a:r>
+                  <a:rPr lang="fr-FR" dirty="0"/>
+                  <a:t>Salle 1</a:t>
+                </a:r>
+              </a:p>
+            </p:txBody>
+          </p:sp>
+          <p:sp>
+            <p:nvSpPr>
+              <p:cNvPr id="6" name="Rectangle 5">
+                <a:extLst>
+                  <a:ext uri="{FF2B5EF4-FFF2-40B4-BE49-F238E27FC236}">
+                    <a16:creationId xmlns:a16="http://schemas.microsoft.com/office/drawing/2014/main" id="{FEB970F7-B7D9-45E0-AE2E-89AFA951FD10}"/>
+                  </a:ext>
+                </a:extLst>
+              </p:cNvPr>
+              <p:cNvSpPr/>
+              <p:nvPr/>
+            </p:nvSpPr>
+            <p:spPr>
+              <a:xfrm>
+                <a:off x="1643268" y="3428999"/>
+                <a:ext cx="715617" cy="556591"/>
+              </a:xfrm>
+              <a:prstGeom prst="rect">
+                <a:avLst/>
+              </a:prstGeom>
+            </p:spPr>
+            <p:style>
+              <a:lnRef idx="2">
+                <a:schemeClr val="accent1">
+                  <a:shade val="50000"/>
+                </a:schemeClr>
+              </a:lnRef>
+              <a:fillRef idx="1">
+                <a:schemeClr val="accent1"/>
+              </a:fillRef>
+              <a:effectRef idx="0">
+                <a:schemeClr val="accent1"/>
+              </a:effectRef>
+              <a:fontRef idx="minor">
+                <a:schemeClr val="lt1"/>
+              </a:fontRef>
+            </p:style>
+            <p:txBody>
+              <a:bodyPr rtlCol="0" anchor="ctr"/>
+              <a:lstStyle/>
+              <a:p>
+                <a:pPr algn="ctr"/>
+                <a:r>
+                  <a:rPr lang="fr-FR" dirty="0"/>
+                  <a:t>Salle</a:t>
+                </a:r>
+              </a:p>
+              <a:p>
+                <a:pPr algn="ctr"/>
+                <a:r>
+                  <a:rPr lang="fr-FR" dirty="0"/>
+                  <a:t>2</a:t>
+                </a:r>
+              </a:p>
+            </p:txBody>
+          </p:sp>
+        </p:grpSp>
+        <p:sp>
+          <p:nvSpPr>
+            <p:cNvPr id="3" name="TextBox 2">
+              <a:extLst>
+                <a:ext uri="{FF2B5EF4-FFF2-40B4-BE49-F238E27FC236}">
+                  <a16:creationId xmlns:a16="http://schemas.microsoft.com/office/drawing/2014/main" id="{7E030EAC-FDC8-434C-AB0E-9F809F52DF23}"/>
+                </a:ext>
+              </a:extLst>
+            </p:cNvPr>
+            <p:cNvSpPr txBox="1"/>
+            <p:nvPr/>
+          </p:nvSpPr>
+          <p:spPr>
+            <a:xfrm>
+              <a:off x="3008006" y="2687713"/>
+              <a:ext cx="277372" cy="338554"/>
+            </a:xfrm>
+            <a:prstGeom prst="rect">
+              <a:avLst/>
+            </a:prstGeom>
+            <a:noFill/>
+          </p:spPr>
+          <p:txBody>
+            <a:bodyPr wrap="square" rtlCol="0">
+              <a:spAutoFit/>
+            </a:bodyPr>
+            <a:lstStyle/>
+            <a:p>
+              <a:r>
+                <a:rPr lang="fr-FR" sz="1600" dirty="0"/>
+                <a:t>a</a:t>
+              </a:r>
+            </a:p>
+          </p:txBody>
+        </p:sp>
+        <p:sp>
+          <p:nvSpPr>
+            <p:cNvPr id="34" name="TextBox 33">
+              <a:extLst>
+                <a:ext uri="{FF2B5EF4-FFF2-40B4-BE49-F238E27FC236}">
+                  <a16:creationId xmlns:a16="http://schemas.microsoft.com/office/drawing/2014/main" id="{22EDAA28-5C93-43AE-BBA7-2109C84ADFD3}"/>
+                </a:ext>
+              </a:extLst>
+            </p:cNvPr>
+            <p:cNvSpPr txBox="1"/>
+            <p:nvPr/>
+          </p:nvSpPr>
+          <p:spPr>
+            <a:xfrm>
+              <a:off x="2150637" y="3534514"/>
+              <a:ext cx="277372" cy="338554"/>
+            </a:xfrm>
+            <a:prstGeom prst="rect">
+              <a:avLst/>
+            </a:prstGeom>
+            <a:noFill/>
+          </p:spPr>
+          <p:txBody>
+            <a:bodyPr wrap="square" rtlCol="0">
+              <a:spAutoFit/>
+            </a:bodyPr>
+            <a:lstStyle/>
+            <a:p>
+              <a:r>
+                <a:rPr lang="fr-FR" sz="1600" dirty="0"/>
+                <a:t>b</a:t>
+              </a:r>
+            </a:p>
+          </p:txBody>
+        </p:sp>
+        <p:sp>
+          <p:nvSpPr>
+            <p:cNvPr id="35" name="TextBox 34">
+              <a:extLst>
+                <a:ext uri="{FF2B5EF4-FFF2-40B4-BE49-F238E27FC236}">
+                  <a16:creationId xmlns:a16="http://schemas.microsoft.com/office/drawing/2014/main" id="{2A4154A5-40DA-4240-A2B9-6AC67BFE3287}"/>
+                </a:ext>
+              </a:extLst>
+            </p:cNvPr>
+            <p:cNvSpPr txBox="1"/>
+            <p:nvPr/>
+          </p:nvSpPr>
+          <p:spPr>
+            <a:xfrm>
+              <a:off x="2530285" y="3527427"/>
+              <a:ext cx="277372" cy="338554"/>
+            </a:xfrm>
+            <a:prstGeom prst="rect">
+              <a:avLst/>
+            </a:prstGeom>
+            <a:noFill/>
+          </p:spPr>
+          <p:txBody>
+            <a:bodyPr wrap="square" rtlCol="0">
+              <a:spAutoFit/>
+            </a:bodyPr>
+            <a:lstStyle/>
+            <a:p>
+              <a:r>
+                <a:rPr lang="fr-FR" sz="1600" dirty="0"/>
+                <a:t>a</a:t>
+              </a:r>
+            </a:p>
+          </p:txBody>
+        </p:sp>
+        <p:cxnSp>
+          <p:nvCxnSpPr>
+            <p:cNvPr id="24" name="Straight Arrow Connector 23">
+              <a:extLst>
+                <a:ext uri="{FF2B5EF4-FFF2-40B4-BE49-F238E27FC236}">
+                  <a16:creationId xmlns:a16="http://schemas.microsoft.com/office/drawing/2014/main" id="{BB3A78B4-BCF8-4604-9ED8-3BC6AE5F0BF6}"/>
+                </a:ext>
+              </a:extLst>
+            </p:cNvPr>
+            <p:cNvCxnSpPr>
+              <a:cxnSpLocks/>
+            </p:cNvCxnSpPr>
+            <p:nvPr/>
+          </p:nvCxnSpPr>
+          <p:spPr>
+            <a:xfrm>
+              <a:off x="2428009" y="3404371"/>
+              <a:ext cx="0" cy="584666"/>
+            </a:xfrm>
+            <a:prstGeom prst="straightConnector1">
+              <a:avLst/>
+            </a:prstGeom>
+            <a:ln>
+              <a:tailEnd type="triangle"/>
+            </a:ln>
+          </p:spPr>
+          <p:style>
+            <a:lnRef idx="1">
+              <a:schemeClr val="accent1"/>
+            </a:lnRef>
+            <a:fillRef idx="0">
+              <a:schemeClr val="accent1"/>
+            </a:fillRef>
+            <a:effectRef idx="0">
+              <a:schemeClr val="accent1"/>
+            </a:effectRef>
+            <a:fontRef idx="minor">
+              <a:schemeClr val="tx1"/>
+            </a:fontRef>
+          </p:style>
+        </p:cxnSp>
+        <p:cxnSp>
+          <p:nvCxnSpPr>
+            <p:cNvPr id="38" name="Straight Arrow Connector 37">
+              <a:extLst>
+                <a:ext uri="{FF2B5EF4-FFF2-40B4-BE49-F238E27FC236}">
+                  <a16:creationId xmlns:a16="http://schemas.microsoft.com/office/drawing/2014/main" id="{2101BA79-6095-4532-9144-9DC24BC606BB}"/>
+                </a:ext>
+              </a:extLst>
+            </p:cNvPr>
+            <p:cNvCxnSpPr>
+              <a:cxnSpLocks/>
+            </p:cNvCxnSpPr>
+            <p:nvPr/>
+          </p:nvCxnSpPr>
+          <p:spPr>
+            <a:xfrm flipH="1" flipV="1">
+              <a:off x="2523514" y="3384711"/>
+              <a:ext cx="5239" cy="623985"/>
+            </a:xfrm>
+            <a:prstGeom prst="straightConnector1">
+              <a:avLst/>
+            </a:prstGeom>
+            <a:ln>
+              <a:tailEnd type="triangle"/>
+            </a:ln>
+          </p:spPr>
+          <p:style>
+            <a:lnRef idx="1">
+              <a:schemeClr val="accent1"/>
+            </a:lnRef>
+            <a:fillRef idx="0">
+              <a:schemeClr val="accent1"/>
+            </a:fillRef>
+            <a:effectRef idx="0">
+              <a:schemeClr val="accent1"/>
+            </a:effectRef>
+            <a:fontRef idx="minor">
+              <a:schemeClr val="tx1"/>
+            </a:fontRef>
+          </p:style>
+        </p:cxnSp>
+        <p:cxnSp>
+          <p:nvCxnSpPr>
+            <p:cNvPr id="41" name="Straight Arrow Connector 40">
+              <a:extLst>
+                <a:ext uri="{FF2B5EF4-FFF2-40B4-BE49-F238E27FC236}">
+                  <a16:creationId xmlns:a16="http://schemas.microsoft.com/office/drawing/2014/main" id="{BC11A620-B2BB-41CE-9DB8-325AD2E081EF}"/>
+                </a:ext>
+              </a:extLst>
+            </p:cNvPr>
+            <p:cNvCxnSpPr>
+              <a:cxnSpLocks/>
+            </p:cNvCxnSpPr>
+            <p:nvPr/>
+          </p:nvCxnSpPr>
+          <p:spPr>
+            <a:xfrm>
+              <a:off x="2885291" y="3064260"/>
+              <a:ext cx="517469" cy="869"/>
+            </a:xfrm>
+            <a:prstGeom prst="straightConnector1">
+              <a:avLst/>
+            </a:prstGeom>
+            <a:ln>
+              <a:tailEnd type="triangle"/>
+            </a:ln>
+          </p:spPr>
+          <p:style>
+            <a:lnRef idx="1">
+              <a:schemeClr val="accent1"/>
+            </a:lnRef>
+            <a:fillRef idx="0">
+              <a:schemeClr val="accent1"/>
+            </a:fillRef>
+            <a:effectRef idx="0">
+              <a:schemeClr val="accent1"/>
+            </a:effectRef>
+            <a:fontRef idx="minor">
+              <a:schemeClr val="tx1"/>
+            </a:fontRef>
+          </p:style>
+        </p:cxnSp>
+        <p:cxnSp>
+          <p:nvCxnSpPr>
+            <p:cNvPr id="46" name="Straight Arrow Connector 45">
+              <a:extLst>
+                <a:ext uri="{FF2B5EF4-FFF2-40B4-BE49-F238E27FC236}">
+                  <a16:creationId xmlns:a16="http://schemas.microsoft.com/office/drawing/2014/main" id="{8B9763DA-13E8-4F67-AA7B-1DA7EF31BE22}"/>
+                </a:ext>
+              </a:extLst>
+            </p:cNvPr>
+            <p:cNvCxnSpPr>
+              <a:cxnSpLocks/>
+            </p:cNvCxnSpPr>
+            <p:nvPr/>
+          </p:nvCxnSpPr>
+          <p:spPr>
+            <a:xfrm>
+              <a:off x="3723754" y="4231888"/>
+              <a:ext cx="517469" cy="869"/>
+            </a:xfrm>
+            <a:prstGeom prst="straightConnector1">
+              <a:avLst/>
+            </a:prstGeom>
+            <a:ln>
+              <a:tailEnd type="triangle"/>
+            </a:ln>
+          </p:spPr>
+          <p:style>
+            <a:lnRef idx="1">
+              <a:schemeClr val="accent1"/>
+            </a:lnRef>
+            <a:fillRef idx="0">
+              <a:schemeClr val="accent1"/>
+            </a:fillRef>
+            <a:effectRef idx="0">
+              <a:schemeClr val="accent1"/>
+            </a:effectRef>
+            <a:fontRef idx="minor">
+              <a:schemeClr val="tx1"/>
+            </a:fontRef>
+          </p:style>
+        </p:cxnSp>
+        <p:sp>
+          <p:nvSpPr>
+            <p:cNvPr id="47" name="TextBox 46">
+              <a:extLst>
+                <a:ext uri="{FF2B5EF4-FFF2-40B4-BE49-F238E27FC236}">
+                  <a16:creationId xmlns:a16="http://schemas.microsoft.com/office/drawing/2014/main" id="{9CDDC0C0-048B-4F05-BC77-C2A0F5177B82}"/>
+                </a:ext>
+              </a:extLst>
+            </p:cNvPr>
+            <p:cNvSpPr txBox="1"/>
+            <p:nvPr/>
+          </p:nvSpPr>
+          <p:spPr>
+            <a:xfrm>
+              <a:off x="3690880" y="3362038"/>
+              <a:ext cx="277372" cy="338554"/>
+            </a:xfrm>
+            <a:prstGeom prst="rect">
+              <a:avLst/>
+            </a:prstGeom>
+            <a:noFill/>
+          </p:spPr>
+          <p:txBody>
+            <a:bodyPr wrap="square" rtlCol="0">
+              <a:spAutoFit/>
+            </a:bodyPr>
+            <a:lstStyle/>
+            <a:p>
+              <a:r>
+                <a:rPr lang="fr-FR" sz="1600" dirty="0"/>
+                <a:t>c</a:t>
+              </a:r>
+            </a:p>
+          </p:txBody>
+        </p:sp>
+        <p:cxnSp>
+          <p:nvCxnSpPr>
+            <p:cNvPr id="27" name="Straight Arrow Connector 26">
+              <a:extLst>
+                <a:ext uri="{FF2B5EF4-FFF2-40B4-BE49-F238E27FC236}">
+                  <a16:creationId xmlns:a16="http://schemas.microsoft.com/office/drawing/2014/main" id="{3C77D140-73EB-4F40-B31F-01CD1FFD30CA}"/>
+                </a:ext>
+              </a:extLst>
+            </p:cNvPr>
+            <p:cNvCxnSpPr>
+              <a:cxnSpLocks/>
+            </p:cNvCxnSpPr>
+            <p:nvPr/>
+          </p:nvCxnSpPr>
+          <p:spPr>
+            <a:xfrm flipH="1">
+              <a:off x="3493530" y="3338478"/>
+              <a:ext cx="226222" cy="593216"/>
+            </a:xfrm>
+            <a:prstGeom prst="straightConnector1">
+              <a:avLst/>
+            </a:prstGeom>
+            <a:ln>
+              <a:tailEnd type="triangle"/>
+            </a:ln>
+          </p:spPr>
+          <p:style>
+            <a:lnRef idx="1">
+              <a:schemeClr val="accent1"/>
+            </a:lnRef>
+            <a:fillRef idx="0">
+              <a:schemeClr val="accent1"/>
+            </a:fillRef>
+            <a:effectRef idx="0">
+              <a:schemeClr val="accent1"/>
+            </a:effectRef>
+            <a:fontRef idx="minor">
+              <a:schemeClr val="tx1"/>
+            </a:fontRef>
+          </p:style>
+        </p:cxnSp>
+        <p:cxnSp>
+          <p:nvCxnSpPr>
+            <p:cNvPr id="29" name="Straight Arrow Connector 28">
+              <a:extLst>
+                <a:ext uri="{FF2B5EF4-FFF2-40B4-BE49-F238E27FC236}">
+                  <a16:creationId xmlns:a16="http://schemas.microsoft.com/office/drawing/2014/main" id="{B540868B-2744-47A5-8943-0660462B4BFF}"/>
+                </a:ext>
+              </a:extLst>
+            </p:cNvPr>
+            <p:cNvCxnSpPr>
+              <a:cxnSpLocks/>
+            </p:cNvCxnSpPr>
+            <p:nvPr/>
+          </p:nvCxnSpPr>
+          <p:spPr>
+            <a:xfrm flipV="1">
+              <a:off x="3216881" y="4440941"/>
+              <a:ext cx="0" cy="302889"/>
+            </a:xfrm>
+            <a:prstGeom prst="straightConnector1">
+              <a:avLst/>
+            </a:prstGeom>
+            <a:ln>
+              <a:tailEnd type="triangle"/>
+            </a:ln>
+          </p:spPr>
+          <p:style>
+            <a:lnRef idx="1">
+              <a:schemeClr val="accent1"/>
+            </a:lnRef>
+            <a:fillRef idx="0">
+              <a:schemeClr val="accent1"/>
+            </a:fillRef>
+            <a:effectRef idx="0">
+              <a:schemeClr val="accent1"/>
+            </a:effectRef>
+            <a:fontRef idx="minor">
+              <a:schemeClr val="tx1"/>
+            </a:fontRef>
+          </p:style>
+        </p:cxnSp>
+        <p:cxnSp>
+          <p:nvCxnSpPr>
+            <p:cNvPr id="33" name="Straight Arrow Connector 32">
+              <a:extLst>
+                <a:ext uri="{FF2B5EF4-FFF2-40B4-BE49-F238E27FC236}">
+                  <a16:creationId xmlns:a16="http://schemas.microsoft.com/office/drawing/2014/main" id="{5881DB44-BD11-40D8-9150-481B52793F18}"/>
+                </a:ext>
+              </a:extLst>
+            </p:cNvPr>
+            <p:cNvCxnSpPr>
+              <a:cxnSpLocks/>
+            </p:cNvCxnSpPr>
+            <p:nvPr/>
+          </p:nvCxnSpPr>
+          <p:spPr>
+            <a:xfrm flipH="1">
+              <a:off x="3092141" y="4451406"/>
+              <a:ext cx="1" cy="292424"/>
+            </a:xfrm>
+            <a:prstGeom prst="straightConnector1">
+              <a:avLst/>
+            </a:prstGeom>
+            <a:ln>
+              <a:tailEnd type="triangle"/>
+            </a:ln>
+          </p:spPr>
+          <p:style>
+            <a:lnRef idx="1">
+              <a:schemeClr val="accent1"/>
+            </a:lnRef>
+            <a:fillRef idx="0">
+              <a:schemeClr val="accent1"/>
+            </a:fillRef>
+            <a:effectRef idx="0">
+              <a:schemeClr val="accent1"/>
+            </a:effectRef>
+            <a:fontRef idx="minor">
+              <a:schemeClr val="tx1"/>
+            </a:fontRef>
+          </p:style>
+        </p:cxnSp>
+        <p:sp>
+          <p:nvSpPr>
+            <p:cNvPr id="39" name="TextBox 38">
+              <a:extLst>
+                <a:ext uri="{FF2B5EF4-FFF2-40B4-BE49-F238E27FC236}">
+                  <a16:creationId xmlns:a16="http://schemas.microsoft.com/office/drawing/2014/main" id="{D53102BD-1371-421F-9D3F-ED3C5F05EEC9}"/>
+                </a:ext>
+              </a:extLst>
+            </p:cNvPr>
+            <p:cNvSpPr txBox="1"/>
+            <p:nvPr/>
+          </p:nvSpPr>
+          <p:spPr>
+            <a:xfrm>
+              <a:off x="3245422" y="4440941"/>
+              <a:ext cx="277372" cy="338554"/>
+            </a:xfrm>
+            <a:prstGeom prst="rect">
+              <a:avLst/>
+            </a:prstGeom>
+            <a:noFill/>
+          </p:spPr>
+          <p:txBody>
+            <a:bodyPr wrap="square" rtlCol="0">
+              <a:spAutoFit/>
+            </a:bodyPr>
+            <a:lstStyle/>
+            <a:p>
+              <a:r>
+                <a:rPr lang="fr-FR" sz="1600" dirty="0"/>
+                <a:t>b</a:t>
+              </a:r>
+            </a:p>
+          </p:txBody>
+        </p:sp>
+        <p:sp>
+          <p:nvSpPr>
+            <p:cNvPr id="40" name="TextBox 39">
+              <a:extLst>
+                <a:ext uri="{FF2B5EF4-FFF2-40B4-BE49-F238E27FC236}">
+                  <a16:creationId xmlns:a16="http://schemas.microsoft.com/office/drawing/2014/main" id="{46448AB9-D752-437B-BDFF-924A18E23624}"/>
+                </a:ext>
+              </a:extLst>
+            </p:cNvPr>
+            <p:cNvSpPr txBox="1"/>
+            <p:nvPr/>
+          </p:nvSpPr>
+          <p:spPr>
+            <a:xfrm>
+              <a:off x="3805654" y="3820499"/>
+              <a:ext cx="277372" cy="338554"/>
+            </a:xfrm>
+            <a:prstGeom prst="rect">
+              <a:avLst/>
+            </a:prstGeom>
+            <a:noFill/>
+          </p:spPr>
+          <p:txBody>
+            <a:bodyPr wrap="square" rtlCol="0">
+              <a:spAutoFit/>
+            </a:bodyPr>
+            <a:lstStyle/>
+            <a:p>
+              <a:r>
+                <a:rPr lang="fr-FR" sz="1600" dirty="0"/>
+                <a:t>c</a:t>
+              </a:r>
+            </a:p>
+          </p:txBody>
+        </p:sp>
+        <p:sp>
+          <p:nvSpPr>
+            <p:cNvPr id="42" name="TextBox 41">
+              <a:extLst>
+                <a:ext uri="{FF2B5EF4-FFF2-40B4-BE49-F238E27FC236}">
+                  <a16:creationId xmlns:a16="http://schemas.microsoft.com/office/drawing/2014/main" id="{71080102-B242-4A13-B622-14152C7651CA}"/>
+                </a:ext>
+              </a:extLst>
+            </p:cNvPr>
+            <p:cNvSpPr txBox="1"/>
+            <p:nvPr/>
+          </p:nvSpPr>
+          <p:spPr>
+            <a:xfrm>
+              <a:off x="2718683" y="4410392"/>
+              <a:ext cx="277372" cy="338554"/>
+            </a:xfrm>
+            <a:prstGeom prst="rect">
+              <a:avLst/>
+            </a:prstGeom>
+            <a:noFill/>
+          </p:spPr>
+          <p:txBody>
+            <a:bodyPr wrap="square" rtlCol="0">
+              <a:spAutoFit/>
+            </a:bodyPr>
+            <a:lstStyle/>
+            <a:p>
+              <a:r>
+                <a:rPr lang="fr-FR" sz="1600" dirty="0"/>
+                <a:t>a</a:t>
+              </a:r>
+            </a:p>
+          </p:txBody>
+        </p:sp>
+      </p:grpSp>
     </p:spTree>
     <p:extLst>
       <p:ext uri="{BB962C8B-B14F-4D97-AF65-F5344CB8AC3E}">
@@ -10791,7 +11121,7 @@
         <p:spPr>
           <a:xfrm>
             <a:off x="2231136" y="2638044"/>
-            <a:ext cx="7729728" cy="3101983"/>
+            <a:ext cx="9112106" cy="3656739"/>
           </a:xfrm>
         </p:spPr>
         <p:txBody>
@@ -10826,7 +11156,13 @@
           <a:p>
             <a:r>
               <a:rPr lang="fr-FR" dirty="0"/>
-              <a:t>Algorithme mot reconnu (Déterminisme)</a:t>
+              <a:t>Fonction d’affichage</a:t>
+            </a:r>
+          </a:p>
+          <a:p>
+            <a:r>
+              <a:rPr lang="fr-FR" dirty="0"/>
+              <a:t>Existe Chemin</a:t>
             </a:r>
           </a:p>
           <a:p>
@@ -10838,7 +11174,13 @@
           <a:p>
             <a:r>
               <a:rPr lang="fr-FR" dirty="0"/>
-              <a:t>Changement apportée pour l’automate indéterministe </a:t>
+              <a:t>Algorithme mot reconnu (Déterminisme)</a:t>
+            </a:r>
+          </a:p>
+          <a:p>
+            <a:r>
+              <a:rPr lang="fr-FR" dirty="0"/>
+              <a:t>Automate indéterministe </a:t>
             </a:r>
           </a:p>
           <a:p>
@@ -11633,7 +11975,7 @@
         </p:nvSpPr>
         <p:spPr>
           <a:xfrm>
-            <a:off x="2231136" y="2834640"/>
+            <a:off x="2231136" y="568518"/>
             <a:ext cx="7729728" cy="1188720"/>
           </a:xfrm>
         </p:spPr>
@@ -11648,6 +11990,35 @@
           </a:p>
         </p:txBody>
       </p:sp>
+      <p:pic>
+        <p:nvPicPr>
+          <p:cNvPr id="3" name="Picture 2">
+            <a:extLst>
+              <a:ext uri="{FF2B5EF4-FFF2-40B4-BE49-F238E27FC236}">
+                <a16:creationId xmlns:a16="http://schemas.microsoft.com/office/drawing/2014/main" id="{C78DB781-B73D-41E5-81EC-6E03591405F3}"/>
+              </a:ext>
+            </a:extLst>
+          </p:cNvPr>
+          <p:cNvPicPr>
+            <a:picLocks noChangeAspect="1"/>
+          </p:cNvPicPr>
+          <p:nvPr/>
+        </p:nvPicPr>
+        <p:blipFill rotWithShape="1">
+          <a:blip r:embed="rId2"/>
+          <a:srcRect l="27719" t="16022" r="29891" b="6259"/>
+          <a:stretch/>
+        </p:blipFill>
+        <p:spPr>
+          <a:xfrm>
+            <a:off x="3942521" y="2054085"/>
+            <a:ext cx="4306957" cy="4439480"/>
+          </a:xfrm>
+          <a:prstGeom prst="rect">
+            <a:avLst/>
+          </a:prstGeom>
+        </p:spPr>
+      </p:pic>
     </p:spTree>
     <p:extLst>
       <p:ext uri="{BB962C8B-B14F-4D97-AF65-F5344CB8AC3E}">
@@ -11919,4 +12290,299 @@
     </a:ext>
   </a:extLst>
 </a:theme>
+</file>
+
+<file path=ppt/theme/theme2.xml><?xml version="1.0" encoding="utf-8"?>
+<a:theme xmlns:a="http://schemas.openxmlformats.org/drawingml/2006/main" name="Office Theme">
+  <a:themeElements>
+    <a:clrScheme name="Office">
+      <a:dk1>
+        <a:sysClr val="windowText" lastClr="000000"/>
+      </a:dk1>
+      <a:lt1>
+        <a:sysClr val="window" lastClr="FFFFFF"/>
+      </a:lt1>
+      <a:dk2>
+        <a:srgbClr val="44546A"/>
+      </a:dk2>
+      <a:lt2>
+        <a:srgbClr val="E7E6E6"/>
+      </a:lt2>
+      <a:accent1>
+        <a:srgbClr val="4472C4"/>
+      </a:accent1>
+      <a:accent2>
+        <a:srgbClr val="ED7D31"/>
+      </a:accent2>
+      <a:accent3>
+        <a:srgbClr val="A5A5A5"/>
+      </a:accent3>
+      <a:accent4>
+        <a:srgbClr val="FFC000"/>
+      </a:accent4>
+      <a:accent5>
+        <a:srgbClr val="5B9BD5"/>
+      </a:accent5>
+      <a:accent6>
+        <a:srgbClr val="70AD47"/>
+      </a:accent6>
+      <a:hlink>
+        <a:srgbClr val="0563C1"/>
+      </a:hlink>
+      <a:folHlink>
+        <a:srgbClr val="954F72"/>
+      </a:folHlink>
+    </a:clrScheme>
+    <a:fontScheme name="Office">
+      <a:majorFont>
+        <a:latin typeface="Calibri Light" panose="020F0302020204030204"/>
+        <a:ea typeface=""/>
+        <a:cs typeface=""/>
+        <a:font script="Jpan" typeface="游ゴシック Light"/>
+        <a:font script="Hang" typeface="맑은 고딕"/>
+        <a:font script="Hans" typeface="等线 Light"/>
+        <a:font script="Hant" typeface="新細明體"/>
+        <a:font script="Arab" typeface="Times New Roman"/>
+        <a:font script="Hebr" typeface="Times New Roman"/>
+        <a:font script="Thai" typeface="Angsana New"/>
+        <a:font script="Ethi" typeface="Nyala"/>
+        <a:font script="Beng" typeface="Vrinda"/>
+        <a:font script="Gujr" typeface="Shruti"/>
+        <a:font script="Khmr" typeface="MoolBoran"/>
+        <a:font script="Knda" typeface="Tunga"/>
+        <a:font script="Guru" typeface="Raavi"/>
+        <a:font script="Cans" typeface="Euphemia"/>
+        <a:font script="Cher" typeface="Plantagenet Cherokee"/>
+        <a:font script="Yiii" typeface="Microsoft Yi Baiti"/>
+        <a:font script="Tibt" typeface="Microsoft Himalaya"/>
+        <a:font script="Thaa" typeface="MV Boli"/>
+        <a:font script="Deva" typeface="Mangal"/>
+        <a:font script="Telu" typeface="Gautami"/>
+        <a:font script="Taml" typeface="Latha"/>
+        <a:font script="Syrc" typeface="Estrangelo Edessa"/>
+        <a:font script="Orya" typeface="Kalinga"/>
+        <a:font script="Mlym" typeface="Kartika"/>
+        <a:font script="Laoo" typeface="DokChampa"/>
+        <a:font script="Sinh" typeface="Iskoola Pota"/>
+        <a:font script="Mong" typeface="Mongolian Baiti"/>
+        <a:font script="Viet" typeface="Times New Roman"/>
+        <a:font script="Uigh" typeface="Microsoft Uighur"/>
+        <a:font script="Geor" typeface="Sylfaen"/>
+        <a:font script="Armn" typeface="Arial"/>
+        <a:font script="Bugi" typeface="Leelawadee UI"/>
+        <a:font script="Bopo" typeface="Microsoft JhengHei"/>
+        <a:font script="Java" typeface="Javanese Text"/>
+        <a:font script="Lisu" typeface="Segoe UI"/>
+        <a:font script="Mymr" typeface="Myanmar Text"/>
+        <a:font script="Nkoo" typeface="Ebrima"/>
+        <a:font script="Olck" typeface="Nirmala UI"/>
+        <a:font script="Osma" typeface="Ebrima"/>
+        <a:font script="Phag" typeface="Phagspa"/>
+        <a:font script="Syrn" typeface="Estrangelo Edessa"/>
+        <a:font script="Syrj" typeface="Estrangelo Edessa"/>
+        <a:font script="Syre" typeface="Estrangelo Edessa"/>
+        <a:font script="Sora" typeface="Nirmala UI"/>
+        <a:font script="Tale" typeface="Microsoft Tai Le"/>
+        <a:font script="Talu" typeface="Microsoft New Tai Lue"/>
+        <a:font script="Tfng" typeface="Ebrima"/>
+      </a:majorFont>
+      <a:minorFont>
+        <a:latin typeface="Calibri" panose="020F0502020204030204"/>
+        <a:ea typeface=""/>
+        <a:cs typeface=""/>
+        <a:font script="Jpan" typeface="游ゴシック"/>
+        <a:font script="Hang" typeface="맑은 고딕"/>
+        <a:font script="Hans" typeface="等线"/>
+        <a:font script="Hant" typeface="新細明體"/>
+        <a:font script="Arab" typeface="Arial"/>
+        <a:font script="Hebr" typeface="Arial"/>
+        <a:font script="Thai" typeface="Cordia New"/>
+        <a:font script="Ethi" typeface="Nyala"/>
+        <a:font script="Beng" typeface="Vrinda"/>
+        <a:font script="Gujr" typeface="Shruti"/>
+        <a:font script="Khmr" typeface="DaunPenh"/>
+        <a:font script="Knda" typeface="Tunga"/>
+        <a:font script="Guru" typeface="Raavi"/>
+        <a:font script="Cans" typeface="Euphemia"/>
+        <a:font script="Cher" typeface="Plantagenet Cherokee"/>
+        <a:font script="Yiii" typeface="Microsoft Yi Baiti"/>
+        <a:font script="Tibt" typeface="Microsoft Himalaya"/>
+        <a:font script="Thaa" typeface="MV Boli"/>
+        <a:font script="Deva" typeface="Mangal"/>
+        <a:font script="Telu" typeface="Gautami"/>
+        <a:font script="Taml" typeface="Latha"/>
+        <a:font script="Syrc" typeface="Estrangelo Edessa"/>
+        <a:font script="Orya" typeface="Kalinga"/>
+        <a:font script="Mlym" typeface="Kartika"/>
+        <a:font script="Laoo" typeface="DokChampa"/>
+        <a:font script="Sinh" typeface="Iskoola Pota"/>
+        <a:font script="Mong" typeface="Mongolian Baiti"/>
+        <a:font script="Viet" typeface="Arial"/>
+        <a:font script="Uigh" typeface="Microsoft Uighur"/>
+        <a:font script="Geor" typeface="Sylfaen"/>
+        <a:font script="Armn" typeface="Arial"/>
+        <a:font script="Bugi" typeface="Leelawadee UI"/>
+        <a:font script="Bopo" typeface="Microsoft JhengHei"/>
+        <a:font script="Java" typeface="Javanese Text"/>
+        <a:font script="Lisu" typeface="Segoe UI"/>
+        <a:font script="Mymr" typeface="Myanmar Text"/>
+        <a:font script="Nkoo" typeface="Ebrima"/>
+        <a:font script="Olck" typeface="Nirmala UI"/>
+        <a:font script="Osma" typeface="Ebrima"/>
+        <a:font script="Phag" typeface="Phagspa"/>
+        <a:font script="Syrn" typeface="Estrangelo Edessa"/>
+        <a:font script="Syrj" typeface="Estrangelo Edessa"/>
+        <a:font script="Syre" typeface="Estrangelo Edessa"/>
+        <a:font script="Sora" typeface="Nirmala UI"/>
+        <a:font script="Tale" typeface="Microsoft Tai Le"/>
+        <a:font script="Talu" typeface="Microsoft New Tai Lue"/>
+        <a:font script="Tfng" typeface="Ebrima"/>
+      </a:minorFont>
+    </a:fontScheme>
+    <a:fmtScheme name="Office">
+      <a:fillStyleLst>
+        <a:solidFill>
+          <a:schemeClr val="phClr"/>
+        </a:solidFill>
+        <a:gradFill rotWithShape="1">
+          <a:gsLst>
+            <a:gs pos="0">
+              <a:schemeClr val="phClr">
+                <a:lumMod val="110000"/>
+                <a:satMod val="105000"/>
+                <a:tint val="67000"/>
+              </a:schemeClr>
+            </a:gs>
+            <a:gs pos="50000">
+              <a:schemeClr val="phClr">
+                <a:lumMod val="105000"/>
+                <a:satMod val="103000"/>
+                <a:tint val="73000"/>
+              </a:schemeClr>
+            </a:gs>
+            <a:gs pos="100000">
+              <a:schemeClr val="phClr">
+                <a:lumMod val="105000"/>
+                <a:satMod val="109000"/>
+                <a:tint val="81000"/>
+              </a:schemeClr>
+            </a:gs>
+          </a:gsLst>
+          <a:lin ang="5400000" scaled="0"/>
+        </a:gradFill>
+        <a:gradFill rotWithShape="1">
+          <a:gsLst>
+            <a:gs pos="0">
+              <a:schemeClr val="phClr">
+                <a:satMod val="103000"/>
+                <a:lumMod val="102000"/>
+                <a:tint val="94000"/>
+              </a:schemeClr>
+            </a:gs>
+            <a:gs pos="50000">
+              <a:schemeClr val="phClr">
+                <a:satMod val="110000"/>
+                <a:lumMod val="100000"/>
+                <a:shade val="100000"/>
+              </a:schemeClr>
+            </a:gs>
+            <a:gs pos="100000">
+              <a:schemeClr val="phClr">
+                <a:lumMod val="99000"/>
+                <a:satMod val="120000"/>
+                <a:shade val="78000"/>
+              </a:schemeClr>
+            </a:gs>
+          </a:gsLst>
+          <a:lin ang="5400000" scaled="0"/>
+        </a:gradFill>
+      </a:fillStyleLst>
+      <a:lnStyleLst>
+        <a:ln w="6350" cap="flat" cmpd="sng" algn="ctr">
+          <a:solidFill>
+            <a:schemeClr val="phClr"/>
+          </a:solidFill>
+          <a:prstDash val="solid"/>
+          <a:miter lim="800000"/>
+        </a:ln>
+        <a:ln w="12700" cap="flat" cmpd="sng" algn="ctr">
+          <a:solidFill>
+            <a:schemeClr val="phClr"/>
+          </a:solidFill>
+          <a:prstDash val="solid"/>
+          <a:miter lim="800000"/>
+        </a:ln>
+        <a:ln w="19050" cap="flat" cmpd="sng" algn="ctr">
+          <a:solidFill>
+            <a:schemeClr val="phClr"/>
+          </a:solidFill>
+          <a:prstDash val="solid"/>
+          <a:miter lim="800000"/>
+        </a:ln>
+      </a:lnStyleLst>
+      <a:effectStyleLst>
+        <a:effectStyle>
+          <a:effectLst/>
+        </a:effectStyle>
+        <a:effectStyle>
+          <a:effectLst/>
+        </a:effectStyle>
+        <a:effectStyle>
+          <a:effectLst>
+            <a:outerShdw blurRad="57150" dist="19050" dir="5400000" algn="ctr" rotWithShape="0">
+              <a:srgbClr val="000000">
+                <a:alpha val="63000"/>
+              </a:srgbClr>
+            </a:outerShdw>
+          </a:effectLst>
+        </a:effectStyle>
+      </a:effectStyleLst>
+      <a:bgFillStyleLst>
+        <a:solidFill>
+          <a:schemeClr val="phClr"/>
+        </a:solidFill>
+        <a:solidFill>
+          <a:schemeClr val="phClr">
+            <a:tint val="95000"/>
+            <a:satMod val="170000"/>
+          </a:schemeClr>
+        </a:solidFill>
+        <a:gradFill rotWithShape="1">
+          <a:gsLst>
+            <a:gs pos="0">
+              <a:schemeClr val="phClr">
+                <a:tint val="93000"/>
+                <a:satMod val="150000"/>
+                <a:shade val="98000"/>
+                <a:lumMod val="102000"/>
+              </a:schemeClr>
+            </a:gs>
+            <a:gs pos="50000">
+              <a:schemeClr val="phClr">
+                <a:tint val="98000"/>
+                <a:satMod val="130000"/>
+                <a:shade val="90000"/>
+                <a:lumMod val="103000"/>
+              </a:schemeClr>
+            </a:gs>
+            <a:gs pos="100000">
+              <a:schemeClr val="phClr">
+                <a:shade val="63000"/>
+                <a:satMod val="120000"/>
+              </a:schemeClr>
+            </a:gs>
+          </a:gsLst>
+          <a:lin ang="5400000" scaled="0"/>
+        </a:gradFill>
+      </a:bgFillStyleLst>
+    </a:fmtScheme>
+  </a:themeElements>
+  <a:objectDefaults/>
+  <a:extraClrSchemeLst/>
+  <a:extLst>
+    <a:ext uri="{05A4C25C-085E-4340-85A3-A5531E510DB2}">
+      <thm15:themeFamily xmlns:thm15="http://schemas.microsoft.com/office/thememl/2012/main" name="Office Theme" id="{62F939B6-93AF-4DB8-9C6B-D6C7DFDC589F}" vid="{4A3C46E8-61CC-4603-A589-7422A47A8E4A}"/>
+    </a:ext>
+  </a:extLst>
+</a:theme>
 </file>